--- a/stroke_pred_presentation.pptx
+++ b/stroke_pred_presentation.pptx
@@ -7,11 +7,16 @@
   <p:sldIdLst>
     <p:sldId id="259" r:id="rId2"/>
     <p:sldId id="260" r:id="rId3"/>
-    <p:sldId id="262" r:id="rId4"/>
+    <p:sldId id="264" r:id="rId4"/>
     <p:sldId id="263" r:id="rId5"/>
-    <p:sldId id="261" r:id="rId6"/>
-    <p:sldId id="258" r:id="rId7"/>
-    <p:sldId id="257" r:id="rId8"/>
+    <p:sldId id="262" r:id="rId6"/>
+    <p:sldId id="265" r:id="rId7"/>
+    <p:sldId id="266" r:id="rId8"/>
+    <p:sldId id="261" r:id="rId9"/>
+    <p:sldId id="258" r:id="rId10"/>
+    <p:sldId id="267" r:id="rId11"/>
+    <p:sldId id="257" r:id="rId12"/>
+    <p:sldId id="268" r:id="rId13"/>
   </p:sldIdLst>
   <p:sldSz cx="9144000" cy="6858000" type="screen4x3"/>
   <p:notesSz cx="6858000" cy="9144000"/>
@@ -110,6 +115,11 @@
       </a:defRPr>
     </a:lvl9pPr>
   </p:defaultTextStyle>
+  <p:extLst>
+    <p:ext uri="{EFAFB233-063F-42B5-8137-9DF3F51BA10A}">
+      <p15:sldGuideLst xmlns:p15="http://schemas.microsoft.com/office/powerpoint/2012/main"/>
+    </p:ext>
+  </p:extLst>
 </p:presentation>
 </file>
 
@@ -244,7 +254,7 @@
           <a:p>
             <a:fld id="{DFA1E9A6-908D-47E9-85EC-E27169C531D0}" type="datetimeFigureOut">
               <a:rPr lang="en-US" smtClean="0"/>
-              <a:t>12/5/2022</a:t>
+              <a:t>12/7/2022</a:t>
             </a:fld>
             <a:endParaRPr lang="en-US"/>
           </a:p>
@@ -414,7 +424,7 @@
           <a:p>
             <a:fld id="{DFA1E9A6-908D-47E9-85EC-E27169C531D0}" type="datetimeFigureOut">
               <a:rPr lang="en-US" smtClean="0"/>
-              <a:t>12/5/2022</a:t>
+              <a:t>12/7/2022</a:t>
             </a:fld>
             <a:endParaRPr lang="en-US"/>
           </a:p>
@@ -594,7 +604,7 @@
           <a:p>
             <a:fld id="{DFA1E9A6-908D-47E9-85EC-E27169C531D0}" type="datetimeFigureOut">
               <a:rPr lang="en-US" smtClean="0"/>
-              <a:t>12/5/2022</a:t>
+              <a:t>12/7/2022</a:t>
             </a:fld>
             <a:endParaRPr lang="en-US"/>
           </a:p>
@@ -764,7 +774,7 @@
           <a:p>
             <a:fld id="{DFA1E9A6-908D-47E9-85EC-E27169C531D0}" type="datetimeFigureOut">
               <a:rPr lang="en-US" smtClean="0"/>
-              <a:t>12/5/2022</a:t>
+              <a:t>12/7/2022</a:t>
             </a:fld>
             <a:endParaRPr lang="en-US"/>
           </a:p>
@@ -1008,7 +1018,7 @@
           <a:p>
             <a:fld id="{DFA1E9A6-908D-47E9-85EC-E27169C531D0}" type="datetimeFigureOut">
               <a:rPr lang="en-US" smtClean="0"/>
-              <a:t>12/5/2022</a:t>
+              <a:t>12/7/2022</a:t>
             </a:fld>
             <a:endParaRPr lang="en-US"/>
           </a:p>
@@ -1240,7 +1250,7 @@
           <a:p>
             <a:fld id="{DFA1E9A6-908D-47E9-85EC-E27169C531D0}" type="datetimeFigureOut">
               <a:rPr lang="en-US" smtClean="0"/>
-              <a:t>12/5/2022</a:t>
+              <a:t>12/7/2022</a:t>
             </a:fld>
             <a:endParaRPr lang="en-US"/>
           </a:p>
@@ -1607,7 +1617,7 @@
           <a:p>
             <a:fld id="{DFA1E9A6-908D-47E9-85EC-E27169C531D0}" type="datetimeFigureOut">
               <a:rPr lang="en-US" smtClean="0"/>
-              <a:t>12/5/2022</a:t>
+              <a:t>12/7/2022</a:t>
             </a:fld>
             <a:endParaRPr lang="en-US"/>
           </a:p>
@@ -1725,7 +1735,7 @@
           <a:p>
             <a:fld id="{DFA1E9A6-908D-47E9-85EC-E27169C531D0}" type="datetimeFigureOut">
               <a:rPr lang="en-US" smtClean="0"/>
-              <a:t>12/5/2022</a:t>
+              <a:t>12/7/2022</a:t>
             </a:fld>
             <a:endParaRPr lang="en-US"/>
           </a:p>
@@ -1820,7 +1830,7 @@
           <a:p>
             <a:fld id="{DFA1E9A6-908D-47E9-85EC-E27169C531D0}" type="datetimeFigureOut">
               <a:rPr lang="en-US" smtClean="0"/>
-              <a:t>12/5/2022</a:t>
+              <a:t>12/7/2022</a:t>
             </a:fld>
             <a:endParaRPr lang="en-US"/>
           </a:p>
@@ -2097,7 +2107,7 @@
           <a:p>
             <a:fld id="{DFA1E9A6-908D-47E9-85EC-E27169C531D0}" type="datetimeFigureOut">
               <a:rPr lang="en-US" smtClean="0"/>
-              <a:t>12/5/2022</a:t>
+              <a:t>12/7/2022</a:t>
             </a:fld>
             <a:endParaRPr lang="en-US"/>
           </a:p>
@@ -2354,7 +2364,7 @@
           <a:p>
             <a:fld id="{DFA1E9A6-908D-47E9-85EC-E27169C531D0}" type="datetimeFigureOut">
               <a:rPr lang="en-US" smtClean="0"/>
-              <a:t>12/5/2022</a:t>
+              <a:t>12/7/2022</a:t>
             </a:fld>
             <a:endParaRPr lang="en-US"/>
           </a:p>
@@ -2567,7 +2577,7 @@
           <a:p>
             <a:fld id="{DFA1E9A6-908D-47E9-85EC-E27169C531D0}" type="datetimeFigureOut">
               <a:rPr lang="en-US" smtClean="0"/>
-              <a:t>12/5/2022</a:t>
+              <a:t>12/7/2022</a:t>
             </a:fld>
             <a:endParaRPr lang="en-US"/>
           </a:p>
@@ -3113,7 +3123,7 @@
         </p:spPr>
         <p:txBody>
           <a:bodyPr vert="horz" lIns="91440" tIns="45720" rIns="91440" bIns="45720" rtlCol="0">
-            <a:normAutofit fontScale="62500" lnSpcReduction="20000"/>
+            <a:normAutofit/>
           </a:bodyPr>
           <a:lstStyle>
             <a:lvl1pPr marL="0" indent="0" algn="ctr" defTabSz="914400" rtl="0" eaLnBrk="1" latinLnBrk="0" hangingPunct="1">
@@ -3281,16 +3291,9 @@
           </a:lstStyle>
           <a:p>
             <a:r>
-              <a:rPr lang="en-US" sz="3800"/>
+              <a:rPr lang="en-US" dirty="0"/>
               <a:t>Shehani Wetthasinghe</a:t>
             </a:r>
-          </a:p>
-          <a:p>
-            <a:r>
-              <a:rPr lang="en-US"/>
-              <a:t>12/07/2022</a:t>
-            </a:r>
-            <a:endParaRPr lang="en-US" dirty="0"/>
           </a:p>
         </p:txBody>
       </p:sp>
@@ -3298,6 +3301,620 @@
     <p:extLst>
       <p:ext uri="{BB962C8B-B14F-4D97-AF65-F5344CB8AC3E}">
         <p14:creationId xmlns:p14="http://schemas.microsoft.com/office/powerpoint/2010/main" val="3620310783"/>
+      </p:ext>
+    </p:extLst>
+  </p:cSld>
+  <p:clrMapOvr>
+    <a:masterClrMapping/>
+  </p:clrMapOvr>
+</p:sld>
+</file>
+
+<file path=ppt/slides/slide10.xml><?xml version="1.0" encoding="utf-8"?>
+<p:sld xmlns:a="http://schemas.openxmlformats.org/drawingml/2006/main" xmlns:r="http://schemas.openxmlformats.org/officeDocument/2006/relationships" xmlns:p="http://schemas.openxmlformats.org/presentationml/2006/main">
+  <p:cSld>
+    <p:bg>
+      <p:bgPr>
+        <a:solidFill>
+          <a:schemeClr val="bg1">
+            <a:lumMod val="75000"/>
+            <a:lumOff val="25000"/>
+          </a:schemeClr>
+        </a:solidFill>
+        <a:effectLst/>
+      </p:bgPr>
+    </p:bg>
+    <p:spTree>
+      <p:nvGrpSpPr>
+        <p:cNvPr id="1" name=""/>
+        <p:cNvGrpSpPr/>
+        <p:nvPr/>
+      </p:nvGrpSpPr>
+      <p:grpSpPr>
+        <a:xfrm>
+          <a:off x="0" y="0"/>
+          <a:ext cx="0" cy="0"/>
+          <a:chOff x="0" y="0"/>
+          <a:chExt cx="0" cy="0"/>
+        </a:xfrm>
+      </p:grpSpPr>
+      <p:sp>
+        <p:nvSpPr>
+          <p:cNvPr id="2" name="TextBox 1">
+            <a:extLst>
+              <a:ext uri="{FF2B5EF4-FFF2-40B4-BE49-F238E27FC236}">
+                <a16:creationId xmlns:a16="http://schemas.microsoft.com/office/drawing/2014/main" id="{609DBED5-2BCE-EC06-423A-40963F8B4A45}"/>
+              </a:ext>
+            </a:extLst>
+          </p:cNvPr>
+          <p:cNvSpPr txBox="1"/>
+          <p:nvPr/>
+        </p:nvSpPr>
+        <p:spPr>
+          <a:xfrm>
+            <a:off x="483832" y="303606"/>
+            <a:ext cx="5206753" cy="523220"/>
+          </a:xfrm>
+          <a:prstGeom prst="rect">
+            <a:avLst/>
+          </a:prstGeom>
+          <a:noFill/>
+        </p:spPr>
+        <p:txBody>
+          <a:bodyPr wrap="square">
+            <a:spAutoFit/>
+          </a:bodyPr>
+          <a:lstStyle/>
+          <a:p>
+            <a:r>
+              <a:rPr lang="en-US" sz="2800" b="1" dirty="0">
+                <a:latin typeface="+mn-lt"/>
+                <a:cs typeface="Calibri" pitchFamily="34" charset="0"/>
+              </a:rPr>
+              <a:t>Machine Learning Models</a:t>
+            </a:r>
+            <a:endParaRPr lang="en-US" sz="2800" dirty="0"/>
+          </a:p>
+        </p:txBody>
+      </p:sp>
+      <p:sp>
+        <p:nvSpPr>
+          <p:cNvPr id="3" name="TextBox 2">
+            <a:extLst>
+              <a:ext uri="{FF2B5EF4-FFF2-40B4-BE49-F238E27FC236}">
+                <a16:creationId xmlns:a16="http://schemas.microsoft.com/office/drawing/2014/main" id="{9EA7C3D1-F13F-DFFE-ABEF-CAC2B37A9EE7}"/>
+              </a:ext>
+            </a:extLst>
+          </p:cNvPr>
+          <p:cNvSpPr txBox="1"/>
+          <p:nvPr/>
+        </p:nvSpPr>
+        <p:spPr>
+          <a:xfrm>
+            <a:off x="727970" y="1349406"/>
+            <a:ext cx="6382709" cy="4308872"/>
+          </a:xfrm>
+          <a:prstGeom prst="rect">
+            <a:avLst/>
+          </a:prstGeom>
+          <a:noFill/>
+        </p:spPr>
+        <p:txBody>
+          <a:bodyPr wrap="none" rtlCol="0">
+            <a:spAutoFit/>
+          </a:bodyPr>
+          <a:lstStyle/>
+          <a:p>
+            <a:r>
+              <a:rPr lang="en-US" sz="2000" dirty="0">
+                <a:solidFill>
+                  <a:schemeClr val="bg2">
+                    <a:lumMod val="20000"/>
+                    <a:lumOff val="80000"/>
+                  </a:schemeClr>
+                </a:solidFill>
+              </a:rPr>
+              <a:t>Stroke Prediction : Classification Problem</a:t>
+            </a:r>
+          </a:p>
+          <a:p>
+            <a:endParaRPr lang="en-US" sz="2000" dirty="0">
+              <a:solidFill>
+                <a:schemeClr val="bg2">
+                  <a:lumMod val="20000"/>
+                  <a:lumOff val="80000"/>
+                </a:schemeClr>
+              </a:solidFill>
+            </a:endParaRPr>
+          </a:p>
+          <a:p>
+            <a:r>
+              <a:rPr lang="en-US" sz="2000" dirty="0">
+                <a:solidFill>
+                  <a:schemeClr val="bg2">
+                    <a:lumMod val="20000"/>
+                    <a:lumOff val="80000"/>
+                  </a:schemeClr>
+                </a:solidFill>
+              </a:rPr>
+              <a:t>Used Models :</a:t>
+            </a:r>
+          </a:p>
+          <a:p>
+            <a:pPr marL="285750" indent="-285750">
+              <a:buFont typeface="Arial" panose="020B0604020202020204" pitchFamily="34" charset="0"/>
+              <a:buChar char="•"/>
+            </a:pPr>
+            <a:r>
+              <a:rPr lang="en-US" sz="2000" dirty="0">
+                <a:solidFill>
+                  <a:schemeClr val="bg2">
+                    <a:lumMod val="20000"/>
+                    <a:lumOff val="80000"/>
+                  </a:schemeClr>
+                </a:solidFill>
+              </a:rPr>
+              <a:t>	Logistic Regression</a:t>
+            </a:r>
+          </a:p>
+          <a:p>
+            <a:pPr marL="285750" indent="-285750">
+              <a:buFont typeface="Arial" panose="020B0604020202020204" pitchFamily="34" charset="0"/>
+              <a:buChar char="•"/>
+            </a:pPr>
+            <a:r>
+              <a:rPr lang="en-US" sz="2000" dirty="0">
+                <a:solidFill>
+                  <a:schemeClr val="bg2">
+                    <a:lumMod val="20000"/>
+                    <a:lumOff val="80000"/>
+                  </a:schemeClr>
+                </a:solidFill>
+              </a:rPr>
+              <a:t>	K-Nearest Neighbor</a:t>
+            </a:r>
+          </a:p>
+          <a:p>
+            <a:pPr marL="285750" indent="-285750">
+              <a:buFont typeface="Arial" panose="020B0604020202020204" pitchFamily="34" charset="0"/>
+              <a:buChar char="•"/>
+            </a:pPr>
+            <a:r>
+              <a:rPr lang="en-US" sz="2000" dirty="0">
+                <a:solidFill>
+                  <a:schemeClr val="bg2">
+                    <a:lumMod val="20000"/>
+                    <a:lumOff val="80000"/>
+                  </a:schemeClr>
+                </a:solidFill>
+              </a:rPr>
+              <a:t>	Random Forest</a:t>
+            </a:r>
+          </a:p>
+          <a:p>
+            <a:pPr marL="285750" indent="-285750">
+              <a:buFont typeface="Arial" panose="020B0604020202020204" pitchFamily="34" charset="0"/>
+              <a:buChar char="•"/>
+            </a:pPr>
+            <a:r>
+              <a:rPr lang="en-US" sz="2000" dirty="0">
+                <a:solidFill>
+                  <a:schemeClr val="bg2">
+                    <a:lumMod val="20000"/>
+                    <a:lumOff val="80000"/>
+                  </a:schemeClr>
+                </a:solidFill>
+              </a:rPr>
+              <a:t>	</a:t>
+            </a:r>
+            <a:r>
+              <a:rPr lang="en-US" sz="2000" dirty="0" err="1">
+                <a:solidFill>
+                  <a:schemeClr val="bg2">
+                    <a:lumMod val="20000"/>
+                    <a:lumOff val="80000"/>
+                  </a:schemeClr>
+                </a:solidFill>
+              </a:rPr>
+              <a:t>XGBoost</a:t>
+            </a:r>
+            <a:endParaRPr lang="en-US" sz="2000" dirty="0">
+              <a:solidFill>
+                <a:schemeClr val="bg2">
+                  <a:lumMod val="20000"/>
+                  <a:lumOff val="80000"/>
+                </a:schemeClr>
+              </a:solidFill>
+            </a:endParaRPr>
+          </a:p>
+          <a:p>
+            <a:endParaRPr lang="en-US" sz="2000" dirty="0">
+              <a:solidFill>
+                <a:schemeClr val="bg2">
+                  <a:lumMod val="20000"/>
+                  <a:lumOff val="80000"/>
+                </a:schemeClr>
+              </a:solidFill>
+            </a:endParaRPr>
+          </a:p>
+          <a:p>
+            <a:r>
+              <a:rPr lang="en-US" sz="2000" dirty="0">
+                <a:solidFill>
+                  <a:schemeClr val="bg2">
+                    <a:lumMod val="20000"/>
+                    <a:lumOff val="80000"/>
+                  </a:schemeClr>
+                </a:solidFill>
+              </a:rPr>
+              <a:t>Developments:</a:t>
+            </a:r>
+          </a:p>
+          <a:p>
+            <a:pPr marL="285750" indent="-285750">
+              <a:buFont typeface="Arial" panose="020B0604020202020204" pitchFamily="34" charset="0"/>
+              <a:buChar char="•"/>
+            </a:pPr>
+            <a:r>
+              <a:rPr lang="en-US" sz="2000" dirty="0">
+                <a:solidFill>
+                  <a:schemeClr val="bg2">
+                    <a:lumMod val="20000"/>
+                    <a:lumOff val="80000"/>
+                  </a:schemeClr>
+                </a:solidFill>
+              </a:rPr>
+              <a:t>Reduce the number of features</a:t>
+            </a:r>
+          </a:p>
+          <a:p>
+            <a:pPr marL="285750" indent="-285750">
+              <a:buFont typeface="Arial" panose="020B0604020202020204" pitchFamily="34" charset="0"/>
+              <a:buChar char="•"/>
+            </a:pPr>
+            <a:r>
+              <a:rPr lang="en-US" sz="2000" dirty="0">
+                <a:solidFill>
+                  <a:schemeClr val="bg2">
+                    <a:lumMod val="20000"/>
+                    <a:lumOff val="80000"/>
+                  </a:schemeClr>
+                </a:solidFill>
+              </a:rPr>
+              <a:t>Synthetically generated new data to balance the dataset </a:t>
+            </a:r>
+          </a:p>
+          <a:p>
+            <a:pPr marL="285750" indent="-285750">
+              <a:buFont typeface="Arial" panose="020B0604020202020204" pitchFamily="34" charset="0"/>
+              <a:buChar char="•"/>
+            </a:pPr>
+            <a:r>
+              <a:rPr lang="en-US" sz="2000" dirty="0">
+                <a:solidFill>
+                  <a:schemeClr val="bg2">
+                    <a:lumMod val="20000"/>
+                    <a:lumOff val="80000"/>
+                  </a:schemeClr>
+                </a:solidFill>
+              </a:rPr>
+              <a:t>Optimize the default parameters</a:t>
+            </a:r>
+          </a:p>
+          <a:p>
+            <a:pPr marL="285750" indent="-285750">
+              <a:buFont typeface="Arial" panose="020B0604020202020204" pitchFamily="34" charset="0"/>
+              <a:buChar char="•"/>
+            </a:pPr>
+            <a:endParaRPr lang="en-US" dirty="0"/>
+          </a:p>
+          <a:p>
+            <a:pPr marL="285750" indent="-285750">
+              <a:buFont typeface="Arial" panose="020B0604020202020204" pitchFamily="34" charset="0"/>
+              <a:buChar char="•"/>
+            </a:pPr>
+            <a:endParaRPr lang="en-US" dirty="0"/>
+          </a:p>
+        </p:txBody>
+      </p:sp>
+    </p:spTree>
+    <p:extLst>
+      <p:ext uri="{BB962C8B-B14F-4D97-AF65-F5344CB8AC3E}">
+        <p14:creationId xmlns:p14="http://schemas.microsoft.com/office/powerpoint/2010/main" val="1727517548"/>
+      </p:ext>
+    </p:extLst>
+  </p:cSld>
+  <p:clrMapOvr>
+    <a:masterClrMapping/>
+  </p:clrMapOvr>
+</p:sld>
+</file>
+
+<file path=ppt/slides/slide11.xml><?xml version="1.0" encoding="utf-8"?>
+<p:sld xmlns:a="http://schemas.openxmlformats.org/drawingml/2006/main" xmlns:r="http://schemas.openxmlformats.org/officeDocument/2006/relationships" xmlns:p="http://schemas.openxmlformats.org/presentationml/2006/main">
+  <p:cSld>
+    <p:bg>
+      <p:bgPr>
+        <a:solidFill>
+          <a:schemeClr val="bg1">
+            <a:lumMod val="75000"/>
+            <a:lumOff val="25000"/>
+          </a:schemeClr>
+        </a:solidFill>
+        <a:effectLst/>
+      </p:bgPr>
+    </p:bg>
+    <p:spTree>
+      <p:nvGrpSpPr>
+        <p:cNvPr id="1" name=""/>
+        <p:cNvGrpSpPr/>
+        <p:nvPr/>
+      </p:nvGrpSpPr>
+      <p:grpSpPr>
+        <a:xfrm>
+          <a:off x="0" y="0"/>
+          <a:ext cx="0" cy="0"/>
+          <a:chOff x="0" y="0"/>
+          <a:chExt cx="0" cy="0"/>
+        </a:xfrm>
+      </p:grpSpPr>
+      <p:sp>
+        <p:nvSpPr>
+          <p:cNvPr id="5" name="TextBox 4">
+            <a:extLst>
+              <a:ext uri="{FF2B5EF4-FFF2-40B4-BE49-F238E27FC236}">
+                <a16:creationId xmlns:a16="http://schemas.microsoft.com/office/drawing/2014/main" id="{C9E28727-D89C-BF46-5E48-98EA63EAD063}"/>
+              </a:ext>
+            </a:extLst>
+          </p:cNvPr>
+          <p:cNvSpPr txBox="1"/>
+          <p:nvPr/>
+        </p:nvSpPr>
+        <p:spPr>
+          <a:xfrm>
+            <a:off x="483832" y="303606"/>
+            <a:ext cx="5206753" cy="523220"/>
+          </a:xfrm>
+          <a:prstGeom prst="rect">
+            <a:avLst/>
+          </a:prstGeom>
+          <a:noFill/>
+        </p:spPr>
+        <p:txBody>
+          <a:bodyPr wrap="square">
+            <a:spAutoFit/>
+          </a:bodyPr>
+          <a:lstStyle/>
+          <a:p>
+            <a:r>
+              <a:rPr lang="en-US" sz="2800" b="1" dirty="0">
+                <a:latin typeface="+mn-lt"/>
+                <a:cs typeface="Calibri" pitchFamily="34" charset="0"/>
+              </a:rPr>
+              <a:t>Model Selection and Evaluation</a:t>
+            </a:r>
+            <a:endParaRPr lang="en-US" sz="2800" dirty="0"/>
+          </a:p>
+        </p:txBody>
+      </p:sp>
+      <p:pic>
+        <p:nvPicPr>
+          <p:cNvPr id="2050" name="Picture 2">
+            <a:extLst>
+              <a:ext uri="{FF2B5EF4-FFF2-40B4-BE49-F238E27FC236}">
+                <a16:creationId xmlns:a16="http://schemas.microsoft.com/office/drawing/2014/main" id="{A9180F4E-D04B-501E-FB3C-E6DAB1159B9D}"/>
+              </a:ext>
+            </a:extLst>
+          </p:cNvPr>
+          <p:cNvPicPr>
+            <a:picLocks noChangeAspect="1" noChangeArrowheads="1"/>
+          </p:cNvPicPr>
+          <p:nvPr/>
+        </p:nvPicPr>
+        <p:blipFill>
+          <a:blip r:embed="rId2">
+            <a:extLst>
+              <a:ext uri="{28A0092B-C50C-407E-A947-70E740481C1C}">
+                <a14:useLocalDpi xmlns:a14="http://schemas.microsoft.com/office/drawing/2010/main" val="0"/>
+              </a:ext>
+            </a:extLst>
+          </a:blip>
+          <a:srcRect/>
+          <a:stretch>
+            <a:fillRect/>
+          </a:stretch>
+        </p:blipFill>
+        <p:spPr bwMode="auto">
+          <a:xfrm>
+            <a:off x="122393" y="1206393"/>
+            <a:ext cx="4287987" cy="4315519"/>
+          </a:xfrm>
+          <a:prstGeom prst="rect">
+            <a:avLst/>
+          </a:prstGeom>
+          <a:noFill/>
+          <a:extLst>
+            <a:ext uri="{909E8E84-426E-40DD-AFC4-6F175D3DCCD1}">
+              <a14:hiddenFill xmlns:a14="http://schemas.microsoft.com/office/drawing/2010/main">
+                <a:solidFill>
+                  <a:srgbClr val="FFFFFF"/>
+                </a:solidFill>
+              </a14:hiddenFill>
+            </a:ext>
+          </a:extLst>
+        </p:spPr>
+      </p:pic>
+      <p:pic>
+        <p:nvPicPr>
+          <p:cNvPr id="2052" name="Picture 4">
+            <a:extLst>
+              <a:ext uri="{FF2B5EF4-FFF2-40B4-BE49-F238E27FC236}">
+                <a16:creationId xmlns:a16="http://schemas.microsoft.com/office/drawing/2014/main" id="{9BE8EF25-12A4-2BE6-17E9-F9A8650C9DC4}"/>
+              </a:ext>
+            </a:extLst>
+          </p:cNvPr>
+          <p:cNvPicPr>
+            <a:picLocks noChangeAspect="1" noChangeArrowheads="1"/>
+          </p:cNvPicPr>
+          <p:nvPr/>
+        </p:nvPicPr>
+        <p:blipFill>
+          <a:blip r:embed="rId3">
+            <a:extLst>
+              <a:ext uri="{28A0092B-C50C-407E-A947-70E740481C1C}">
+                <a14:useLocalDpi xmlns:a14="http://schemas.microsoft.com/office/drawing/2010/main" val="0"/>
+              </a:ext>
+            </a:extLst>
+          </a:blip>
+          <a:srcRect/>
+          <a:stretch>
+            <a:fillRect/>
+          </a:stretch>
+        </p:blipFill>
+        <p:spPr bwMode="auto">
+          <a:xfrm>
+            <a:off x="4733622" y="1206393"/>
+            <a:ext cx="4363698" cy="4315518"/>
+          </a:xfrm>
+          <a:prstGeom prst="rect">
+            <a:avLst/>
+          </a:prstGeom>
+          <a:noFill/>
+          <a:extLst>
+            <a:ext uri="{909E8E84-426E-40DD-AFC4-6F175D3DCCD1}">
+              <a14:hiddenFill xmlns:a14="http://schemas.microsoft.com/office/drawing/2010/main">
+                <a:solidFill>
+                  <a:srgbClr val="FFFFFF"/>
+                </a:solidFill>
+              </a14:hiddenFill>
+            </a:ext>
+          </a:extLst>
+        </p:spPr>
+      </p:pic>
+      <p:sp>
+        <p:nvSpPr>
+          <p:cNvPr id="2" name="TextBox 1">
+            <a:extLst>
+              <a:ext uri="{FF2B5EF4-FFF2-40B4-BE49-F238E27FC236}">
+                <a16:creationId xmlns:a16="http://schemas.microsoft.com/office/drawing/2014/main" id="{4411A327-C404-32B4-7096-92221DA8AAE5}"/>
+              </a:ext>
+            </a:extLst>
+          </p:cNvPr>
+          <p:cNvSpPr txBox="1"/>
+          <p:nvPr/>
+        </p:nvSpPr>
+        <p:spPr>
+          <a:xfrm>
+            <a:off x="307754" y="6045695"/>
+            <a:ext cx="8743356" cy="369332"/>
+          </a:xfrm>
+          <a:prstGeom prst="rect">
+            <a:avLst/>
+          </a:prstGeom>
+          <a:noFill/>
+        </p:spPr>
+        <p:txBody>
+          <a:bodyPr wrap="none" rtlCol="0">
+            <a:spAutoFit/>
+          </a:bodyPr>
+          <a:lstStyle/>
+          <a:p>
+            <a:r>
+              <a:rPr lang="en-US" dirty="0"/>
+              <a:t>Optimized Logistic Regression Model is able to make predictions with ~77% of </a:t>
+            </a:r>
+            <a:r>
+              <a:rPr lang="en-US" dirty="0" err="1"/>
+              <a:t>performence</a:t>
+            </a:r>
+            <a:endParaRPr lang="en-US" dirty="0"/>
+          </a:p>
+        </p:txBody>
+      </p:sp>
+    </p:spTree>
+    <p:extLst>
+      <p:ext uri="{BB962C8B-B14F-4D97-AF65-F5344CB8AC3E}">
+        <p14:creationId xmlns:p14="http://schemas.microsoft.com/office/powerpoint/2010/main" val="2006223739"/>
+      </p:ext>
+    </p:extLst>
+  </p:cSld>
+  <p:clrMapOvr>
+    <a:masterClrMapping/>
+  </p:clrMapOvr>
+</p:sld>
+</file>
+
+<file path=ppt/slides/slide12.xml><?xml version="1.0" encoding="utf-8"?>
+<p:sld xmlns:a="http://schemas.openxmlformats.org/drawingml/2006/main" xmlns:r="http://schemas.openxmlformats.org/officeDocument/2006/relationships" xmlns:p="http://schemas.openxmlformats.org/presentationml/2006/main">
+  <p:cSld>
+    <p:bg>
+      <p:bgPr>
+        <a:solidFill>
+          <a:schemeClr val="bg1">
+            <a:lumMod val="75000"/>
+            <a:lumOff val="25000"/>
+          </a:schemeClr>
+        </a:solidFill>
+        <a:effectLst/>
+      </p:bgPr>
+    </p:bg>
+    <p:spTree>
+      <p:nvGrpSpPr>
+        <p:cNvPr id="1" name=""/>
+        <p:cNvGrpSpPr/>
+        <p:nvPr/>
+      </p:nvGrpSpPr>
+      <p:grpSpPr>
+        <a:xfrm>
+          <a:off x="0" y="0"/>
+          <a:ext cx="0" cy="0"/>
+          <a:chOff x="0" y="0"/>
+          <a:chExt cx="0" cy="0"/>
+        </a:xfrm>
+      </p:grpSpPr>
+      <p:sp>
+        <p:nvSpPr>
+          <p:cNvPr id="2" name="TextBox 1">
+            <a:extLst>
+              <a:ext uri="{FF2B5EF4-FFF2-40B4-BE49-F238E27FC236}">
+                <a16:creationId xmlns:a16="http://schemas.microsoft.com/office/drawing/2014/main" id="{A700D992-E69C-24E3-DB4C-2A964EFEFC5A}"/>
+              </a:ext>
+            </a:extLst>
+          </p:cNvPr>
+          <p:cNvSpPr txBox="1"/>
+          <p:nvPr/>
+        </p:nvSpPr>
+        <p:spPr>
+          <a:xfrm>
+            <a:off x="483832" y="303606"/>
+            <a:ext cx="5206753" cy="523220"/>
+          </a:xfrm>
+          <a:prstGeom prst="rect">
+            <a:avLst/>
+          </a:prstGeom>
+          <a:noFill/>
+        </p:spPr>
+        <p:txBody>
+          <a:bodyPr wrap="square">
+            <a:spAutoFit/>
+          </a:bodyPr>
+          <a:lstStyle/>
+          <a:p>
+            <a:r>
+              <a:rPr lang="en-US" sz="2800" b="1" dirty="0">
+                <a:latin typeface="+mn-lt"/>
+                <a:cs typeface="Calibri" pitchFamily="34" charset="0"/>
+              </a:rPr>
+              <a:t>Recommendations</a:t>
+            </a:r>
+            <a:endParaRPr lang="en-US" sz="2800" dirty="0"/>
+          </a:p>
+        </p:txBody>
+      </p:sp>
+    </p:spTree>
+    <p:extLst>
+      <p:ext uri="{BB962C8B-B14F-4D97-AF65-F5344CB8AC3E}">
+        <p14:creationId xmlns:p14="http://schemas.microsoft.com/office/powerpoint/2010/main" val="3758518313"/>
       </p:ext>
     </p:extLst>
   </p:cSld>
@@ -3371,6 +3988,218 @@
               <a:t>Project Overview</a:t>
             </a:r>
             <a:endParaRPr lang="en-US" sz="2800" dirty="0"/>
+          </a:p>
+        </p:txBody>
+      </p:sp>
+      <p:sp>
+        <p:nvSpPr>
+          <p:cNvPr id="4" name="TextBox 3">
+            <a:extLst>
+              <a:ext uri="{FF2B5EF4-FFF2-40B4-BE49-F238E27FC236}">
+                <a16:creationId xmlns:a16="http://schemas.microsoft.com/office/drawing/2014/main" id="{CEF1AF72-F2A9-4D1D-2AF7-B3BB38777A42}"/>
+              </a:ext>
+            </a:extLst>
+          </p:cNvPr>
+          <p:cNvSpPr txBox="1"/>
+          <p:nvPr/>
+        </p:nvSpPr>
+        <p:spPr>
+          <a:xfrm>
+            <a:off x="414106" y="836906"/>
+            <a:ext cx="4414423" cy="3816429"/>
+          </a:xfrm>
+          <a:prstGeom prst="rect">
+            <a:avLst/>
+          </a:prstGeom>
+          <a:noFill/>
+        </p:spPr>
+        <p:txBody>
+          <a:bodyPr wrap="square">
+            <a:spAutoFit/>
+          </a:bodyPr>
+          <a:lstStyle/>
+          <a:p>
+            <a:pPr algn="l"/>
+            <a:endParaRPr lang="en-US" b="0" i="0" dirty="0">
+              <a:solidFill>
+                <a:srgbClr val="222328"/>
+              </a:solidFill>
+              <a:effectLst/>
+              <a:latin typeface="Montserrat" panose="00000500000000000000" pitchFamily="2" charset="0"/>
+            </a:endParaRPr>
+          </a:p>
+          <a:p>
+            <a:pPr algn="l"/>
+            <a:r>
+              <a:rPr lang="en-US" sz="2800" b="1" dirty="0">
+                <a:solidFill>
+                  <a:schemeClr val="accent1">
+                    <a:lumMod val="75000"/>
+                  </a:schemeClr>
+                </a:solidFill>
+              </a:rPr>
+              <a:t>According to CDC;</a:t>
+            </a:r>
+          </a:p>
+          <a:p>
+            <a:pPr algn="l"/>
+            <a:endParaRPr lang="en-US" dirty="0">
+              <a:solidFill>
+                <a:schemeClr val="bg2">
+                  <a:lumMod val="20000"/>
+                  <a:lumOff val="80000"/>
+                </a:schemeClr>
+              </a:solidFill>
+            </a:endParaRPr>
+          </a:p>
+          <a:p>
+            <a:pPr algn="l"/>
+            <a:r>
+              <a:rPr lang="en-US" sz="2000" b="0" i="0" dirty="0">
+                <a:solidFill>
+                  <a:schemeClr val="bg2">
+                    <a:lumMod val="20000"/>
+                    <a:lumOff val="80000"/>
+                  </a:schemeClr>
+                </a:solidFill>
+                <a:effectLst/>
+              </a:rPr>
+              <a:t>“A stroke, sometimes called a brain attack, occurs when something blocks blood supply to part of the brain or when a blood vessel in the brain bursts. In either case, parts of the brain become damaged or die. A stroke can cause lasting brain damage, long-term disability, or even death.”</a:t>
+            </a:r>
+          </a:p>
+          <a:p>
+            <a:pPr algn="l"/>
+            <a:endParaRPr lang="en-US" dirty="0">
+              <a:solidFill>
+                <a:srgbClr val="222328"/>
+              </a:solidFill>
+              <a:latin typeface="Montserrat" panose="00000500000000000000" pitchFamily="2" charset="0"/>
+            </a:endParaRPr>
+          </a:p>
+        </p:txBody>
+      </p:sp>
+      <p:pic>
+        <p:nvPicPr>
+          <p:cNvPr id="1030" name="Picture 6" descr="A stroke happens in one of two ways: a blocked artery or a ruptured artery.">
+            <a:extLst>
+              <a:ext uri="{FF2B5EF4-FFF2-40B4-BE49-F238E27FC236}">
+                <a16:creationId xmlns:a16="http://schemas.microsoft.com/office/drawing/2014/main" id="{33FC41F9-8B13-3AB4-09F5-EC75CC00FCE2}"/>
+              </a:ext>
+            </a:extLst>
+          </p:cNvPr>
+          <p:cNvPicPr>
+            <a:picLocks noChangeAspect="1" noChangeArrowheads="1"/>
+          </p:cNvPicPr>
+          <p:nvPr/>
+        </p:nvPicPr>
+        <p:blipFill>
+          <a:blip r:embed="rId2">
+            <a:extLst>
+              <a:ext uri="{28A0092B-C50C-407E-A947-70E740481C1C}">
+                <a14:useLocalDpi xmlns:a14="http://schemas.microsoft.com/office/drawing/2010/main" val="0"/>
+              </a:ext>
+            </a:extLst>
+          </a:blip>
+          <a:srcRect/>
+          <a:stretch>
+            <a:fillRect/>
+          </a:stretch>
+        </p:blipFill>
+        <p:spPr bwMode="auto">
+          <a:xfrm>
+            <a:off x="4828529" y="937226"/>
+            <a:ext cx="4176869" cy="3932893"/>
+          </a:xfrm>
+          <a:prstGeom prst="rect">
+            <a:avLst/>
+          </a:prstGeom>
+          <a:solidFill>
+            <a:schemeClr val="accent2"/>
+          </a:solidFill>
+          <a:ln w="76200">
+            <a:solidFill>
+              <a:schemeClr val="accent1">
+                <a:lumMod val="75000"/>
+              </a:schemeClr>
+            </a:solidFill>
+          </a:ln>
+        </p:spPr>
+      </p:pic>
+      <p:sp>
+        <p:nvSpPr>
+          <p:cNvPr id="5" name="TextBox 4">
+            <a:extLst>
+              <a:ext uri="{FF2B5EF4-FFF2-40B4-BE49-F238E27FC236}">
+                <a16:creationId xmlns:a16="http://schemas.microsoft.com/office/drawing/2014/main" id="{5B1F92EA-C370-21C8-5133-4E62E257BF64}"/>
+              </a:ext>
+            </a:extLst>
+          </p:cNvPr>
+          <p:cNvSpPr txBox="1"/>
+          <p:nvPr/>
+        </p:nvSpPr>
+        <p:spPr>
+          <a:xfrm>
+            <a:off x="483832" y="5246702"/>
+            <a:ext cx="7450204" cy="1138773"/>
+          </a:xfrm>
+          <a:prstGeom prst="rect">
+            <a:avLst/>
+          </a:prstGeom>
+          <a:noFill/>
+        </p:spPr>
+        <p:txBody>
+          <a:bodyPr wrap="square" rtlCol="0">
+            <a:spAutoFit/>
+          </a:bodyPr>
+          <a:lstStyle/>
+          <a:p>
+            <a:r>
+              <a:rPr lang="en-US" sz="2800" b="1" i="0" dirty="0">
+                <a:solidFill>
+                  <a:schemeClr val="accent1">
+                    <a:lumMod val="75000"/>
+                  </a:schemeClr>
+                </a:solidFill>
+                <a:effectLst/>
+                <a:latin typeface="-apple-system"/>
+              </a:rPr>
+              <a:t>The goal of the project:</a:t>
+            </a:r>
+          </a:p>
+          <a:p>
+            <a:r>
+              <a:rPr lang="en-US" sz="2000" b="0" i="0" dirty="0">
+                <a:solidFill>
+                  <a:schemeClr val="bg2">
+                    <a:lumMod val="20000"/>
+                    <a:lumOff val="80000"/>
+                  </a:schemeClr>
+                </a:solidFill>
+                <a:effectLst/>
+                <a:latin typeface="-apple-system"/>
+              </a:rPr>
+              <a:t>To predict the chance of having a stroke based on </a:t>
+            </a:r>
+            <a:r>
+              <a:rPr lang="en-US" sz="2000" dirty="0">
+                <a:solidFill>
+                  <a:schemeClr val="bg2">
+                    <a:lumMod val="20000"/>
+                    <a:lumOff val="80000"/>
+                  </a:schemeClr>
+                </a:solidFill>
+                <a:latin typeface="-apple-system"/>
+              </a:rPr>
+              <a:t>common risk factors using machine learning techniques.</a:t>
+            </a:r>
+            <a:endParaRPr lang="en-US" dirty="0">
+              <a:solidFill>
+                <a:schemeClr val="bg2">
+                  <a:lumMod val="20000"/>
+                  <a:lumOff val="80000"/>
+                </a:schemeClr>
+              </a:solidFill>
+            </a:endParaRPr>
           </a:p>
         </p:txBody>
       </p:sp>
@@ -3454,10 +4283,322 @@
           </a:p>
         </p:txBody>
       </p:sp>
+      <p:sp>
+        <p:nvSpPr>
+          <p:cNvPr id="5" name="TextBox 4">
+            <a:extLst>
+              <a:ext uri="{FF2B5EF4-FFF2-40B4-BE49-F238E27FC236}">
+                <a16:creationId xmlns:a16="http://schemas.microsoft.com/office/drawing/2014/main" id="{DA791DB7-CC70-B72C-028A-C7E1290A1F3E}"/>
+              </a:ext>
+            </a:extLst>
+          </p:cNvPr>
+          <p:cNvSpPr txBox="1"/>
+          <p:nvPr/>
+        </p:nvSpPr>
+        <p:spPr>
+          <a:xfrm>
+            <a:off x="559292" y="1118586"/>
+            <a:ext cx="7865617" cy="5355312"/>
+          </a:xfrm>
+          <a:prstGeom prst="rect">
+            <a:avLst/>
+          </a:prstGeom>
+          <a:noFill/>
+        </p:spPr>
+        <p:txBody>
+          <a:bodyPr wrap="square" rtlCol="0">
+            <a:spAutoFit/>
+          </a:bodyPr>
+          <a:lstStyle/>
+          <a:p>
+            <a:r>
+              <a:rPr lang="en-US" sz="2400" dirty="0">
+                <a:solidFill>
+                  <a:schemeClr val="bg2">
+                    <a:lumMod val="20000"/>
+                    <a:lumOff val="80000"/>
+                  </a:schemeClr>
+                </a:solidFill>
+              </a:rPr>
+              <a:t>Source of Data: </a:t>
+            </a:r>
+          </a:p>
+          <a:p>
+            <a:r>
+              <a:rPr lang="en-US" sz="2400" dirty="0">
+                <a:solidFill>
+                  <a:schemeClr val="bg2">
+                    <a:lumMod val="20000"/>
+                    <a:lumOff val="80000"/>
+                  </a:schemeClr>
+                </a:solidFill>
+              </a:rPr>
+              <a:t>Author: </a:t>
+            </a:r>
+            <a:r>
+              <a:rPr lang="en-US" sz="2400" i="0" dirty="0">
+                <a:solidFill>
+                  <a:schemeClr val="bg2">
+                    <a:lumMod val="20000"/>
+                    <a:lumOff val="80000"/>
+                  </a:schemeClr>
+                </a:solidFill>
+                <a:effectLst/>
+              </a:rPr>
+              <a:t>FEDESORIANO</a:t>
+            </a:r>
+          </a:p>
+          <a:p>
+            <a:endParaRPr lang="en-US" sz="2400" dirty="0">
+              <a:solidFill>
+                <a:schemeClr val="bg2">
+                  <a:lumMod val="20000"/>
+                  <a:lumOff val="80000"/>
+                </a:schemeClr>
+              </a:solidFill>
+            </a:endParaRPr>
+          </a:p>
+          <a:p>
+            <a:r>
+              <a:rPr lang="en-US" sz="2400" dirty="0">
+                <a:solidFill>
+                  <a:schemeClr val="bg2">
+                    <a:lumMod val="20000"/>
+                    <a:lumOff val="80000"/>
+                  </a:schemeClr>
+                </a:solidFill>
+              </a:rPr>
+              <a:t>The original dataset ;</a:t>
+            </a:r>
+          </a:p>
+          <a:p>
+            <a:endParaRPr lang="en-US" sz="2400" dirty="0">
+              <a:solidFill>
+                <a:schemeClr val="bg2">
+                  <a:lumMod val="20000"/>
+                  <a:lumOff val="80000"/>
+                </a:schemeClr>
+              </a:solidFill>
+            </a:endParaRPr>
+          </a:p>
+          <a:p>
+            <a:pPr marL="285750" indent="-285750">
+              <a:buClr>
+                <a:schemeClr val="accent1">
+                  <a:lumMod val="75000"/>
+                </a:schemeClr>
+              </a:buClr>
+              <a:buSzPct val="110000"/>
+              <a:buFont typeface="Wingdings" panose="05000000000000000000" pitchFamily="2" charset="2"/>
+              <a:buChar char="q"/>
+            </a:pPr>
+            <a:r>
+              <a:rPr lang="en-US" sz="2400" dirty="0">
+                <a:solidFill>
+                  <a:schemeClr val="bg2">
+                    <a:lumMod val="20000"/>
+                    <a:lumOff val="80000"/>
+                  </a:schemeClr>
+                </a:solidFill>
+              </a:rPr>
+              <a:t>contains </a:t>
+            </a:r>
+            <a:r>
+              <a:rPr lang="en-US" sz="2400" i="0" dirty="0">
+                <a:solidFill>
+                  <a:schemeClr val="bg2">
+                    <a:lumMod val="20000"/>
+                    <a:lumOff val="80000"/>
+                  </a:schemeClr>
+                </a:solidFill>
+                <a:effectLst/>
+              </a:rPr>
+              <a:t>5110 rows and 12 columns</a:t>
+            </a:r>
+          </a:p>
+          <a:p>
+            <a:pPr marL="285750" indent="-285750">
+              <a:buClr>
+                <a:schemeClr val="accent1">
+                  <a:lumMod val="75000"/>
+                </a:schemeClr>
+              </a:buClr>
+              <a:buSzPct val="110000"/>
+              <a:buFont typeface="Wingdings" panose="05000000000000000000" pitchFamily="2" charset="2"/>
+              <a:buChar char="q"/>
+            </a:pPr>
+            <a:endParaRPr lang="en-US" sz="2400" i="0" dirty="0">
+              <a:solidFill>
+                <a:schemeClr val="bg2">
+                  <a:lumMod val="20000"/>
+                  <a:lumOff val="80000"/>
+                </a:schemeClr>
+              </a:solidFill>
+              <a:effectLst/>
+            </a:endParaRPr>
+          </a:p>
+          <a:p>
+            <a:pPr marL="285750" indent="-285750">
+              <a:buClr>
+                <a:schemeClr val="accent1">
+                  <a:lumMod val="75000"/>
+                </a:schemeClr>
+              </a:buClr>
+              <a:buSzPct val="110000"/>
+              <a:buFont typeface="Wingdings" panose="05000000000000000000" pitchFamily="2" charset="2"/>
+              <a:buChar char="q"/>
+            </a:pPr>
+            <a:r>
+              <a:rPr lang="en-US" sz="2400" dirty="0">
+                <a:solidFill>
+                  <a:schemeClr val="bg2">
+                    <a:lumMod val="20000"/>
+                    <a:lumOff val="80000"/>
+                  </a:schemeClr>
+                </a:solidFill>
+              </a:rPr>
+              <a:t>12 columns </a:t>
+            </a:r>
+            <a:r>
+              <a:rPr lang="en-US" sz="2400" dirty="0">
+                <a:solidFill>
+                  <a:schemeClr val="bg2">
+                    <a:lumMod val="20000"/>
+                    <a:lumOff val="80000"/>
+                  </a:schemeClr>
+                </a:solidFill>
+                <a:sym typeface="Wingdings" panose="05000000000000000000" pitchFamily="2" charset="2"/>
+              </a:rPr>
+              <a:t>=</a:t>
+            </a:r>
+            <a:r>
+              <a:rPr lang="en-US" sz="2400" dirty="0">
+                <a:solidFill>
+                  <a:schemeClr val="bg2">
+                    <a:lumMod val="20000"/>
+                    <a:lumOff val="80000"/>
+                  </a:schemeClr>
+                </a:solidFill>
+              </a:rPr>
+              <a:t> 11 input features + target variable</a:t>
+            </a:r>
+          </a:p>
+          <a:p>
+            <a:pPr marL="285750" indent="-285750">
+              <a:buClr>
+                <a:schemeClr val="accent1">
+                  <a:lumMod val="75000"/>
+                </a:schemeClr>
+              </a:buClr>
+              <a:buSzPct val="110000"/>
+              <a:buFont typeface="Wingdings" panose="05000000000000000000" pitchFamily="2" charset="2"/>
+              <a:buChar char="q"/>
+            </a:pPr>
+            <a:endParaRPr lang="en-US" sz="2400" dirty="0">
+              <a:solidFill>
+                <a:schemeClr val="bg2">
+                  <a:lumMod val="20000"/>
+                  <a:lumOff val="80000"/>
+                </a:schemeClr>
+              </a:solidFill>
+            </a:endParaRPr>
+          </a:p>
+          <a:p>
+            <a:pPr marL="285750" indent="-285750">
+              <a:buClr>
+                <a:schemeClr val="accent1">
+                  <a:lumMod val="75000"/>
+                </a:schemeClr>
+              </a:buClr>
+              <a:buSzPct val="110000"/>
+              <a:buFont typeface="Wingdings" panose="05000000000000000000" pitchFamily="2" charset="2"/>
+              <a:buChar char="q"/>
+            </a:pPr>
+            <a:r>
+              <a:rPr lang="en-US" sz="2400" dirty="0">
+                <a:solidFill>
+                  <a:schemeClr val="bg2">
+                    <a:lumMod val="20000"/>
+                    <a:lumOff val="80000"/>
+                  </a:schemeClr>
+                </a:solidFill>
+              </a:rPr>
+              <a:t>From the total number of patients;</a:t>
+            </a:r>
+          </a:p>
+          <a:p>
+            <a:pPr marL="742950" lvl="1" indent="-285750">
+              <a:buClr>
+                <a:schemeClr val="accent1">
+                  <a:lumMod val="75000"/>
+                </a:schemeClr>
+              </a:buClr>
+              <a:buFont typeface="Wingdings" panose="05000000000000000000" pitchFamily="2" charset="2"/>
+              <a:buChar char="§"/>
+            </a:pPr>
+            <a:r>
+              <a:rPr lang="en-US" sz="2400" dirty="0">
+                <a:solidFill>
+                  <a:schemeClr val="bg2">
+                    <a:lumMod val="20000"/>
+                    <a:lumOff val="80000"/>
+                  </a:schemeClr>
+                </a:solidFill>
+              </a:rPr>
+              <a:t>~95% detected as negative for brain stroke (normal)</a:t>
+            </a:r>
+          </a:p>
+          <a:p>
+            <a:pPr marL="742950" lvl="1" indent="-285750">
+              <a:buClr>
+                <a:schemeClr val="accent1">
+                  <a:lumMod val="75000"/>
+                </a:schemeClr>
+              </a:buClr>
+              <a:buFont typeface="Wingdings" panose="05000000000000000000" pitchFamily="2" charset="2"/>
+              <a:buChar char="§"/>
+            </a:pPr>
+            <a:r>
+              <a:rPr lang="en-US" sz="2400" dirty="0">
+                <a:solidFill>
+                  <a:schemeClr val="bg2">
+                    <a:lumMod val="20000"/>
+                    <a:lumOff val="80000"/>
+                  </a:schemeClr>
+                </a:solidFill>
+              </a:rPr>
+              <a:t>~5% detected as positive for brain stroke (stroke)</a:t>
+            </a:r>
+          </a:p>
+          <a:p>
+            <a:endParaRPr lang="en-US" dirty="0">
+              <a:solidFill>
+                <a:srgbClr val="212121"/>
+              </a:solidFill>
+              <a:latin typeface="Courier New" panose="02070309020205020404" pitchFamily="49" charset="0"/>
+            </a:endParaRPr>
+          </a:p>
+          <a:p>
+            <a:r>
+              <a:rPr lang="en-US" dirty="0">
+                <a:solidFill>
+                  <a:srgbClr val="212121"/>
+                </a:solidFill>
+                <a:latin typeface="Courier New" panose="02070309020205020404" pitchFamily="49" charset="0"/>
+              </a:rPr>
+              <a:t> </a:t>
+            </a:r>
+            <a:endParaRPr lang="en-US" dirty="0"/>
+          </a:p>
+          <a:p>
+            <a:endParaRPr lang="en-US" dirty="0"/>
+          </a:p>
+        </p:txBody>
+      </p:sp>
     </p:spTree>
     <p:extLst>
       <p:ext uri="{BB962C8B-B14F-4D97-AF65-F5344CB8AC3E}">
-        <p14:creationId xmlns:p14="http://schemas.microsoft.com/office/powerpoint/2010/main" val="2374733704"/>
+        <p14:creationId xmlns:p14="http://schemas.microsoft.com/office/powerpoint/2010/main" val="244567561"/>
       </p:ext>
     </p:extLst>
   </p:cSld>
@@ -4039,12 +5180,12 @@
                     <a:p>
                       <a:pPr algn="l" fontAlgn="ctr"/>
                       <a:r>
-                        <a:rPr lang="en-US" sz="2000" u="none" strike="noStrike">
+                        <a:rPr lang="en-US" sz="2000" u="none" strike="noStrike" dirty="0">
                           <a:effectLst/>
                         </a:rPr>
                         <a:t>Average Glucose Level in Blood (mg/dL)</a:t>
                       </a:r>
-                      <a:endParaRPr lang="en-US" sz="2000" b="0" i="0" u="none" strike="noStrike">
+                      <a:endParaRPr lang="en-US" sz="2000" b="0" i="0" u="none" strike="noStrike" dirty="0">
                         <a:solidFill>
                           <a:srgbClr val="000000"/>
                         </a:solidFill>
@@ -4282,7 +5423,7 @@
           <p:cNvPr id="2" name="TextBox 1">
             <a:extLst>
               <a:ext uri="{FF2B5EF4-FFF2-40B4-BE49-F238E27FC236}">
-                <a16:creationId xmlns:a16="http://schemas.microsoft.com/office/drawing/2014/main" id="{B7027846-8BD0-B8FC-D9EC-992CF8468E22}"/>
+                <a16:creationId xmlns:a16="http://schemas.microsoft.com/office/drawing/2014/main" id="{A35A4B32-89A9-286A-CD21-0A95E1FC8D77}"/>
               </a:ext>
             </a:extLst>
           </p:cNvPr>
@@ -4310,18 +5451,17 @@
                 <a:latin typeface="+mn-lt"/>
                 <a:cs typeface="Calibri" pitchFamily="34" charset="0"/>
               </a:rPr>
-              <a:t>Model Selection and Evaluation</a:t>
-            </a:r>
-            <a:endParaRPr lang="en-US" sz="2800" dirty="0"/>
+              <a:t>Distribution of Key Features</a:t>
+            </a:r>
           </a:p>
         </p:txBody>
       </p:sp>
       <p:pic>
         <p:nvPicPr>
-          <p:cNvPr id="6148" name="Picture 4">
+          <p:cNvPr id="1026" name="Picture 2">
             <a:extLst>
               <a:ext uri="{FF2B5EF4-FFF2-40B4-BE49-F238E27FC236}">
-                <a16:creationId xmlns:a16="http://schemas.microsoft.com/office/drawing/2014/main" id="{E90380E6-04BD-43D6-55EC-3CBA9FAEA102}"/>
+                <a16:creationId xmlns:a16="http://schemas.microsoft.com/office/drawing/2014/main" id="{38A49E23-3E30-ACDA-603B-C1BF84CA72E6}"/>
               </a:ext>
             </a:extLst>
           </p:cNvPr>
@@ -4330,7 +5470,7 @@
           </p:cNvPicPr>
           <p:nvPr/>
         </p:nvPicPr>
-        <p:blipFill rotWithShape="1">
+        <p:blipFill>
           <a:blip r:embed="rId2">
             <a:extLst>
               <a:ext uri="{28A0092B-C50C-407E-A947-70E740481C1C}">
@@ -4338,13 +5478,15 @@
               </a:ext>
             </a:extLst>
           </a:blip>
-          <a:srcRect r="47573" b="984"/>
-          <a:stretch/>
+          <a:srcRect/>
+          <a:stretch>
+            <a:fillRect/>
+          </a:stretch>
         </p:blipFill>
         <p:spPr bwMode="auto">
           <a:xfrm>
-            <a:off x="483832" y="1248242"/>
-            <a:ext cx="6924583" cy="5306152"/>
+            <a:off x="328473" y="1560198"/>
+            <a:ext cx="5805997" cy="4401143"/>
           </a:xfrm>
           <a:prstGeom prst="rect">
             <a:avLst/>
@@ -4361,10 +5503,81 @@
           </a:extLst>
         </p:spPr>
       </p:pic>
+      <p:sp>
+        <p:nvSpPr>
+          <p:cNvPr id="3" name="TextBox 2">
+            <a:extLst>
+              <a:ext uri="{FF2B5EF4-FFF2-40B4-BE49-F238E27FC236}">
+                <a16:creationId xmlns:a16="http://schemas.microsoft.com/office/drawing/2014/main" id="{B9F6F9DA-85FE-1B95-6B92-EDACFBA2A672}"/>
+              </a:ext>
+            </a:extLst>
+          </p:cNvPr>
+          <p:cNvSpPr txBox="1"/>
+          <p:nvPr/>
+        </p:nvSpPr>
+        <p:spPr>
+          <a:xfrm>
+            <a:off x="6267456" y="1560198"/>
+            <a:ext cx="2682581" cy="4154984"/>
+          </a:xfrm>
+          <a:prstGeom prst="rect">
+            <a:avLst/>
+          </a:prstGeom>
+          <a:noFill/>
+        </p:spPr>
+        <p:txBody>
+          <a:bodyPr wrap="square" rtlCol="0">
+            <a:spAutoFit/>
+          </a:bodyPr>
+          <a:lstStyle/>
+          <a:p>
+            <a:pPr marL="285750" indent="-285750">
+              <a:buClr>
+                <a:schemeClr val="accent1">
+                  <a:lumMod val="75000"/>
+                </a:schemeClr>
+              </a:buClr>
+              <a:buFont typeface="Wingdings" panose="05000000000000000000" pitchFamily="2" charset="2"/>
+              <a:buChar char="§"/>
+            </a:pPr>
+            <a:r>
+              <a:rPr lang="en-US" sz="2400" dirty="0"/>
+              <a:t>Patients who got positive for brain stroke is approximately above 30 years old </a:t>
+            </a:r>
+          </a:p>
+          <a:p>
+            <a:pPr marL="285750" indent="-285750">
+              <a:buClr>
+                <a:schemeClr val="accent1">
+                  <a:lumMod val="75000"/>
+                </a:schemeClr>
+              </a:buClr>
+              <a:buFont typeface="Wingdings" panose="05000000000000000000" pitchFamily="2" charset="2"/>
+              <a:buChar char="§"/>
+            </a:pPr>
+            <a:endParaRPr lang="en-US" sz="2400" dirty="0"/>
+          </a:p>
+          <a:p>
+            <a:pPr marL="285750" indent="-285750">
+              <a:buClr>
+                <a:schemeClr val="accent1">
+                  <a:lumMod val="75000"/>
+                </a:schemeClr>
+              </a:buClr>
+              <a:buFont typeface="Wingdings" panose="05000000000000000000" pitchFamily="2" charset="2"/>
+              <a:buChar char="§"/>
+            </a:pPr>
+            <a:r>
+              <a:rPr lang="en-US" sz="2400" dirty="0"/>
+              <a:t>The risk of having a stroke is increasing with age</a:t>
+            </a:r>
+          </a:p>
+        </p:txBody>
+      </p:sp>
     </p:spTree>
     <p:extLst>
       <p:ext uri="{BB962C8B-B14F-4D97-AF65-F5344CB8AC3E}">
-        <p14:creationId xmlns:p14="http://schemas.microsoft.com/office/powerpoint/2010/main" val="3213599359"/>
+        <p14:creationId xmlns:p14="http://schemas.microsoft.com/office/powerpoint/2010/main" val="2374733704"/>
       </p:ext>
     </p:extLst>
   </p:cSld>
@@ -4402,51 +5615,12 @@
           <a:chExt cx="0" cy="0"/>
         </a:xfrm>
       </p:grpSpPr>
-      <p:sp>
-        <p:nvSpPr>
-          <p:cNvPr id="3" name="TextBox 2">
+      <p:pic>
+        <p:nvPicPr>
+          <p:cNvPr id="2" name="Picture 4">
             <a:extLst>
               <a:ext uri="{FF2B5EF4-FFF2-40B4-BE49-F238E27FC236}">
-                <a16:creationId xmlns:a16="http://schemas.microsoft.com/office/drawing/2014/main" id="{DC4011E3-D9F8-720C-049A-601E1C7AC113}"/>
-              </a:ext>
-            </a:extLst>
-          </p:cNvPr>
-          <p:cNvSpPr txBox="1"/>
-          <p:nvPr/>
-        </p:nvSpPr>
-        <p:spPr>
-          <a:xfrm>
-            <a:off x="563733" y="192634"/>
-            <a:ext cx="4572000" cy="523220"/>
-          </a:xfrm>
-          <a:prstGeom prst="rect">
-            <a:avLst/>
-          </a:prstGeom>
-          <a:noFill/>
-        </p:spPr>
-        <p:txBody>
-          <a:bodyPr wrap="square">
-            <a:spAutoFit/>
-          </a:bodyPr>
-          <a:lstStyle/>
-          <a:p>
-            <a:r>
-              <a:rPr lang="en-US" sz="2800" b="1" dirty="0">
-                <a:latin typeface="+mn-lt"/>
-                <a:cs typeface="Calibri" pitchFamily="34" charset="0"/>
-              </a:rPr>
-              <a:t>Recommendations</a:t>
-            </a:r>
-            <a:endParaRPr lang="en-US" sz="2800" dirty="0"/>
-          </a:p>
-        </p:txBody>
-      </p:sp>
-      <p:pic>
-        <p:nvPicPr>
-          <p:cNvPr id="2052" name="Picture 4">
-            <a:extLst>
-              <a:ext uri="{FF2B5EF4-FFF2-40B4-BE49-F238E27FC236}">
-                <a16:creationId xmlns:a16="http://schemas.microsoft.com/office/drawing/2014/main" id="{C1903101-44A1-1C0E-A0CC-DCCDAA9952BF}"/>
+                <a16:creationId xmlns:a16="http://schemas.microsoft.com/office/drawing/2014/main" id="{306785EA-2E59-946F-35CB-0535578A478E}"/>
               </a:ext>
             </a:extLst>
           </p:cNvPr>
@@ -4455,7 +5629,7 @@
           </p:cNvPicPr>
           <p:nvPr/>
         </p:nvPicPr>
-        <p:blipFill rotWithShape="1">
+        <p:blipFill>
           <a:blip r:embed="rId2">
             <a:extLst>
               <a:ext uri="{28A0092B-C50C-407E-A947-70E740481C1C}">
@@ -4463,13 +5637,15 @@
               </a:ext>
             </a:extLst>
           </a:blip>
-          <a:srcRect l="52233" b="-1170"/>
-          <a:stretch/>
+          <a:srcRect/>
+          <a:stretch>
+            <a:fillRect/>
+          </a:stretch>
         </p:blipFill>
         <p:spPr bwMode="auto">
           <a:xfrm>
-            <a:off x="683581" y="829426"/>
-            <a:ext cx="6875977" cy="5908726"/>
+            <a:off x="320114" y="1365968"/>
+            <a:ext cx="5206753" cy="4683850"/>
           </a:xfrm>
           <a:prstGeom prst="rect">
             <a:avLst/>
@@ -4486,10 +5662,443 @@
           </a:extLst>
         </p:spPr>
       </p:pic>
+      <p:sp>
+        <p:nvSpPr>
+          <p:cNvPr id="4" name="TextBox 3">
+            <a:extLst>
+              <a:ext uri="{FF2B5EF4-FFF2-40B4-BE49-F238E27FC236}">
+                <a16:creationId xmlns:a16="http://schemas.microsoft.com/office/drawing/2014/main" id="{9B03EAE6-17F9-4DE8-4C8E-958BF21394BE}"/>
+              </a:ext>
+            </a:extLst>
+          </p:cNvPr>
+          <p:cNvSpPr txBox="1"/>
+          <p:nvPr/>
+        </p:nvSpPr>
+        <p:spPr>
+          <a:xfrm>
+            <a:off x="483832" y="303606"/>
+            <a:ext cx="5206753" cy="523220"/>
+          </a:xfrm>
+          <a:prstGeom prst="rect">
+            <a:avLst/>
+          </a:prstGeom>
+          <a:noFill/>
+        </p:spPr>
+        <p:txBody>
+          <a:bodyPr wrap="square">
+            <a:spAutoFit/>
+          </a:bodyPr>
+          <a:lstStyle/>
+          <a:p>
+            <a:r>
+              <a:rPr lang="en-US" sz="2800" b="1" dirty="0">
+                <a:latin typeface="+mn-lt"/>
+                <a:cs typeface="Calibri" pitchFamily="34" charset="0"/>
+              </a:rPr>
+              <a:t>Distribution of Key Features</a:t>
+            </a:r>
+          </a:p>
+        </p:txBody>
+      </p:sp>
+      <p:sp>
+        <p:nvSpPr>
+          <p:cNvPr id="6" name="TextBox 5">
+            <a:extLst>
+              <a:ext uri="{FF2B5EF4-FFF2-40B4-BE49-F238E27FC236}">
+                <a16:creationId xmlns:a16="http://schemas.microsoft.com/office/drawing/2014/main" id="{6C4EEBAC-E655-744B-DDE3-5BE4EA272BAD}"/>
+              </a:ext>
+            </a:extLst>
+          </p:cNvPr>
+          <p:cNvSpPr txBox="1"/>
+          <p:nvPr/>
+        </p:nvSpPr>
+        <p:spPr>
+          <a:xfrm>
+            <a:off x="5458871" y="650799"/>
+            <a:ext cx="3685129" cy="7294305"/>
+          </a:xfrm>
+          <a:prstGeom prst="rect">
+            <a:avLst/>
+          </a:prstGeom>
+          <a:noFill/>
+        </p:spPr>
+        <p:txBody>
+          <a:bodyPr wrap="square">
+            <a:spAutoFit/>
+          </a:bodyPr>
+          <a:lstStyle/>
+          <a:p>
+            <a:pPr algn="l"/>
+            <a:r>
+              <a:rPr lang="en-US" b="0" i="0" dirty="0">
+                <a:solidFill>
+                  <a:schemeClr val="bg2">
+                    <a:lumMod val="20000"/>
+                    <a:lumOff val="80000"/>
+                  </a:schemeClr>
+                </a:solidFill>
+                <a:effectLst/>
+                <a:latin typeface="Roboto" panose="02000000000000000000" pitchFamily="2" charset="0"/>
+              </a:rPr>
+              <a:t>According to the CDC, patients can be categorized as;</a:t>
+            </a:r>
+          </a:p>
+          <a:p>
+            <a:pPr marL="742950" lvl="1" indent="-285750" algn="l">
+              <a:buFont typeface="Arial" panose="020B0604020202020204" pitchFamily="34" charset="0"/>
+              <a:buChar char="•"/>
+            </a:pPr>
+            <a:r>
+              <a:rPr lang="en-US" b="0" i="0" dirty="0">
+                <a:solidFill>
+                  <a:schemeClr val="bg2">
+                    <a:lumMod val="20000"/>
+                    <a:lumOff val="80000"/>
+                  </a:schemeClr>
+                </a:solidFill>
+                <a:effectLst/>
+                <a:latin typeface="Roboto" panose="02000000000000000000" pitchFamily="2" charset="0"/>
+              </a:rPr>
+              <a:t>BMI is less than 18.5: </a:t>
+            </a:r>
+            <a:r>
+              <a:rPr lang="en-US" b="0" i="0" dirty="0">
+                <a:solidFill>
+                  <a:schemeClr val="accent1">
+                    <a:lumMod val="20000"/>
+                    <a:lumOff val="80000"/>
+                  </a:schemeClr>
+                </a:solidFill>
+                <a:effectLst/>
+                <a:latin typeface="Roboto" panose="02000000000000000000" pitchFamily="2" charset="0"/>
+              </a:rPr>
+              <a:t>Underweight range</a:t>
+            </a:r>
+          </a:p>
+          <a:p>
+            <a:pPr marL="742950" lvl="1" indent="-285750" algn="l">
+              <a:buFont typeface="Arial" panose="020B0604020202020204" pitchFamily="34" charset="0"/>
+              <a:buChar char="•"/>
+            </a:pPr>
+            <a:endParaRPr lang="en-US" b="0" i="0" dirty="0">
+              <a:solidFill>
+                <a:schemeClr val="bg2">
+                  <a:lumMod val="20000"/>
+                  <a:lumOff val="80000"/>
+                </a:schemeClr>
+              </a:solidFill>
+              <a:effectLst/>
+              <a:latin typeface="Roboto" panose="02000000000000000000" pitchFamily="2" charset="0"/>
+            </a:endParaRPr>
+          </a:p>
+          <a:p>
+            <a:pPr marL="742950" lvl="1" indent="-285750" algn="l">
+              <a:buFont typeface="Arial" panose="020B0604020202020204" pitchFamily="34" charset="0"/>
+              <a:buChar char="•"/>
+            </a:pPr>
+            <a:r>
+              <a:rPr lang="en-US" b="0" i="0" dirty="0">
+                <a:solidFill>
+                  <a:schemeClr val="bg2">
+                    <a:lumMod val="20000"/>
+                    <a:lumOff val="80000"/>
+                  </a:schemeClr>
+                </a:solidFill>
+                <a:effectLst/>
+                <a:latin typeface="Roboto" panose="02000000000000000000" pitchFamily="2" charset="0"/>
+              </a:rPr>
+              <a:t>BMI is 18.5 to 24.9: </a:t>
+            </a:r>
+            <a:r>
+              <a:rPr lang="en-US" b="0" i="0" dirty="0">
+                <a:solidFill>
+                  <a:schemeClr val="accent1">
+                    <a:lumMod val="40000"/>
+                    <a:lumOff val="60000"/>
+                  </a:schemeClr>
+                </a:solidFill>
+                <a:effectLst/>
+                <a:latin typeface="Roboto" panose="02000000000000000000" pitchFamily="2" charset="0"/>
+              </a:rPr>
+              <a:t>Healthy Weight range</a:t>
+            </a:r>
+          </a:p>
+          <a:p>
+            <a:pPr marL="742950" lvl="1" indent="-285750" algn="l">
+              <a:buFont typeface="Arial" panose="020B0604020202020204" pitchFamily="34" charset="0"/>
+              <a:buChar char="•"/>
+            </a:pPr>
+            <a:endParaRPr lang="en-US" b="0" i="0" dirty="0">
+              <a:solidFill>
+                <a:schemeClr val="bg2">
+                  <a:lumMod val="20000"/>
+                  <a:lumOff val="80000"/>
+                </a:schemeClr>
+              </a:solidFill>
+              <a:effectLst/>
+              <a:latin typeface="Roboto" panose="02000000000000000000" pitchFamily="2" charset="0"/>
+            </a:endParaRPr>
+          </a:p>
+          <a:p>
+            <a:pPr marL="742950" lvl="1" indent="-285750" algn="l">
+              <a:buFont typeface="Arial" panose="020B0604020202020204" pitchFamily="34" charset="0"/>
+              <a:buChar char="•"/>
+            </a:pPr>
+            <a:r>
+              <a:rPr lang="en-US" b="0" i="0" dirty="0">
+                <a:solidFill>
+                  <a:schemeClr val="bg2">
+                    <a:lumMod val="20000"/>
+                    <a:lumOff val="80000"/>
+                  </a:schemeClr>
+                </a:solidFill>
+                <a:effectLst/>
+                <a:latin typeface="Roboto" panose="02000000000000000000" pitchFamily="2" charset="0"/>
+              </a:rPr>
+              <a:t>BMI is 25.0 to 29.9: </a:t>
+            </a:r>
+            <a:r>
+              <a:rPr lang="en-US" b="0" i="0" dirty="0">
+                <a:solidFill>
+                  <a:schemeClr val="accent1">
+                    <a:lumMod val="60000"/>
+                    <a:lumOff val="40000"/>
+                  </a:schemeClr>
+                </a:solidFill>
+                <a:effectLst/>
+                <a:latin typeface="Roboto" panose="02000000000000000000" pitchFamily="2" charset="0"/>
+              </a:rPr>
+              <a:t>Overweight range</a:t>
+            </a:r>
+          </a:p>
+          <a:p>
+            <a:pPr marL="742950" lvl="1" indent="-285750" algn="l">
+              <a:buFont typeface="Arial" panose="020B0604020202020204" pitchFamily="34" charset="0"/>
+              <a:buChar char="•"/>
+            </a:pPr>
+            <a:endParaRPr lang="en-US" b="0" i="0" dirty="0">
+              <a:solidFill>
+                <a:schemeClr val="bg2">
+                  <a:lumMod val="20000"/>
+                  <a:lumOff val="80000"/>
+                </a:schemeClr>
+              </a:solidFill>
+              <a:effectLst/>
+              <a:latin typeface="Roboto" panose="02000000000000000000" pitchFamily="2" charset="0"/>
+            </a:endParaRPr>
+          </a:p>
+          <a:p>
+            <a:pPr marL="742950" lvl="1" indent="-285750" algn="l">
+              <a:buFont typeface="Arial" panose="020B0604020202020204" pitchFamily="34" charset="0"/>
+              <a:buChar char="•"/>
+            </a:pPr>
+            <a:r>
+              <a:rPr lang="en-US" b="0" i="0" dirty="0">
+                <a:solidFill>
+                  <a:schemeClr val="bg2">
+                    <a:lumMod val="20000"/>
+                    <a:lumOff val="80000"/>
+                  </a:schemeClr>
+                </a:solidFill>
+                <a:effectLst/>
+                <a:latin typeface="Roboto" panose="02000000000000000000" pitchFamily="2" charset="0"/>
+              </a:rPr>
+              <a:t>BMI is 30.0 or higher: </a:t>
+            </a:r>
+            <a:r>
+              <a:rPr lang="en-US" b="0" i="0" dirty="0">
+                <a:solidFill>
+                  <a:schemeClr val="accent1">
+                    <a:lumMod val="75000"/>
+                  </a:schemeClr>
+                </a:solidFill>
+                <a:effectLst/>
+                <a:latin typeface="Roboto" panose="02000000000000000000" pitchFamily="2" charset="0"/>
+              </a:rPr>
+              <a:t>Obese range</a:t>
+            </a:r>
+          </a:p>
+          <a:p>
+            <a:pPr marL="742950" lvl="1" indent="-285750" algn="l">
+              <a:buFont typeface="Arial" panose="020B0604020202020204" pitchFamily="34" charset="0"/>
+              <a:buChar char="•"/>
+            </a:pPr>
+            <a:endParaRPr lang="en-US" dirty="0">
+              <a:solidFill>
+                <a:schemeClr val="accent1">
+                  <a:lumMod val="75000"/>
+                </a:schemeClr>
+              </a:solidFill>
+              <a:latin typeface="Roboto" panose="02000000000000000000" pitchFamily="2" charset="0"/>
+            </a:endParaRPr>
+          </a:p>
+          <a:p>
+            <a:pPr marL="742950" lvl="1" indent="-285750" algn="l">
+              <a:buClr>
+                <a:schemeClr val="accent1">
+                  <a:lumMod val="75000"/>
+                </a:schemeClr>
+              </a:buClr>
+              <a:buFont typeface="Wingdings" panose="05000000000000000000" pitchFamily="2" charset="2"/>
+              <a:buChar char="§"/>
+            </a:pPr>
+            <a:r>
+              <a:rPr lang="en-US" b="0" i="0" dirty="0">
+                <a:solidFill>
+                  <a:schemeClr val="bg2">
+                    <a:lumMod val="20000"/>
+                    <a:lumOff val="80000"/>
+                  </a:schemeClr>
+                </a:solidFill>
+                <a:effectLst/>
+                <a:latin typeface="Roboto" panose="02000000000000000000" pitchFamily="2" charset="0"/>
+              </a:rPr>
+              <a:t>There is a risk of having a stroke if the BMI beyond the </a:t>
+            </a:r>
+            <a:r>
+              <a:rPr lang="en-US" b="0" i="0" dirty="0">
+                <a:solidFill>
+                  <a:schemeClr val="accent1">
+                    <a:lumMod val="60000"/>
+                    <a:lumOff val="40000"/>
+                  </a:schemeClr>
+                </a:solidFill>
+                <a:effectLst/>
+                <a:latin typeface="Roboto" panose="02000000000000000000" pitchFamily="2" charset="0"/>
+              </a:rPr>
+              <a:t>overweight range</a:t>
+            </a:r>
+          </a:p>
+          <a:p>
+            <a:pPr marL="742950" lvl="1" indent="-285750" algn="l">
+              <a:buClr>
+                <a:schemeClr val="accent1">
+                  <a:lumMod val="75000"/>
+                </a:schemeClr>
+              </a:buClr>
+              <a:buFont typeface="Wingdings" panose="05000000000000000000" pitchFamily="2" charset="2"/>
+              <a:buChar char="§"/>
+            </a:pPr>
+            <a:endParaRPr lang="en-US" b="0" i="0" dirty="0">
+              <a:solidFill>
+                <a:schemeClr val="bg2">
+                  <a:lumMod val="20000"/>
+                  <a:lumOff val="80000"/>
+                </a:schemeClr>
+              </a:solidFill>
+              <a:effectLst/>
+              <a:latin typeface="Roboto" panose="02000000000000000000" pitchFamily="2" charset="0"/>
+            </a:endParaRPr>
+          </a:p>
+          <a:p>
+            <a:pPr marL="742950" lvl="1" indent="-285750" algn="l">
+              <a:buClr>
+                <a:schemeClr val="accent1">
+                  <a:lumMod val="75000"/>
+                </a:schemeClr>
+              </a:buClr>
+              <a:buFont typeface="Wingdings" panose="05000000000000000000" pitchFamily="2" charset="2"/>
+              <a:buChar char="§"/>
+            </a:pPr>
+            <a:r>
+              <a:rPr lang="en-US" dirty="0">
+                <a:solidFill>
+                  <a:schemeClr val="bg2">
+                    <a:lumMod val="20000"/>
+                    <a:lumOff val="80000"/>
+                  </a:schemeClr>
+                </a:solidFill>
+                <a:latin typeface="Roboto" panose="02000000000000000000" pitchFamily="2" charset="0"/>
+              </a:rPr>
+              <a:t>But there is also a chance of having a stroke even your BMI falls in </a:t>
+            </a:r>
+            <a:r>
+              <a:rPr lang="en-US" dirty="0">
+                <a:solidFill>
+                  <a:schemeClr val="accent1">
+                    <a:lumMod val="40000"/>
+                    <a:lumOff val="60000"/>
+                  </a:schemeClr>
+                </a:solidFill>
+                <a:latin typeface="Roboto" panose="02000000000000000000" pitchFamily="2" charset="0"/>
+              </a:rPr>
+              <a:t>healthy weight range</a:t>
+            </a:r>
+            <a:endParaRPr lang="en-US" b="0" i="0" dirty="0">
+              <a:solidFill>
+                <a:schemeClr val="accent1">
+                  <a:lumMod val="40000"/>
+                  <a:lumOff val="60000"/>
+                </a:schemeClr>
+              </a:solidFill>
+              <a:effectLst/>
+              <a:latin typeface="Roboto" panose="02000000000000000000" pitchFamily="2" charset="0"/>
+            </a:endParaRPr>
+          </a:p>
+          <a:p>
+            <a:pPr marL="742950" lvl="1" indent="-285750" algn="l">
+              <a:buFont typeface="Arial" panose="020B0604020202020204" pitchFamily="34" charset="0"/>
+              <a:buChar char="•"/>
+            </a:pPr>
+            <a:endParaRPr lang="en-US" dirty="0">
+              <a:solidFill>
+                <a:schemeClr val="accent1">
+                  <a:lumMod val="75000"/>
+                </a:schemeClr>
+              </a:solidFill>
+              <a:latin typeface="Roboto" panose="02000000000000000000" pitchFamily="2" charset="0"/>
+            </a:endParaRPr>
+          </a:p>
+          <a:p>
+            <a:pPr marL="742950" lvl="1" indent="-285750" algn="l">
+              <a:buFont typeface="Arial" panose="020B0604020202020204" pitchFamily="34" charset="0"/>
+              <a:buChar char="•"/>
+            </a:pPr>
+            <a:endParaRPr lang="en-US" b="0" i="0" dirty="0">
+              <a:solidFill>
+                <a:schemeClr val="accent1">
+                  <a:lumMod val="75000"/>
+                </a:schemeClr>
+              </a:solidFill>
+              <a:effectLst/>
+              <a:latin typeface="Roboto" panose="02000000000000000000" pitchFamily="2" charset="0"/>
+            </a:endParaRPr>
+          </a:p>
+          <a:p>
+            <a:pPr marL="742950" lvl="1" indent="-285750" algn="l">
+              <a:buFont typeface="Arial" panose="020B0604020202020204" pitchFamily="34" charset="0"/>
+              <a:buChar char="•"/>
+            </a:pPr>
+            <a:endParaRPr lang="en-US" dirty="0">
+              <a:solidFill>
+                <a:schemeClr val="accent1">
+                  <a:lumMod val="75000"/>
+                </a:schemeClr>
+              </a:solidFill>
+              <a:latin typeface="Roboto" panose="02000000000000000000" pitchFamily="2" charset="0"/>
+            </a:endParaRPr>
+          </a:p>
+          <a:p>
+            <a:pPr marL="742950" lvl="1" indent="-285750" algn="l">
+              <a:buFont typeface="Arial" panose="020B0604020202020204" pitchFamily="34" charset="0"/>
+              <a:buChar char="•"/>
+            </a:pPr>
+            <a:endParaRPr lang="en-US" b="0" i="0" dirty="0">
+              <a:solidFill>
+                <a:schemeClr val="accent1">
+                  <a:lumMod val="75000"/>
+                </a:schemeClr>
+              </a:solidFill>
+              <a:effectLst/>
+              <a:latin typeface="Roboto" panose="02000000000000000000" pitchFamily="2" charset="0"/>
+            </a:endParaRPr>
+          </a:p>
+        </p:txBody>
+      </p:sp>
     </p:spTree>
     <p:extLst>
       <p:ext uri="{BB962C8B-B14F-4D97-AF65-F5344CB8AC3E}">
-        <p14:creationId xmlns:p14="http://schemas.microsoft.com/office/powerpoint/2010/main" val="2593352334"/>
+        <p14:creationId xmlns:p14="http://schemas.microsoft.com/office/powerpoint/2010/main" val="2434766473"/>
       </p:ext>
     </p:extLst>
   </p:cSld>
@@ -4529,10 +6138,10 @@
       </p:grpSpPr>
       <p:pic>
         <p:nvPicPr>
-          <p:cNvPr id="1026" name="Picture 2">
+          <p:cNvPr id="2" name="Picture 6">
             <a:extLst>
               <a:ext uri="{FF2B5EF4-FFF2-40B4-BE49-F238E27FC236}">
-                <a16:creationId xmlns:a16="http://schemas.microsoft.com/office/drawing/2014/main" id="{440B6C70-A8BB-1601-A45C-E658572B261D}"/>
+                <a16:creationId xmlns:a16="http://schemas.microsoft.com/office/drawing/2014/main" id="{2E8A157D-CFFF-D1BC-5502-A9A700B7A376}"/>
               </a:ext>
             </a:extLst>
           </p:cNvPr>
@@ -4556,8 +6165,8 @@
         </p:blipFill>
         <p:spPr bwMode="auto">
           <a:xfrm>
-            <a:off x="0" y="1490479"/>
-            <a:ext cx="4376196" cy="4404294"/>
+            <a:off x="590363" y="2336580"/>
+            <a:ext cx="5678391" cy="4208937"/>
           </a:xfrm>
           <a:prstGeom prst="rect">
             <a:avLst/>
@@ -4576,10 +6185,10 @@
       </p:pic>
       <p:sp>
         <p:nvSpPr>
-          <p:cNvPr id="5" name="TextBox 4">
+          <p:cNvPr id="3" name="TextBox 2">
             <a:extLst>
               <a:ext uri="{FF2B5EF4-FFF2-40B4-BE49-F238E27FC236}">
-                <a16:creationId xmlns:a16="http://schemas.microsoft.com/office/drawing/2014/main" id="{C9E28727-D89C-BF46-5E48-98EA63EAD063}"/>
+                <a16:creationId xmlns:a16="http://schemas.microsoft.com/office/drawing/2014/main" id="{F43506DF-EA45-5C73-1B88-553D91FFCD7D}"/>
               </a:ext>
             </a:extLst>
           </p:cNvPr>
@@ -4588,7 +6197,7 @@
         </p:nvSpPr>
         <p:spPr>
           <a:xfrm>
-            <a:off x="483832" y="303606"/>
+            <a:off x="315156" y="161563"/>
             <a:ext cx="5206753" cy="523220"/>
           </a:xfrm>
           <a:prstGeom prst="rect">
@@ -4607,7 +6216,306 @@
                 <a:latin typeface="+mn-lt"/>
                 <a:cs typeface="Calibri" pitchFamily="34" charset="0"/>
               </a:rPr>
-              <a:t>Model Selection and Evaluation</a:t>
+              <a:t>Distribution of Key Features</a:t>
+            </a:r>
+          </a:p>
+        </p:txBody>
+      </p:sp>
+      <p:sp>
+        <p:nvSpPr>
+          <p:cNvPr id="5" name="TextBox 4">
+            <a:extLst>
+              <a:ext uri="{FF2B5EF4-FFF2-40B4-BE49-F238E27FC236}">
+                <a16:creationId xmlns:a16="http://schemas.microsoft.com/office/drawing/2014/main" id="{E8D5C13B-B259-38A4-6D48-F656EDA8EB1E}"/>
+              </a:ext>
+            </a:extLst>
+          </p:cNvPr>
+          <p:cNvSpPr txBox="1"/>
+          <p:nvPr/>
+        </p:nvSpPr>
+        <p:spPr>
+          <a:xfrm>
+            <a:off x="457200" y="762558"/>
+            <a:ext cx="4572000" cy="1323439"/>
+          </a:xfrm>
+          <a:prstGeom prst="rect">
+            <a:avLst/>
+          </a:prstGeom>
+          <a:noFill/>
+        </p:spPr>
+        <p:txBody>
+          <a:bodyPr wrap="square">
+            <a:spAutoFit/>
+          </a:bodyPr>
+          <a:lstStyle/>
+          <a:p>
+            <a:pPr algn="l"/>
+            <a:r>
+              <a:rPr lang="en-US" sz="2000" b="0" i="0" dirty="0">
+                <a:solidFill>
+                  <a:schemeClr val="bg2">
+                    <a:lumMod val="20000"/>
+                    <a:lumOff val="80000"/>
+                  </a:schemeClr>
+                </a:solidFill>
+                <a:effectLst/>
+                <a:ea typeface="Roboto" panose="02000000000000000000" pitchFamily="2" charset="0"/>
+              </a:rPr>
+              <a:t>According to CDC;</a:t>
+            </a:r>
+          </a:p>
+          <a:p>
+            <a:pPr algn="l">
+              <a:buFont typeface="Arial" panose="020B0604020202020204" pitchFamily="34" charset="0"/>
+              <a:buChar char="•"/>
+            </a:pPr>
+            <a:r>
+              <a:rPr lang="en-US" sz="2000" b="0" i="0" dirty="0">
+                <a:solidFill>
+                  <a:schemeClr val="bg2">
+                    <a:lumMod val="20000"/>
+                    <a:lumOff val="80000"/>
+                  </a:schemeClr>
+                </a:solidFill>
+                <a:effectLst/>
+                <a:ea typeface="Roboto" panose="02000000000000000000" pitchFamily="2" charset="0"/>
+              </a:rPr>
+              <a:t> </a:t>
+            </a:r>
+            <a:r>
+              <a:rPr lang="en-US" sz="2000" b="0" i="0" dirty="0">
+                <a:solidFill>
+                  <a:schemeClr val="accent1">
+                    <a:lumMod val="75000"/>
+                  </a:schemeClr>
+                </a:solidFill>
+                <a:effectLst/>
+                <a:ea typeface="Roboto" panose="02000000000000000000" pitchFamily="2" charset="0"/>
+              </a:rPr>
+              <a:t>Diabetes: </a:t>
+            </a:r>
+            <a:r>
+              <a:rPr lang="en-US" sz="2000" b="0" i="0" dirty="0">
+                <a:solidFill>
+                  <a:schemeClr val="bg2">
+                    <a:lumMod val="20000"/>
+                    <a:lumOff val="80000"/>
+                  </a:schemeClr>
+                </a:solidFill>
+                <a:effectLst/>
+                <a:ea typeface="Roboto" panose="02000000000000000000" pitchFamily="2" charset="0"/>
+              </a:rPr>
+              <a:t>		above 126 mg/dL</a:t>
+            </a:r>
+          </a:p>
+          <a:p>
+            <a:pPr algn="l">
+              <a:buFont typeface="Arial" panose="020B0604020202020204" pitchFamily="34" charset="0"/>
+              <a:buChar char="•"/>
+            </a:pPr>
+            <a:r>
+              <a:rPr lang="en-US" sz="2000" b="0" i="0" dirty="0">
+                <a:solidFill>
+                  <a:schemeClr val="bg2">
+                    <a:lumMod val="20000"/>
+                    <a:lumOff val="80000"/>
+                  </a:schemeClr>
+                </a:solidFill>
+                <a:effectLst/>
+                <a:ea typeface="Roboto" panose="02000000000000000000" pitchFamily="2" charset="0"/>
+              </a:rPr>
+              <a:t> </a:t>
+            </a:r>
+            <a:r>
+              <a:rPr lang="en-US" sz="2000" b="0" i="0" dirty="0">
+                <a:solidFill>
+                  <a:schemeClr val="accent1">
+                    <a:lumMod val="60000"/>
+                    <a:lumOff val="40000"/>
+                  </a:schemeClr>
+                </a:solidFill>
+                <a:effectLst/>
+                <a:ea typeface="Roboto" panose="02000000000000000000" pitchFamily="2" charset="0"/>
+              </a:rPr>
+              <a:t>Prediabetes: </a:t>
+            </a:r>
+            <a:r>
+              <a:rPr lang="en-US" sz="2000" b="0" i="0" dirty="0">
+                <a:solidFill>
+                  <a:schemeClr val="bg2">
+                    <a:lumMod val="20000"/>
+                    <a:lumOff val="80000"/>
+                  </a:schemeClr>
+                </a:solidFill>
+                <a:effectLst/>
+                <a:ea typeface="Roboto" panose="02000000000000000000" pitchFamily="2" charset="0"/>
+              </a:rPr>
+              <a:t>	100 – 125 mg/dL</a:t>
+            </a:r>
+          </a:p>
+          <a:p>
+            <a:pPr algn="l">
+              <a:buFont typeface="Arial" panose="020B0604020202020204" pitchFamily="34" charset="0"/>
+              <a:buChar char="•"/>
+            </a:pPr>
+            <a:r>
+              <a:rPr lang="en-US" sz="2000" b="0" i="0" dirty="0">
+                <a:solidFill>
+                  <a:schemeClr val="bg2">
+                    <a:lumMod val="20000"/>
+                    <a:lumOff val="80000"/>
+                  </a:schemeClr>
+                </a:solidFill>
+                <a:effectLst/>
+                <a:ea typeface="Roboto" panose="02000000000000000000" pitchFamily="2" charset="0"/>
+              </a:rPr>
+              <a:t> </a:t>
+            </a:r>
+            <a:r>
+              <a:rPr lang="en-US" sz="2000" b="0" i="0" dirty="0">
+                <a:solidFill>
+                  <a:schemeClr val="accent1">
+                    <a:lumMod val="40000"/>
+                    <a:lumOff val="60000"/>
+                  </a:schemeClr>
+                </a:solidFill>
+                <a:effectLst/>
+                <a:ea typeface="Roboto" panose="02000000000000000000" pitchFamily="2" charset="0"/>
+              </a:rPr>
+              <a:t>Normal: </a:t>
+            </a:r>
+            <a:r>
+              <a:rPr lang="en-US" sz="2000" b="0" i="0" dirty="0">
+                <a:solidFill>
+                  <a:schemeClr val="bg2">
+                    <a:lumMod val="20000"/>
+                    <a:lumOff val="80000"/>
+                  </a:schemeClr>
+                </a:solidFill>
+                <a:effectLst/>
+                <a:ea typeface="Roboto" panose="02000000000000000000" pitchFamily="2" charset="0"/>
+              </a:rPr>
+              <a:t>		Below 99 mg/dL</a:t>
+            </a:r>
+          </a:p>
+        </p:txBody>
+      </p:sp>
+      <p:sp>
+        <p:nvSpPr>
+          <p:cNvPr id="6" name="TextBox 5">
+            <a:extLst>
+              <a:ext uri="{FF2B5EF4-FFF2-40B4-BE49-F238E27FC236}">
+                <a16:creationId xmlns:a16="http://schemas.microsoft.com/office/drawing/2014/main" id="{858E66F1-0930-B71B-3EF5-6F565930D74A}"/>
+              </a:ext>
+            </a:extLst>
+          </p:cNvPr>
+          <p:cNvSpPr txBox="1"/>
+          <p:nvPr/>
+        </p:nvSpPr>
+        <p:spPr>
+          <a:xfrm>
+            <a:off x="6481191" y="2986484"/>
+            <a:ext cx="2413428" cy="2215991"/>
+          </a:xfrm>
+          <a:prstGeom prst="rect">
+            <a:avLst/>
+          </a:prstGeom>
+          <a:noFill/>
+        </p:spPr>
+        <p:txBody>
+          <a:bodyPr wrap="square" rtlCol="0">
+            <a:spAutoFit/>
+          </a:bodyPr>
+          <a:lstStyle/>
+          <a:p>
+            <a:r>
+              <a:rPr lang="en-US" sz="2000" dirty="0"/>
+              <a:t>According the data, the risk of having a stroke is not much dependent on the average glucose level in blood</a:t>
+            </a:r>
+          </a:p>
+          <a:p>
+            <a:r>
+              <a:rPr lang="en-US" dirty="0"/>
+              <a:t> </a:t>
+            </a:r>
+          </a:p>
+        </p:txBody>
+      </p:sp>
+    </p:spTree>
+    <p:extLst>
+      <p:ext uri="{BB962C8B-B14F-4D97-AF65-F5344CB8AC3E}">
+        <p14:creationId xmlns:p14="http://schemas.microsoft.com/office/powerpoint/2010/main" val="1472201234"/>
+      </p:ext>
+    </p:extLst>
+  </p:cSld>
+  <p:clrMapOvr>
+    <a:masterClrMapping/>
+  </p:clrMapOvr>
+</p:sld>
+</file>
+
+<file path=ppt/slides/slide8.xml><?xml version="1.0" encoding="utf-8"?>
+<p:sld xmlns:a="http://schemas.openxmlformats.org/drawingml/2006/main" xmlns:r="http://schemas.openxmlformats.org/officeDocument/2006/relationships" xmlns:p="http://schemas.openxmlformats.org/presentationml/2006/main">
+  <p:cSld>
+    <p:bg>
+      <p:bgPr>
+        <a:solidFill>
+          <a:schemeClr val="bg1">
+            <a:lumMod val="75000"/>
+            <a:lumOff val="25000"/>
+          </a:schemeClr>
+        </a:solidFill>
+        <a:effectLst/>
+      </p:bgPr>
+    </p:bg>
+    <p:spTree>
+      <p:nvGrpSpPr>
+        <p:cNvPr id="1" name=""/>
+        <p:cNvGrpSpPr/>
+        <p:nvPr/>
+      </p:nvGrpSpPr>
+      <p:grpSpPr>
+        <a:xfrm>
+          <a:off x="0" y="0"/>
+          <a:ext cx="0" cy="0"/>
+          <a:chOff x="0" y="0"/>
+          <a:chExt cx="0" cy="0"/>
+        </a:xfrm>
+      </p:grpSpPr>
+      <p:sp>
+        <p:nvSpPr>
+          <p:cNvPr id="2" name="TextBox 1">
+            <a:extLst>
+              <a:ext uri="{FF2B5EF4-FFF2-40B4-BE49-F238E27FC236}">
+                <a16:creationId xmlns:a16="http://schemas.microsoft.com/office/drawing/2014/main" id="{B7027846-8BD0-B8FC-D9EC-992CF8468E22}"/>
+              </a:ext>
+            </a:extLst>
+          </p:cNvPr>
+          <p:cNvSpPr txBox="1"/>
+          <p:nvPr/>
+        </p:nvSpPr>
+        <p:spPr>
+          <a:xfrm>
+            <a:off x="483832" y="303606"/>
+            <a:ext cx="7293007" cy="954107"/>
+          </a:xfrm>
+          <a:prstGeom prst="rect">
+            <a:avLst/>
+          </a:prstGeom>
+          <a:noFill/>
+        </p:spPr>
+        <p:txBody>
+          <a:bodyPr wrap="square">
+            <a:spAutoFit/>
+          </a:bodyPr>
+          <a:lstStyle/>
+          <a:p>
+            <a:r>
+              <a:rPr lang="en-US" sz="2800" b="1" dirty="0">
+                <a:latin typeface="+mn-lt"/>
+                <a:cs typeface="Calibri" pitchFamily="34" charset="0"/>
+              </a:rPr>
+              <a:t>Correlation between average glucose level and age of patients</a:t>
             </a:r>
             <a:endParaRPr lang="en-US" sz="2800" dirty="0"/>
           </a:p>
@@ -4615,10 +6523,10 @@
       </p:sp>
       <p:pic>
         <p:nvPicPr>
-          <p:cNvPr id="6" name="Picture 2">
+          <p:cNvPr id="6148" name="Picture 4">
             <a:extLst>
               <a:ext uri="{FF2B5EF4-FFF2-40B4-BE49-F238E27FC236}">
-                <a16:creationId xmlns:a16="http://schemas.microsoft.com/office/drawing/2014/main" id="{6EE5A6CE-A933-5B8B-1DCD-6C6399E1DFE3}"/>
+                <a16:creationId xmlns:a16="http://schemas.microsoft.com/office/drawing/2014/main" id="{E90380E6-04BD-43D6-55EC-3CBA9FAEA102}"/>
               </a:ext>
             </a:extLst>
           </p:cNvPr>
@@ -4627,23 +6535,21 @@
           </p:cNvPicPr>
           <p:nvPr/>
         </p:nvPicPr>
-        <p:blipFill>
-          <a:blip r:embed="rId3">
+        <p:blipFill rotWithShape="1">
+          <a:blip r:embed="rId2">
             <a:extLst>
               <a:ext uri="{28A0092B-C50C-407E-A947-70E740481C1C}">
                 <a14:useLocalDpi xmlns:a14="http://schemas.microsoft.com/office/drawing/2010/main" val="0"/>
               </a:ext>
             </a:extLst>
           </a:blip>
-          <a:srcRect/>
-          <a:stretch>
-            <a:fillRect/>
-          </a:stretch>
+          <a:srcRect r="47573" b="984"/>
+          <a:stretch/>
         </p:blipFill>
         <p:spPr bwMode="auto">
           <a:xfrm>
-            <a:off x="4572000" y="1490479"/>
-            <a:ext cx="4453465" cy="4404294"/>
+            <a:off x="215977" y="1331369"/>
+            <a:ext cx="6627713" cy="5078667"/>
           </a:xfrm>
           <a:prstGeom prst="rect">
             <a:avLst/>
@@ -4660,10 +6566,286 @@
           </a:extLst>
         </p:spPr>
       </p:pic>
+      <p:sp>
+        <p:nvSpPr>
+          <p:cNvPr id="3" name="TextBox 2">
+            <a:extLst>
+              <a:ext uri="{FF2B5EF4-FFF2-40B4-BE49-F238E27FC236}">
+                <a16:creationId xmlns:a16="http://schemas.microsoft.com/office/drawing/2014/main" id="{E5D5BFF7-3886-41FB-E981-EE64FC7F1CD5}"/>
+              </a:ext>
+            </a:extLst>
+          </p:cNvPr>
+          <p:cNvSpPr txBox="1"/>
+          <p:nvPr/>
+        </p:nvSpPr>
+        <p:spPr>
+          <a:xfrm>
+            <a:off x="7047345" y="2515075"/>
+            <a:ext cx="1773383" cy="2031325"/>
+          </a:xfrm>
+          <a:prstGeom prst="rect">
+            <a:avLst/>
+          </a:prstGeom>
+          <a:noFill/>
+        </p:spPr>
+        <p:txBody>
+          <a:bodyPr wrap="square" rtlCol="0">
+            <a:spAutoFit/>
+          </a:bodyPr>
+          <a:lstStyle/>
+          <a:p>
+            <a:r>
+              <a:rPr lang="en-US" dirty="0"/>
+              <a:t>There is a high risk on the people above </a:t>
+            </a:r>
+            <a:r>
+              <a:rPr lang="en-US" dirty="0">
+                <a:solidFill>
+                  <a:schemeClr val="accent1">
+                    <a:lumMod val="60000"/>
+                    <a:lumOff val="40000"/>
+                  </a:schemeClr>
+                </a:solidFill>
+              </a:rPr>
+              <a:t>~45 years</a:t>
+            </a:r>
+            <a:r>
+              <a:rPr lang="en-US" dirty="0"/>
+              <a:t> who suffering from </a:t>
+            </a:r>
+            <a:r>
+              <a:rPr lang="en-US" dirty="0">
+                <a:solidFill>
+                  <a:schemeClr val="accent1">
+                    <a:lumMod val="60000"/>
+                    <a:lumOff val="40000"/>
+                  </a:schemeClr>
+                </a:solidFill>
+              </a:rPr>
+              <a:t>diabetes</a:t>
+            </a:r>
+            <a:r>
+              <a:rPr lang="en-US" dirty="0"/>
+              <a:t> to have a brain stroke</a:t>
+            </a:r>
+          </a:p>
+        </p:txBody>
+      </p:sp>
     </p:spTree>
     <p:extLst>
       <p:ext uri="{BB962C8B-B14F-4D97-AF65-F5344CB8AC3E}">
-        <p14:creationId xmlns:p14="http://schemas.microsoft.com/office/powerpoint/2010/main" val="2006223739"/>
+        <p14:creationId xmlns:p14="http://schemas.microsoft.com/office/powerpoint/2010/main" val="3213599359"/>
+      </p:ext>
+    </p:extLst>
+  </p:cSld>
+  <p:clrMapOvr>
+    <a:masterClrMapping/>
+  </p:clrMapOvr>
+</p:sld>
+</file>
+
+<file path=ppt/slides/slide9.xml><?xml version="1.0" encoding="utf-8"?>
+<p:sld xmlns:a="http://schemas.openxmlformats.org/drawingml/2006/main" xmlns:r="http://schemas.openxmlformats.org/officeDocument/2006/relationships" xmlns:p="http://schemas.openxmlformats.org/presentationml/2006/main">
+  <p:cSld>
+    <p:bg>
+      <p:bgPr>
+        <a:solidFill>
+          <a:schemeClr val="bg1">
+            <a:lumMod val="75000"/>
+            <a:lumOff val="25000"/>
+          </a:schemeClr>
+        </a:solidFill>
+        <a:effectLst/>
+      </p:bgPr>
+    </p:bg>
+    <p:spTree>
+      <p:nvGrpSpPr>
+        <p:cNvPr id="1" name=""/>
+        <p:cNvGrpSpPr/>
+        <p:nvPr/>
+      </p:nvGrpSpPr>
+      <p:grpSpPr>
+        <a:xfrm>
+          <a:off x="0" y="0"/>
+          <a:ext cx="0" cy="0"/>
+          <a:chOff x="0" y="0"/>
+          <a:chExt cx="0" cy="0"/>
+        </a:xfrm>
+      </p:grpSpPr>
+      <p:pic>
+        <p:nvPicPr>
+          <p:cNvPr id="2052" name="Picture 4">
+            <a:extLst>
+              <a:ext uri="{FF2B5EF4-FFF2-40B4-BE49-F238E27FC236}">
+                <a16:creationId xmlns:a16="http://schemas.microsoft.com/office/drawing/2014/main" id="{C1903101-44A1-1C0E-A0CC-DCCDAA9952BF}"/>
+              </a:ext>
+            </a:extLst>
+          </p:cNvPr>
+          <p:cNvPicPr>
+            <a:picLocks noChangeAspect="1" noChangeArrowheads="1"/>
+          </p:cNvPicPr>
+          <p:nvPr/>
+        </p:nvPicPr>
+        <p:blipFill rotWithShape="1">
+          <a:blip r:embed="rId2">
+            <a:extLst>
+              <a:ext uri="{28A0092B-C50C-407E-A947-70E740481C1C}">
+                <a14:useLocalDpi xmlns:a14="http://schemas.microsoft.com/office/drawing/2010/main" val="0"/>
+              </a:ext>
+            </a:extLst>
+          </a:blip>
+          <a:srcRect l="52233" b="-1170"/>
+          <a:stretch/>
+        </p:blipFill>
+        <p:spPr bwMode="auto">
+          <a:xfrm>
+            <a:off x="483833" y="931788"/>
+            <a:ext cx="6175585" cy="5622606"/>
+          </a:xfrm>
+          <a:prstGeom prst="rect">
+            <a:avLst/>
+          </a:prstGeom>
+          <a:noFill/>
+          <a:extLst>
+            <a:ext uri="{909E8E84-426E-40DD-AFC4-6F175D3DCCD1}">
+              <a14:hiddenFill xmlns:a14="http://schemas.microsoft.com/office/drawing/2010/main">
+                <a:solidFill>
+                  <a:srgbClr val="FFFFFF"/>
+                </a:solidFill>
+              </a14:hiddenFill>
+            </a:ext>
+          </a:extLst>
+        </p:spPr>
+      </p:pic>
+      <p:sp>
+        <p:nvSpPr>
+          <p:cNvPr id="2" name="TextBox 1">
+            <a:extLst>
+              <a:ext uri="{FF2B5EF4-FFF2-40B4-BE49-F238E27FC236}">
+                <a16:creationId xmlns:a16="http://schemas.microsoft.com/office/drawing/2014/main" id="{5B7A406C-2A71-54AE-8AEB-35D28D70C0EB}"/>
+              </a:ext>
+            </a:extLst>
+          </p:cNvPr>
+          <p:cNvSpPr txBox="1"/>
+          <p:nvPr/>
+        </p:nvSpPr>
+        <p:spPr>
+          <a:xfrm>
+            <a:off x="483832" y="303606"/>
+            <a:ext cx="7293007" cy="523220"/>
+          </a:xfrm>
+          <a:prstGeom prst="rect">
+            <a:avLst/>
+          </a:prstGeom>
+          <a:noFill/>
+        </p:spPr>
+        <p:txBody>
+          <a:bodyPr wrap="square">
+            <a:spAutoFit/>
+          </a:bodyPr>
+          <a:lstStyle/>
+          <a:p>
+            <a:r>
+              <a:rPr lang="en-US" sz="2800" b="1" dirty="0">
+                <a:latin typeface="+mn-lt"/>
+                <a:cs typeface="Calibri" pitchFamily="34" charset="0"/>
+              </a:rPr>
+              <a:t>Correlation between BMI and age of patients</a:t>
+            </a:r>
+            <a:endParaRPr lang="en-US" sz="2800" dirty="0"/>
+          </a:p>
+        </p:txBody>
+      </p:sp>
+      <p:sp>
+        <p:nvSpPr>
+          <p:cNvPr id="3" name="TextBox 2">
+            <a:extLst>
+              <a:ext uri="{FF2B5EF4-FFF2-40B4-BE49-F238E27FC236}">
+                <a16:creationId xmlns:a16="http://schemas.microsoft.com/office/drawing/2014/main" id="{2C468707-F34B-48B3-E6FB-CC26F5EEE5D0}"/>
+              </a:ext>
+            </a:extLst>
+          </p:cNvPr>
+          <p:cNvSpPr txBox="1"/>
+          <p:nvPr/>
+        </p:nvSpPr>
+        <p:spPr>
+          <a:xfrm>
+            <a:off x="7001163" y="2124363"/>
+            <a:ext cx="2068946" cy="2246769"/>
+          </a:xfrm>
+          <a:prstGeom prst="rect">
+            <a:avLst/>
+          </a:prstGeom>
+          <a:noFill/>
+        </p:spPr>
+        <p:txBody>
+          <a:bodyPr wrap="square" rtlCol="0">
+            <a:spAutoFit/>
+          </a:bodyPr>
+          <a:lstStyle/>
+          <a:p>
+            <a:r>
+              <a:rPr lang="en-US" sz="2000" dirty="0">
+                <a:solidFill>
+                  <a:schemeClr val="bg2">
+                    <a:lumMod val="20000"/>
+                    <a:lumOff val="80000"/>
+                  </a:schemeClr>
+                </a:solidFill>
+              </a:rPr>
+              <a:t>There is a higher risk on the people </a:t>
+            </a:r>
+            <a:r>
+              <a:rPr lang="en-US" sz="2000" dirty="0">
+                <a:solidFill>
+                  <a:schemeClr val="accent1">
+                    <a:lumMod val="60000"/>
+                    <a:lumOff val="40000"/>
+                  </a:schemeClr>
+                </a:solidFill>
+              </a:rPr>
+              <a:t>above ~ 45 years </a:t>
+            </a:r>
+            <a:r>
+              <a:rPr lang="en-US" sz="2000" dirty="0">
+                <a:solidFill>
+                  <a:schemeClr val="bg2">
+                    <a:lumMod val="20000"/>
+                    <a:lumOff val="80000"/>
+                  </a:schemeClr>
+                </a:solidFill>
+              </a:rPr>
+              <a:t>who suffering from </a:t>
+            </a:r>
+            <a:r>
+              <a:rPr lang="en-US" sz="2000" dirty="0">
+                <a:solidFill>
+                  <a:schemeClr val="accent1">
+                    <a:lumMod val="60000"/>
+                    <a:lumOff val="40000"/>
+                  </a:schemeClr>
+                </a:solidFill>
+              </a:rPr>
+              <a:t>overweight</a:t>
+            </a:r>
+            <a:r>
+              <a:rPr lang="en-US" sz="2000" dirty="0">
+                <a:solidFill>
+                  <a:schemeClr val="bg2">
+                    <a:lumMod val="20000"/>
+                    <a:lumOff val="80000"/>
+                  </a:schemeClr>
+                </a:solidFill>
+              </a:rPr>
+              <a:t> to have a brain stroke</a:t>
+            </a:r>
+          </a:p>
+        </p:txBody>
+      </p:sp>
+    </p:spTree>
+    <p:extLst>
+      <p:ext uri="{BB962C8B-B14F-4D97-AF65-F5344CB8AC3E}">
+        <p14:creationId xmlns:p14="http://schemas.microsoft.com/office/powerpoint/2010/main" val="2593352334"/>
       </p:ext>
     </p:extLst>
   </p:cSld>

--- a/stroke_pred_presentation.pptx
+++ b/stroke_pred_presentation.pptx
@@ -17,6 +17,7 @@
     <p:sldId id="267" r:id="rId11"/>
     <p:sldId id="257" r:id="rId12"/>
     <p:sldId id="268" r:id="rId13"/>
+    <p:sldId id="269" r:id="rId14"/>
   </p:sldIdLst>
   <p:sldSz cx="9144000" cy="6858000" type="screen4x3"/>
   <p:notesSz cx="6858000" cy="9144000"/>
@@ -254,7 +255,7 @@
           <a:p>
             <a:fld id="{DFA1E9A6-908D-47E9-85EC-E27169C531D0}" type="datetimeFigureOut">
               <a:rPr lang="en-US" smtClean="0"/>
-              <a:t>12/7/2022</a:t>
+              <a:t>12/8/2022</a:t>
             </a:fld>
             <a:endParaRPr lang="en-US"/>
           </a:p>
@@ -424,7 +425,7 @@
           <a:p>
             <a:fld id="{DFA1E9A6-908D-47E9-85EC-E27169C531D0}" type="datetimeFigureOut">
               <a:rPr lang="en-US" smtClean="0"/>
-              <a:t>12/7/2022</a:t>
+              <a:t>12/8/2022</a:t>
             </a:fld>
             <a:endParaRPr lang="en-US"/>
           </a:p>
@@ -604,7 +605,7 @@
           <a:p>
             <a:fld id="{DFA1E9A6-908D-47E9-85EC-E27169C531D0}" type="datetimeFigureOut">
               <a:rPr lang="en-US" smtClean="0"/>
-              <a:t>12/7/2022</a:t>
+              <a:t>12/8/2022</a:t>
             </a:fld>
             <a:endParaRPr lang="en-US"/>
           </a:p>
@@ -774,7 +775,7 @@
           <a:p>
             <a:fld id="{DFA1E9A6-908D-47E9-85EC-E27169C531D0}" type="datetimeFigureOut">
               <a:rPr lang="en-US" smtClean="0"/>
-              <a:t>12/7/2022</a:t>
+              <a:t>12/8/2022</a:t>
             </a:fld>
             <a:endParaRPr lang="en-US"/>
           </a:p>
@@ -1018,7 +1019,7 @@
           <a:p>
             <a:fld id="{DFA1E9A6-908D-47E9-85EC-E27169C531D0}" type="datetimeFigureOut">
               <a:rPr lang="en-US" smtClean="0"/>
-              <a:t>12/7/2022</a:t>
+              <a:t>12/8/2022</a:t>
             </a:fld>
             <a:endParaRPr lang="en-US"/>
           </a:p>
@@ -1250,7 +1251,7 @@
           <a:p>
             <a:fld id="{DFA1E9A6-908D-47E9-85EC-E27169C531D0}" type="datetimeFigureOut">
               <a:rPr lang="en-US" smtClean="0"/>
-              <a:t>12/7/2022</a:t>
+              <a:t>12/8/2022</a:t>
             </a:fld>
             <a:endParaRPr lang="en-US"/>
           </a:p>
@@ -1617,7 +1618,7 @@
           <a:p>
             <a:fld id="{DFA1E9A6-908D-47E9-85EC-E27169C531D0}" type="datetimeFigureOut">
               <a:rPr lang="en-US" smtClean="0"/>
-              <a:t>12/7/2022</a:t>
+              <a:t>12/8/2022</a:t>
             </a:fld>
             <a:endParaRPr lang="en-US"/>
           </a:p>
@@ -1735,7 +1736,7 @@
           <a:p>
             <a:fld id="{DFA1E9A6-908D-47E9-85EC-E27169C531D0}" type="datetimeFigureOut">
               <a:rPr lang="en-US" smtClean="0"/>
-              <a:t>12/7/2022</a:t>
+              <a:t>12/8/2022</a:t>
             </a:fld>
             <a:endParaRPr lang="en-US"/>
           </a:p>
@@ -1830,7 +1831,7 @@
           <a:p>
             <a:fld id="{DFA1E9A6-908D-47E9-85EC-E27169C531D0}" type="datetimeFigureOut">
               <a:rPr lang="en-US" smtClean="0"/>
-              <a:t>12/7/2022</a:t>
+              <a:t>12/8/2022</a:t>
             </a:fld>
             <a:endParaRPr lang="en-US"/>
           </a:p>
@@ -2107,7 +2108,7 @@
           <a:p>
             <a:fld id="{DFA1E9A6-908D-47E9-85EC-E27169C531D0}" type="datetimeFigureOut">
               <a:rPr lang="en-US" smtClean="0"/>
-              <a:t>12/7/2022</a:t>
+              <a:t>12/8/2022</a:t>
             </a:fld>
             <a:endParaRPr lang="en-US"/>
           </a:p>
@@ -2364,7 +2365,7 @@
           <a:p>
             <a:fld id="{DFA1E9A6-908D-47E9-85EC-E27169C531D0}" type="datetimeFigureOut">
               <a:rPr lang="en-US" smtClean="0"/>
-              <a:t>12/7/2022</a:t>
+              <a:t>12/8/2022</a:t>
             </a:fld>
             <a:endParaRPr lang="en-US"/>
           </a:p>
@@ -2577,7 +2578,7 @@
           <a:p>
             <a:fld id="{DFA1E9A6-908D-47E9-85EC-E27169C531D0}" type="datetimeFigureOut">
               <a:rPr lang="en-US" smtClean="0"/>
-              <a:t>12/7/2022</a:t>
+              <a:t>12/8/2022</a:t>
             </a:fld>
             <a:endParaRPr lang="en-US"/>
           </a:p>
@@ -3054,8 +3055,8 @@
         </p:nvSpPr>
         <p:spPr>
           <a:xfrm>
-            <a:off x="483948" y="4617939"/>
-            <a:ext cx="8176104" cy="1236440"/>
+            <a:off x="0" y="4333854"/>
+            <a:ext cx="9143979" cy="1236440"/>
           </a:xfrm>
           <a:prstGeom prst="rect">
             <a:avLst/>
@@ -3087,13 +3088,27 @@
           </a:lstStyle>
           <a:p>
             <a:r>
-              <a:rPr lang="en-US" sz="3800" b="1">
-                <a:latin typeface="+mn-lt"/>
+              <a:rPr lang="en-US" sz="4000" b="1" dirty="0">
+                <a:solidFill>
+                  <a:schemeClr val="bg2">
+                    <a:lumMod val="20000"/>
+                    <a:lumOff val="80000"/>
+                  </a:schemeClr>
+                </a:solidFill>
+                <a:latin typeface="Calibri Light (Headings)"/>
                 <a:cs typeface="Calibri" pitchFamily="34" charset="0"/>
               </a:rPr>
               <a:t>Stroke Prediction Using Machine Learning</a:t>
             </a:r>
-            <a:endParaRPr lang="en-US" sz="3800" dirty="0"/>
+            <a:endParaRPr lang="en-US" sz="4000" dirty="0">
+              <a:solidFill>
+                <a:schemeClr val="bg2">
+                  <a:lumMod val="20000"/>
+                  <a:lumOff val="80000"/>
+                </a:schemeClr>
+              </a:solidFill>
+              <a:latin typeface="Calibri Light (Headings)"/>
+            </a:endParaRPr>
           </a:p>
         </p:txBody>
       </p:sp>
@@ -3113,8 +3128,8 @@
         </p:nvSpPr>
         <p:spPr>
           <a:xfrm>
-            <a:off x="1926018" y="6182141"/>
-            <a:ext cx="5477958" cy="675858"/>
+            <a:off x="0" y="5924686"/>
+            <a:ext cx="9143978" cy="675858"/>
           </a:xfrm>
           <a:prstGeom prst="rect">
             <a:avLst/>
@@ -3291,7 +3306,15 @@
           </a:lstStyle>
           <a:p>
             <a:r>
-              <a:rPr lang="en-US" dirty="0"/>
+              <a:rPr lang="en-US" dirty="0">
+                <a:solidFill>
+                  <a:schemeClr val="bg2">
+                    <a:lumMod val="20000"/>
+                    <a:lumOff val="80000"/>
+                  </a:schemeClr>
+                </a:solidFill>
+                <a:latin typeface="Calibri Light (Headings)"/>
+              </a:rPr>
               <a:t>Shehani Wetthasinghe</a:t>
             </a:r>
           </a:p>
@@ -3316,10 +3339,7 @@
     <p:bg>
       <p:bgPr>
         <a:solidFill>
-          <a:schemeClr val="bg1">
-            <a:lumMod val="75000"/>
-            <a:lumOff val="25000"/>
-          </a:schemeClr>
+          <a:schemeClr val="bg2"/>
         </a:solidFill>
         <a:effectLst/>
       </p:bgPr>
@@ -3352,28 +3372,49 @@
         </p:nvSpPr>
         <p:spPr>
           <a:xfrm>
-            <a:off x="483832" y="303606"/>
-            <a:ext cx="5206753" cy="523220"/>
+            <a:off x="585729" y="287985"/>
+            <a:ext cx="5605629" cy="994172"/>
           </a:xfrm>
           <a:prstGeom prst="rect">
             <a:avLst/>
           </a:prstGeom>
-          <a:noFill/>
         </p:spPr>
         <p:txBody>
-          <a:bodyPr wrap="square">
-            <a:spAutoFit/>
+          <a:bodyPr vert="horz" lIns="91440" tIns="45720" rIns="91440" bIns="45720" rtlCol="0" anchor="ctr">
+            <a:normAutofit fontScale="92500"/>
           </a:bodyPr>
           <a:lstStyle/>
           <a:p>
-            <a:r>
-              <a:rPr lang="en-US" sz="2800" b="1" dirty="0">
-                <a:latin typeface="+mn-lt"/>
-                <a:cs typeface="Calibri" pitchFamily="34" charset="0"/>
+            <a:pPr defTabSz="914400">
+              <a:lnSpc>
+                <a:spcPct val="90000"/>
+              </a:lnSpc>
+              <a:spcBef>
+                <a:spcPct val="0"/>
+              </a:spcBef>
+              <a:spcAft>
+                <a:spcPts val="600"/>
+              </a:spcAft>
+            </a:pPr>
+            <a:r>
+              <a:rPr lang="en-US" sz="4400" b="1" kern="1200" dirty="0">
+                <a:solidFill>
+                  <a:schemeClr val="tx1"/>
+                </a:solidFill>
+                <a:latin typeface="+mj-lt"/>
+                <a:ea typeface="+mj-ea"/>
+                <a:cs typeface="+mj-cs"/>
               </a:rPr>
               <a:t>Machine Learning Models</a:t>
             </a:r>
-            <a:endParaRPr lang="en-US" sz="2800" dirty="0"/>
+            <a:endParaRPr lang="en-US" sz="4400" kern="1200" dirty="0">
+              <a:solidFill>
+                <a:schemeClr val="tx1"/>
+              </a:solidFill>
+              <a:latin typeface="+mj-lt"/>
+              <a:ea typeface="+mj-ea"/>
+              <a:cs typeface="+mj-cs"/>
+            </a:endParaRPr>
           </a:p>
         </p:txBody>
       </p:sp>
@@ -3391,22 +3432,31 @@
         </p:nvSpPr>
         <p:spPr>
           <a:xfrm>
-            <a:off x="727970" y="1349406"/>
-            <a:ext cx="6382709" cy="4308872"/>
+            <a:off x="825240" y="1775534"/>
+            <a:ext cx="5366118" cy="4649009"/>
           </a:xfrm>
           <a:prstGeom prst="rect">
             <a:avLst/>
           </a:prstGeom>
-          <a:noFill/>
         </p:spPr>
         <p:txBody>
-          <a:bodyPr wrap="none" rtlCol="0">
-            <a:spAutoFit/>
+          <a:bodyPr vert="horz" lIns="91440" tIns="45720" rIns="91440" bIns="45720" rtlCol="0" anchor="ctr">
+            <a:normAutofit fontScale="55000" lnSpcReduction="20000"/>
           </a:bodyPr>
           <a:lstStyle/>
           <a:p>
-            <a:r>
-              <a:rPr lang="en-US" sz="2000" dirty="0">
+            <a:pPr indent="-228600" defTabSz="914400">
+              <a:lnSpc>
+                <a:spcPct val="90000"/>
+              </a:lnSpc>
+              <a:spcAft>
+                <a:spcPts val="600"/>
+              </a:spcAft>
+              <a:buFont typeface="Arial" panose="020B0604020202020204" pitchFamily="34" charset="0"/>
+              <a:buChar char="•"/>
+            </a:pPr>
+            <a:r>
+              <a:rPr lang="en-US" sz="4200" dirty="0">
                 <a:solidFill>
                   <a:schemeClr val="bg2">
                     <a:lumMod val="20000"/>
@@ -3418,7 +3468,17 @@
             </a:r>
           </a:p>
           <a:p>
-            <a:endParaRPr lang="en-US" sz="2000" dirty="0">
+            <a:pPr indent="-228600" defTabSz="914400">
+              <a:lnSpc>
+                <a:spcPct val="90000"/>
+              </a:lnSpc>
+              <a:spcAft>
+                <a:spcPts val="600"/>
+              </a:spcAft>
+              <a:buFont typeface="Arial" panose="020B0604020202020204" pitchFamily="34" charset="0"/>
+              <a:buChar char="•"/>
+            </a:pPr>
+            <a:endParaRPr lang="en-US" sz="4200" dirty="0">
               <a:solidFill>
                 <a:schemeClr val="bg2">
                   <a:lumMod val="20000"/>
@@ -3428,8 +3488,18 @@
             </a:endParaRPr>
           </a:p>
           <a:p>
-            <a:r>
-              <a:rPr lang="en-US" sz="2000" dirty="0">
+            <a:pPr indent="-228600" defTabSz="914400">
+              <a:lnSpc>
+                <a:spcPct val="90000"/>
+              </a:lnSpc>
+              <a:spcAft>
+                <a:spcPts val="600"/>
+              </a:spcAft>
+              <a:buFont typeface="Arial" panose="020B0604020202020204" pitchFamily="34" charset="0"/>
+              <a:buChar char="•"/>
+            </a:pPr>
+            <a:r>
+              <a:rPr lang="en-US" sz="4200" dirty="0">
                 <a:solidFill>
                   <a:schemeClr val="bg2">
                     <a:lumMod val="20000"/>
@@ -3441,12 +3511,23 @@
             </a:r>
           </a:p>
           <a:p>
-            <a:pPr marL="285750" indent="-285750">
+            <a:pPr marL="342900" indent="-228600" defTabSz="914400">
+              <a:lnSpc>
+                <a:spcPct val="90000"/>
+              </a:lnSpc>
+              <a:spcAft>
+                <a:spcPts val="600"/>
+              </a:spcAft>
+              <a:buClr>
+                <a:schemeClr val="accent1">
+                  <a:lumMod val="75000"/>
+                </a:schemeClr>
+              </a:buClr>
               <a:buFont typeface="Arial" panose="020B0604020202020204" pitchFamily="34" charset="0"/>
               <a:buChar char="•"/>
             </a:pPr>
             <a:r>
-              <a:rPr lang="en-US" sz="2000" dirty="0">
+              <a:rPr lang="en-US" sz="4200" dirty="0">
                 <a:solidFill>
                   <a:schemeClr val="bg2">
                     <a:lumMod val="20000"/>
@@ -3458,12 +3539,23 @@
             </a:r>
           </a:p>
           <a:p>
-            <a:pPr marL="285750" indent="-285750">
+            <a:pPr marL="342900" indent="-228600" defTabSz="914400">
+              <a:lnSpc>
+                <a:spcPct val="90000"/>
+              </a:lnSpc>
+              <a:spcAft>
+                <a:spcPts val="600"/>
+              </a:spcAft>
+              <a:buClr>
+                <a:schemeClr val="accent1">
+                  <a:lumMod val="75000"/>
+                </a:schemeClr>
+              </a:buClr>
               <a:buFont typeface="Arial" panose="020B0604020202020204" pitchFamily="34" charset="0"/>
               <a:buChar char="•"/>
             </a:pPr>
             <a:r>
-              <a:rPr lang="en-US" sz="2000" dirty="0">
+              <a:rPr lang="en-US" sz="4200" dirty="0">
                 <a:solidFill>
                   <a:schemeClr val="bg2">
                     <a:lumMod val="20000"/>
@@ -3475,12 +3567,23 @@
             </a:r>
           </a:p>
           <a:p>
-            <a:pPr marL="285750" indent="-285750">
+            <a:pPr marL="342900" indent="-228600" defTabSz="914400">
+              <a:lnSpc>
+                <a:spcPct val="90000"/>
+              </a:lnSpc>
+              <a:spcAft>
+                <a:spcPts val="600"/>
+              </a:spcAft>
+              <a:buClr>
+                <a:schemeClr val="accent1">
+                  <a:lumMod val="75000"/>
+                </a:schemeClr>
+              </a:buClr>
               <a:buFont typeface="Arial" panose="020B0604020202020204" pitchFamily="34" charset="0"/>
               <a:buChar char="•"/>
             </a:pPr>
             <a:r>
-              <a:rPr lang="en-US" sz="2000" dirty="0">
+              <a:rPr lang="en-US" sz="4200" dirty="0">
                 <a:solidFill>
                   <a:schemeClr val="bg2">
                     <a:lumMod val="20000"/>
@@ -3492,12 +3595,23 @@
             </a:r>
           </a:p>
           <a:p>
-            <a:pPr marL="285750" indent="-285750">
+            <a:pPr marL="342900" indent="-228600" defTabSz="914400">
+              <a:lnSpc>
+                <a:spcPct val="90000"/>
+              </a:lnSpc>
+              <a:spcAft>
+                <a:spcPts val="600"/>
+              </a:spcAft>
+              <a:buClr>
+                <a:schemeClr val="accent1">
+                  <a:lumMod val="75000"/>
+                </a:schemeClr>
+              </a:buClr>
               <a:buFont typeface="Arial" panose="020B0604020202020204" pitchFamily="34" charset="0"/>
               <a:buChar char="•"/>
             </a:pPr>
             <a:r>
-              <a:rPr lang="en-US" sz="2000" dirty="0">
+              <a:rPr lang="en-US" sz="4200" dirty="0">
                 <a:solidFill>
                   <a:schemeClr val="bg2">
                     <a:lumMod val="20000"/>
@@ -3508,7 +3622,7 @@
               <a:t>	</a:t>
             </a:r>
             <a:r>
-              <a:rPr lang="en-US" sz="2000" dirty="0" err="1">
+              <a:rPr lang="en-US" sz="4200" dirty="0" err="1">
                 <a:solidFill>
                   <a:schemeClr val="bg2">
                     <a:lumMod val="20000"/>
@@ -3518,7 +3632,7 @@
               </a:rPr>
               <a:t>XGBoost</a:t>
             </a:r>
-            <a:endParaRPr lang="en-US" sz="2000" dirty="0">
+            <a:endParaRPr lang="en-US" sz="4200" dirty="0">
               <a:solidFill>
                 <a:schemeClr val="bg2">
                   <a:lumMod val="20000"/>
@@ -3528,7 +3642,17 @@
             </a:endParaRPr>
           </a:p>
           <a:p>
-            <a:endParaRPr lang="en-US" sz="2000" dirty="0">
+            <a:pPr indent="-228600" defTabSz="914400">
+              <a:lnSpc>
+                <a:spcPct val="90000"/>
+              </a:lnSpc>
+              <a:spcAft>
+                <a:spcPts val="600"/>
+              </a:spcAft>
+              <a:buFont typeface="Arial" panose="020B0604020202020204" pitchFamily="34" charset="0"/>
+              <a:buChar char="•"/>
+            </a:pPr>
+            <a:endParaRPr lang="en-US" sz="4200" dirty="0">
               <a:solidFill>
                 <a:schemeClr val="bg2">
                   <a:lumMod val="20000"/>
@@ -3538,8 +3662,18 @@
             </a:endParaRPr>
           </a:p>
           <a:p>
-            <a:r>
-              <a:rPr lang="en-US" sz="2000" dirty="0">
+            <a:pPr indent="-228600" defTabSz="914400">
+              <a:lnSpc>
+                <a:spcPct val="90000"/>
+              </a:lnSpc>
+              <a:spcAft>
+                <a:spcPts val="600"/>
+              </a:spcAft>
+              <a:buFont typeface="Arial" panose="020B0604020202020204" pitchFamily="34" charset="0"/>
+              <a:buChar char="•"/>
+            </a:pPr>
+            <a:r>
+              <a:rPr lang="en-US" sz="4200" dirty="0">
                 <a:solidFill>
                   <a:schemeClr val="bg2">
                     <a:lumMod val="20000"/>
@@ -3551,12 +3685,23 @@
             </a:r>
           </a:p>
           <a:p>
-            <a:pPr marL="285750" indent="-285750">
+            <a:pPr marL="342900" indent="-228600" defTabSz="914400">
+              <a:lnSpc>
+                <a:spcPct val="90000"/>
+              </a:lnSpc>
+              <a:spcAft>
+                <a:spcPts val="600"/>
+              </a:spcAft>
+              <a:buClr>
+                <a:schemeClr val="accent1">
+                  <a:lumMod val="75000"/>
+                </a:schemeClr>
+              </a:buClr>
               <a:buFont typeface="Arial" panose="020B0604020202020204" pitchFamily="34" charset="0"/>
               <a:buChar char="•"/>
             </a:pPr>
             <a:r>
-              <a:rPr lang="en-US" sz="2000" dirty="0">
+              <a:rPr lang="en-US" sz="4200" dirty="0">
                 <a:solidFill>
                   <a:schemeClr val="bg2">
                     <a:lumMod val="20000"/>
@@ -3568,12 +3713,23 @@
             </a:r>
           </a:p>
           <a:p>
-            <a:pPr marL="285750" indent="-285750">
+            <a:pPr marL="342900" indent="-228600" defTabSz="914400">
+              <a:lnSpc>
+                <a:spcPct val="90000"/>
+              </a:lnSpc>
+              <a:spcAft>
+                <a:spcPts val="600"/>
+              </a:spcAft>
+              <a:buClr>
+                <a:schemeClr val="accent1">
+                  <a:lumMod val="75000"/>
+                </a:schemeClr>
+              </a:buClr>
               <a:buFont typeface="Arial" panose="020B0604020202020204" pitchFamily="34" charset="0"/>
               <a:buChar char="•"/>
             </a:pPr>
             <a:r>
-              <a:rPr lang="en-US" sz="2000" dirty="0">
+              <a:rPr lang="en-US" sz="4200" dirty="0">
                 <a:solidFill>
                   <a:schemeClr val="bg2">
                     <a:lumMod val="20000"/>
@@ -3585,12 +3741,23 @@
             </a:r>
           </a:p>
           <a:p>
-            <a:pPr marL="285750" indent="-285750">
+            <a:pPr marL="342900" indent="-228600" defTabSz="914400">
+              <a:lnSpc>
+                <a:spcPct val="90000"/>
+              </a:lnSpc>
+              <a:spcAft>
+                <a:spcPts val="600"/>
+              </a:spcAft>
+              <a:buClr>
+                <a:schemeClr val="accent1">
+                  <a:lumMod val="75000"/>
+                </a:schemeClr>
+              </a:buClr>
               <a:buFont typeface="Arial" panose="020B0604020202020204" pitchFamily="34" charset="0"/>
               <a:buChar char="•"/>
             </a:pPr>
             <a:r>
-              <a:rPr lang="en-US" sz="2000" dirty="0">
+              <a:rPr lang="en-US" sz="4200" dirty="0">
                 <a:solidFill>
                   <a:schemeClr val="bg2">
                     <a:lumMod val="20000"/>
@@ -3602,21 +3769,220 @@
             </a:r>
           </a:p>
           <a:p>
-            <a:pPr marL="285750" indent="-285750">
+            <a:pPr marL="285750" indent="-228600" defTabSz="914400">
+              <a:lnSpc>
+                <a:spcPct val="90000"/>
+              </a:lnSpc>
+              <a:spcAft>
+                <a:spcPts val="600"/>
+              </a:spcAft>
               <a:buFont typeface="Arial" panose="020B0604020202020204" pitchFamily="34" charset="0"/>
               <a:buChar char="•"/>
             </a:pPr>
-            <a:endParaRPr lang="en-US" dirty="0"/>
-          </a:p>
-          <a:p>
-            <a:pPr marL="285750" indent="-285750">
+            <a:endParaRPr lang="en-US" sz="1500" dirty="0">
+              <a:solidFill>
+                <a:schemeClr val="bg2">
+                  <a:lumMod val="20000"/>
+                  <a:lumOff val="80000"/>
+                </a:schemeClr>
+              </a:solidFill>
+            </a:endParaRPr>
+          </a:p>
+          <a:p>
+            <a:pPr marL="285750" indent="-228600" defTabSz="914400">
+              <a:lnSpc>
+                <a:spcPct val="90000"/>
+              </a:lnSpc>
+              <a:spcAft>
+                <a:spcPts val="600"/>
+              </a:spcAft>
               <a:buFont typeface="Arial" panose="020B0604020202020204" pitchFamily="34" charset="0"/>
               <a:buChar char="•"/>
             </a:pPr>
-            <a:endParaRPr lang="en-US" dirty="0"/>
-          </a:p>
-        </p:txBody>
-      </p:sp>
+            <a:endParaRPr lang="en-US" sz="1500" dirty="0">
+              <a:solidFill>
+                <a:schemeClr val="bg2">
+                  <a:lumMod val="20000"/>
+                  <a:lumOff val="80000"/>
+                </a:schemeClr>
+              </a:solidFill>
+            </a:endParaRPr>
+          </a:p>
+        </p:txBody>
+      </p:sp>
+      <p:sp>
+        <p:nvSpPr>
+          <p:cNvPr id="2065" name="Rectangle 2064">
+            <a:extLst>
+              <a:ext uri="{FF2B5EF4-FFF2-40B4-BE49-F238E27FC236}">
+                <a16:creationId xmlns:a16="http://schemas.microsoft.com/office/drawing/2014/main" id="{59A309A7-1751-4ABE-A3C1-EEC40366AD89}"/>
+              </a:ext>
+              <a:ext uri="{C183D7F6-B498-43B3-948B-1728B52AA6E4}">
+                <adec:decorative xmlns:adec="http://schemas.microsoft.com/office/drawing/2017/decorative" val="1"/>
+              </a:ext>
+            </a:extLst>
+          </p:cNvPr>
+          <p:cNvSpPr>
+            <a:spLocks noGrp="1" noRot="1" noChangeAspect="1" noMove="1" noResize="1" noEditPoints="1" noAdjustHandles="1" noChangeArrowheads="1" noChangeShapeType="1" noTextEdit="1"/>
+          </p:cNvSpPr>
+          <p:nvPr>
+            <p:extLst>
+              <p:ext uri="{386F3935-93C4-4BCD-93E2-E3B085C9AB24}">
+                <p16:designElem xmlns:p16="http://schemas.microsoft.com/office/powerpoint/2015/main" val="1"/>
+              </p:ext>
+            </p:extLst>
+          </p:nvPr>
+        </p:nvSpPr>
+        <p:spPr>
+          <a:xfrm>
+            <a:off x="7189435" y="0"/>
+            <a:ext cx="1954565" cy="6858000"/>
+          </a:xfrm>
+          <a:prstGeom prst="rect">
+            <a:avLst/>
+          </a:prstGeom>
+          <a:solidFill>
+            <a:schemeClr val="accent1"/>
+          </a:solidFill>
+          <a:ln>
+            <a:noFill/>
+          </a:ln>
+        </p:spPr>
+        <p:style>
+          <a:lnRef idx="2">
+            <a:schemeClr val="accent1">
+              <a:shade val="50000"/>
+            </a:schemeClr>
+          </a:lnRef>
+          <a:fillRef idx="1">
+            <a:schemeClr val="accent1"/>
+          </a:fillRef>
+          <a:effectRef idx="0">
+            <a:schemeClr val="accent1"/>
+          </a:effectRef>
+          <a:fontRef idx="minor">
+            <a:schemeClr val="lt1"/>
+          </a:fontRef>
+        </p:style>
+        <p:txBody>
+          <a:bodyPr rtlCol="0" anchor="ctr"/>
+          <a:lstStyle/>
+          <a:p>
+            <a:pPr algn="ctr"/>
+            <a:endParaRPr lang="en-US" sz="1350"/>
+          </a:p>
+        </p:txBody>
+      </p:sp>
+      <p:sp>
+        <p:nvSpPr>
+          <p:cNvPr id="2067" name="Oval 2066">
+            <a:extLst>
+              <a:ext uri="{FF2B5EF4-FFF2-40B4-BE49-F238E27FC236}">
+                <a16:creationId xmlns:a16="http://schemas.microsoft.com/office/drawing/2014/main" id="{967D8EB6-EAE1-4F9C-B398-83321E287204}"/>
+              </a:ext>
+              <a:ext uri="{C183D7F6-B498-43B3-948B-1728B52AA6E4}">
+                <adec:decorative xmlns:adec="http://schemas.microsoft.com/office/drawing/2017/decorative" val="1"/>
+              </a:ext>
+            </a:extLst>
+          </p:cNvPr>
+          <p:cNvSpPr>
+            <a:spLocks noGrp="1" noRot="1" noChangeAspect="1" noMove="1" noResize="1" noEditPoints="1" noAdjustHandles="1" noChangeArrowheads="1" noChangeShapeType="1" noTextEdit="1"/>
+          </p:cNvSpPr>
+          <p:nvPr>
+            <p:extLst>
+              <p:ext uri="{386F3935-93C4-4BCD-93E2-E3B085C9AB24}">
+                <p16:designElem xmlns:p16="http://schemas.microsoft.com/office/powerpoint/2015/main" val="1"/>
+              </p:ext>
+            </p:extLst>
+          </p:nvPr>
+        </p:nvSpPr>
+        <p:spPr>
+          <a:xfrm>
+            <a:off x="6129567" y="2369132"/>
+            <a:ext cx="2119736" cy="2119736"/>
+          </a:xfrm>
+          <a:prstGeom prst="ellipse">
+            <a:avLst/>
+          </a:prstGeom>
+          <a:solidFill>
+            <a:srgbClr val="FFFFFF"/>
+          </a:solidFill>
+          <a:ln w="22225">
+            <a:solidFill>
+              <a:srgbClr val="36DE7B"/>
+            </a:solidFill>
+          </a:ln>
+        </p:spPr>
+        <p:style>
+          <a:lnRef idx="2">
+            <a:schemeClr val="accent1">
+              <a:shade val="50000"/>
+            </a:schemeClr>
+          </a:lnRef>
+          <a:fillRef idx="1">
+            <a:schemeClr val="accent1"/>
+          </a:fillRef>
+          <a:effectRef idx="0">
+            <a:schemeClr val="accent1"/>
+          </a:effectRef>
+          <a:fontRef idx="minor">
+            <a:schemeClr val="lt1"/>
+          </a:fontRef>
+        </p:style>
+        <p:txBody>
+          <a:bodyPr rtlCol="0" anchor="ctr"/>
+          <a:lstStyle/>
+          <a:p>
+            <a:pPr algn="ctr"/>
+            <a:endParaRPr lang="en-US" sz="1350"/>
+          </a:p>
+        </p:txBody>
+      </p:sp>
+      <p:pic>
+        <p:nvPicPr>
+          <p:cNvPr id="2060" name="Picture 12" descr="How Machine Learning Works: An Overview - The New Stack">
+            <a:extLst>
+              <a:ext uri="{FF2B5EF4-FFF2-40B4-BE49-F238E27FC236}">
+                <a16:creationId xmlns:a16="http://schemas.microsoft.com/office/drawing/2014/main" id="{1087195D-0FA2-CA9A-0E5E-B596FB2D2C25}"/>
+              </a:ext>
+            </a:extLst>
+          </p:cNvPr>
+          <p:cNvPicPr>
+            <a:picLocks noChangeAspect="1" noChangeArrowheads="1"/>
+          </p:cNvPicPr>
+          <p:nvPr/>
+        </p:nvPicPr>
+        <p:blipFill rotWithShape="1">
+          <a:blip r:embed="rId2">
+            <a:extLst>
+              <a:ext uri="{28A0092B-C50C-407E-A947-70E740481C1C}">
+                <a14:useLocalDpi xmlns:a14="http://schemas.microsoft.com/office/drawing/2010/main" val="0"/>
+              </a:ext>
+            </a:extLst>
+          </a:blip>
+          <a:srcRect r="-1274" b="18685"/>
+          <a:stretch/>
+        </p:blipFill>
+        <p:spPr bwMode="auto">
+          <a:xfrm>
+            <a:off x="6219486" y="3145621"/>
+            <a:ext cx="1947231" cy="566758"/>
+          </a:xfrm>
+          <a:prstGeom prst="rect">
+            <a:avLst/>
+          </a:prstGeom>
+          <a:noFill/>
+          <a:extLst>
+            <a:ext uri="{909E8E84-426E-40DD-AFC4-6F175D3DCCD1}">
+              <a14:hiddenFill xmlns:a14="http://schemas.microsoft.com/office/drawing/2010/main">
+                <a:solidFill>
+                  <a:srgbClr val="FFFFFF"/>
+                </a:solidFill>
+              </a14:hiddenFill>
+            </a:ext>
+          </a:extLst>
+        </p:spPr>
+      </p:pic>
     </p:spTree>
     <p:extLst>
       <p:ext uri="{BB962C8B-B14F-4D97-AF65-F5344CB8AC3E}">
@@ -3672,8 +4038,8 @@
         </p:nvSpPr>
         <p:spPr>
           <a:xfrm>
-            <a:off x="483832" y="303606"/>
-            <a:ext cx="5206753" cy="523220"/>
+            <a:off x="253012" y="145718"/>
+            <a:ext cx="7594848" cy="584775"/>
           </a:xfrm>
           <a:prstGeom prst="rect">
             <a:avLst/>
@@ -3687,13 +4053,27 @@
           <a:lstStyle/>
           <a:p>
             <a:r>
-              <a:rPr lang="en-US" sz="2800" b="1" dirty="0">
-                <a:latin typeface="+mn-lt"/>
+              <a:rPr lang="en-US" sz="3200" b="1" dirty="0">
+                <a:solidFill>
+                  <a:schemeClr val="bg2">
+                    <a:lumMod val="20000"/>
+                    <a:lumOff val="80000"/>
+                  </a:schemeClr>
+                </a:solidFill>
+                <a:latin typeface="Calibri Light (Headings)"/>
                 <a:cs typeface="Calibri" pitchFamily="34" charset="0"/>
               </a:rPr>
               <a:t>Model Selection and Evaluation</a:t>
             </a:r>
-            <a:endParaRPr lang="en-US" sz="2800" dirty="0"/>
+            <a:endParaRPr lang="en-US" sz="3200" dirty="0">
+              <a:solidFill>
+                <a:schemeClr val="bg2">
+                  <a:lumMod val="20000"/>
+                  <a:lumOff val="80000"/>
+                </a:schemeClr>
+              </a:solidFill>
+              <a:latin typeface="Calibri Light (Headings)"/>
+            </a:endParaRPr>
           </a:p>
         </p:txBody>
       </p:sp>
@@ -3726,7 +4106,7 @@
         </p:blipFill>
         <p:spPr bwMode="auto">
           <a:xfrm>
-            <a:off x="122393" y="1206393"/>
+            <a:off x="122393" y="860159"/>
             <a:ext cx="4287987" cy="4315519"/>
           </a:xfrm>
           <a:prstGeom prst="rect">
@@ -3773,7 +4153,7 @@
         </p:blipFill>
         <p:spPr bwMode="auto">
           <a:xfrm>
-            <a:off x="4733622" y="1206393"/>
+            <a:off x="4733622" y="860159"/>
             <a:ext cx="4363698" cy="4315518"/>
           </a:xfrm>
           <a:prstGeom prst="rect">
@@ -3805,8 +4185,8 @@
         </p:nvSpPr>
         <p:spPr>
           <a:xfrm>
-            <a:off x="307754" y="6045695"/>
-            <a:ext cx="8743356" cy="369332"/>
+            <a:off x="122392" y="5305343"/>
+            <a:ext cx="8974927" cy="1384995"/>
           </a:xfrm>
           <a:prstGeom prst="rect">
             <a:avLst/>
@@ -3814,20 +4194,68 @@
           <a:noFill/>
         </p:spPr>
         <p:txBody>
-          <a:bodyPr wrap="none" rtlCol="0">
+          <a:bodyPr wrap="square" rtlCol="0">
             <a:spAutoFit/>
           </a:bodyPr>
           <a:lstStyle/>
           <a:p>
-            <a:r>
-              <a:rPr lang="en-US" dirty="0"/>
-              <a:t>Optimized Logistic Regression Model is able to make predictions with ~77% of </a:t>
-            </a:r>
-            <a:r>
-              <a:rPr lang="en-US" dirty="0" err="1"/>
-              <a:t>performence</a:t>
-            </a:r>
-            <a:endParaRPr lang="en-US" dirty="0"/>
+            <a:pPr algn="ctr"/>
+            <a:r>
+              <a:rPr lang="en-US" sz="2400" dirty="0">
+                <a:solidFill>
+                  <a:schemeClr val="accent1">
+                    <a:lumMod val="60000"/>
+                    <a:lumOff val="40000"/>
+                  </a:schemeClr>
+                </a:solidFill>
+              </a:rPr>
+              <a:t>Optimized Logistic Regression Model </a:t>
+            </a:r>
+            <a:r>
+              <a:rPr lang="en-US" sz="2400" dirty="0">
+                <a:solidFill>
+                  <a:schemeClr val="bg2">
+                    <a:lumMod val="20000"/>
+                    <a:lumOff val="80000"/>
+                  </a:schemeClr>
+                </a:solidFill>
+              </a:rPr>
+              <a:t>was chosen  as the best performing model to predict brain stroke</a:t>
+            </a:r>
+          </a:p>
+          <a:p>
+            <a:pPr marL="2114550" lvl="4" indent="-285750">
+              <a:buFont typeface="Wingdings" panose="05000000000000000000" pitchFamily="2" charset="2"/>
+              <a:buChar char="§"/>
+            </a:pPr>
+            <a:r>
+              <a:rPr lang="en-US" dirty="0">
+                <a:solidFill>
+                  <a:schemeClr val="bg2">
+                    <a:lumMod val="20000"/>
+                    <a:lumOff val="80000"/>
+                  </a:schemeClr>
+                </a:solidFill>
+              </a:rPr>
+              <a:t>~77% of performance of making predictions for unseen data</a:t>
+            </a:r>
+          </a:p>
+          <a:p>
+            <a:pPr marL="2114550" lvl="4" indent="-285750">
+              <a:buFont typeface="Wingdings" panose="05000000000000000000" pitchFamily="2" charset="2"/>
+              <a:buChar char="§"/>
+            </a:pPr>
+            <a:r>
+              <a:rPr lang="en-US" dirty="0">
+                <a:solidFill>
+                  <a:schemeClr val="bg2">
+                    <a:lumMod val="20000"/>
+                    <a:lumOff val="80000"/>
+                  </a:schemeClr>
+                </a:solidFill>
+              </a:rPr>
+              <a:t>The quality of the model is ~ 82% - 83% </a:t>
+            </a:r>
           </a:p>
         </p:txBody>
       </p:sp>
@@ -3850,10 +4278,7 @@
     <p:bg>
       <p:bgPr>
         <a:solidFill>
-          <a:schemeClr val="bg1">
-            <a:lumMod val="75000"/>
-            <a:lumOff val="25000"/>
-          </a:schemeClr>
+          <a:schemeClr val="bg2"/>
         </a:solidFill>
         <a:effectLst/>
       </p:bgPr>
@@ -3886,35 +4311,678 @@
         </p:nvSpPr>
         <p:spPr>
           <a:xfrm>
-            <a:off x="483832" y="303606"/>
-            <a:ext cx="5206753" cy="523220"/>
+            <a:off x="852322" y="839286"/>
+            <a:ext cx="5605629" cy="994172"/>
           </a:xfrm>
           <a:prstGeom prst="rect">
             <a:avLst/>
           </a:prstGeom>
-          <a:noFill/>
         </p:spPr>
         <p:txBody>
-          <a:bodyPr wrap="square">
-            <a:spAutoFit/>
+          <a:bodyPr vert="horz" lIns="91440" tIns="45720" rIns="91440" bIns="45720" rtlCol="0" anchor="ctr">
+            <a:normAutofit/>
           </a:bodyPr>
           <a:lstStyle/>
           <a:p>
-            <a:r>
-              <a:rPr lang="en-US" sz="2800" b="1" dirty="0">
-                <a:latin typeface="+mn-lt"/>
-                <a:cs typeface="Calibri" pitchFamily="34" charset="0"/>
+            <a:pPr defTabSz="914400">
+              <a:lnSpc>
+                <a:spcPct val="90000"/>
+              </a:lnSpc>
+              <a:spcBef>
+                <a:spcPct val="0"/>
+              </a:spcBef>
+              <a:spcAft>
+                <a:spcPts val="600"/>
+              </a:spcAft>
+            </a:pPr>
+            <a:r>
+              <a:rPr lang="en-US" sz="4400" b="1" kern="1200" dirty="0">
+                <a:solidFill>
+                  <a:schemeClr val="tx1"/>
+                </a:solidFill>
+                <a:latin typeface="+mj-lt"/>
+                <a:ea typeface="+mj-ea"/>
+                <a:cs typeface="+mj-cs"/>
               </a:rPr>
               <a:t>Recommendations</a:t>
             </a:r>
-            <a:endParaRPr lang="en-US" sz="2800" dirty="0"/>
-          </a:p>
-        </p:txBody>
-      </p:sp>
+            <a:endParaRPr lang="en-US" sz="4400" kern="1200" dirty="0">
+              <a:solidFill>
+                <a:schemeClr val="tx1"/>
+              </a:solidFill>
+              <a:latin typeface="+mj-lt"/>
+              <a:ea typeface="+mj-ea"/>
+              <a:cs typeface="+mj-cs"/>
+            </a:endParaRPr>
+          </a:p>
+        </p:txBody>
+      </p:sp>
+      <p:sp>
+        <p:nvSpPr>
+          <p:cNvPr id="3" name="TextBox 2">
+            <a:extLst>
+              <a:ext uri="{FF2B5EF4-FFF2-40B4-BE49-F238E27FC236}">
+                <a16:creationId xmlns:a16="http://schemas.microsoft.com/office/drawing/2014/main" id="{603563DC-CDD6-92AF-5EE3-CA693F976DEC}"/>
+              </a:ext>
+            </a:extLst>
+          </p:cNvPr>
+          <p:cNvSpPr txBox="1"/>
+          <p:nvPr/>
+        </p:nvSpPr>
+        <p:spPr>
+          <a:xfrm>
+            <a:off x="626242" y="1880892"/>
+            <a:ext cx="5921341" cy="4137822"/>
+          </a:xfrm>
+          <a:prstGeom prst="rect">
+            <a:avLst/>
+          </a:prstGeom>
+        </p:spPr>
+        <p:txBody>
+          <a:bodyPr vert="horz" lIns="91440" tIns="45720" rIns="91440" bIns="45720" rtlCol="0" anchor="ctr">
+            <a:normAutofit lnSpcReduction="10000"/>
+          </a:bodyPr>
+          <a:lstStyle/>
+          <a:p>
+            <a:pPr marL="285750" indent="-228600" defTabSz="914400">
+              <a:lnSpc>
+                <a:spcPct val="90000"/>
+              </a:lnSpc>
+              <a:spcAft>
+                <a:spcPts val="600"/>
+              </a:spcAft>
+              <a:buClr>
+                <a:schemeClr val="accent1">
+                  <a:lumMod val="75000"/>
+                </a:schemeClr>
+              </a:buClr>
+              <a:buFont typeface="Arial" panose="020B0604020202020204" pitchFamily="34" charset="0"/>
+              <a:buChar char="•"/>
+            </a:pPr>
+            <a:r>
+              <a:rPr lang="en-US" sz="2400" dirty="0">
+                <a:solidFill>
+                  <a:schemeClr val="bg2">
+                    <a:lumMod val="20000"/>
+                    <a:lumOff val="80000"/>
+                  </a:schemeClr>
+                </a:solidFill>
+              </a:rPr>
+              <a:t>As per the findings of this project, the optimized Logistic Regression Model can be used as an early detection of brain stroke and direct to the treatments </a:t>
+            </a:r>
+          </a:p>
+          <a:p>
+            <a:pPr marL="285750" indent="-228600" defTabSz="914400">
+              <a:lnSpc>
+                <a:spcPct val="90000"/>
+              </a:lnSpc>
+              <a:spcAft>
+                <a:spcPts val="600"/>
+              </a:spcAft>
+              <a:buClr>
+                <a:schemeClr val="accent1">
+                  <a:lumMod val="75000"/>
+                </a:schemeClr>
+              </a:buClr>
+              <a:buFont typeface="Arial" panose="020B0604020202020204" pitchFamily="34" charset="0"/>
+              <a:buChar char="•"/>
+            </a:pPr>
+            <a:endParaRPr lang="en-US" sz="2400" dirty="0">
+              <a:solidFill>
+                <a:schemeClr val="bg2">
+                  <a:lumMod val="20000"/>
+                  <a:lumOff val="80000"/>
+                </a:schemeClr>
+              </a:solidFill>
+            </a:endParaRPr>
+          </a:p>
+          <a:p>
+            <a:pPr marL="285750" indent="-228600" defTabSz="914400">
+              <a:lnSpc>
+                <a:spcPct val="90000"/>
+              </a:lnSpc>
+              <a:spcAft>
+                <a:spcPts val="600"/>
+              </a:spcAft>
+              <a:buClr>
+                <a:schemeClr val="accent1">
+                  <a:lumMod val="75000"/>
+                </a:schemeClr>
+              </a:buClr>
+              <a:buFont typeface="Arial" panose="020B0604020202020204" pitchFamily="34" charset="0"/>
+              <a:buChar char="•"/>
+            </a:pPr>
+            <a:r>
+              <a:rPr lang="en-US" sz="2400" dirty="0">
+                <a:solidFill>
+                  <a:schemeClr val="bg2">
+                    <a:lumMod val="20000"/>
+                    <a:lumOff val="80000"/>
+                  </a:schemeClr>
+                </a:solidFill>
+              </a:rPr>
+              <a:t>This model is developed to minimize the inaccurate predictions which may increase the severeness of the brain strokes</a:t>
+            </a:r>
+          </a:p>
+          <a:p>
+            <a:pPr marL="285750" indent="-228600" defTabSz="914400">
+              <a:lnSpc>
+                <a:spcPct val="90000"/>
+              </a:lnSpc>
+              <a:spcAft>
+                <a:spcPts val="600"/>
+              </a:spcAft>
+              <a:buClr>
+                <a:schemeClr val="accent1">
+                  <a:lumMod val="75000"/>
+                </a:schemeClr>
+              </a:buClr>
+              <a:buFont typeface="Arial" panose="020B0604020202020204" pitchFamily="34" charset="0"/>
+              <a:buChar char="•"/>
+            </a:pPr>
+            <a:endParaRPr lang="en-US" sz="2400" dirty="0">
+              <a:solidFill>
+                <a:schemeClr val="bg2">
+                  <a:lumMod val="20000"/>
+                  <a:lumOff val="80000"/>
+                </a:schemeClr>
+              </a:solidFill>
+            </a:endParaRPr>
+          </a:p>
+          <a:p>
+            <a:pPr marL="285750" indent="-228600" defTabSz="914400">
+              <a:lnSpc>
+                <a:spcPct val="90000"/>
+              </a:lnSpc>
+              <a:spcAft>
+                <a:spcPts val="600"/>
+              </a:spcAft>
+              <a:buClr>
+                <a:schemeClr val="accent1">
+                  <a:lumMod val="75000"/>
+                </a:schemeClr>
+              </a:buClr>
+              <a:buFont typeface="Arial" panose="020B0604020202020204" pitchFamily="34" charset="0"/>
+              <a:buChar char="•"/>
+            </a:pPr>
+            <a:r>
+              <a:rPr lang="en-US" sz="2400" dirty="0">
+                <a:solidFill>
+                  <a:schemeClr val="bg2">
+                    <a:lumMod val="20000"/>
+                    <a:lumOff val="80000"/>
+                  </a:schemeClr>
+                </a:solidFill>
+              </a:rPr>
+              <a:t>The risk of have a brain stroke is increasing with age, BMI and average glucose level in blood</a:t>
+            </a:r>
+          </a:p>
+        </p:txBody>
+      </p:sp>
+      <p:sp>
+        <p:nvSpPr>
+          <p:cNvPr id="1047" name="Rectangle 1046">
+            <a:extLst>
+              <a:ext uri="{FF2B5EF4-FFF2-40B4-BE49-F238E27FC236}">
+                <a16:creationId xmlns:a16="http://schemas.microsoft.com/office/drawing/2014/main" id="{59A309A7-1751-4ABE-A3C1-EEC40366AD89}"/>
+              </a:ext>
+              <a:ext uri="{C183D7F6-B498-43B3-948B-1728B52AA6E4}">
+                <adec:decorative xmlns:adec="http://schemas.microsoft.com/office/drawing/2017/decorative" val="1"/>
+              </a:ext>
+            </a:extLst>
+          </p:cNvPr>
+          <p:cNvSpPr>
+            <a:spLocks noGrp="1" noRot="1" noChangeAspect="1" noMove="1" noResize="1" noEditPoints="1" noAdjustHandles="1" noChangeArrowheads="1" noChangeShapeType="1" noTextEdit="1"/>
+          </p:cNvSpPr>
+          <p:nvPr>
+            <p:extLst>
+              <p:ext uri="{386F3935-93C4-4BCD-93E2-E3B085C9AB24}">
+                <p16:designElem xmlns:p16="http://schemas.microsoft.com/office/powerpoint/2015/main" val="1"/>
+              </p:ext>
+            </p:extLst>
+          </p:nvPr>
+        </p:nvSpPr>
+        <p:spPr>
+          <a:xfrm>
+            <a:off x="7566660" y="0"/>
+            <a:ext cx="1577340" cy="6858000"/>
+          </a:xfrm>
+          <a:prstGeom prst="rect">
+            <a:avLst/>
+          </a:prstGeom>
+          <a:ln>
+            <a:noFill/>
+          </a:ln>
+        </p:spPr>
+        <p:style>
+          <a:lnRef idx="2">
+            <a:schemeClr val="accent1">
+              <a:shade val="50000"/>
+            </a:schemeClr>
+          </a:lnRef>
+          <a:fillRef idx="1">
+            <a:schemeClr val="accent1"/>
+          </a:fillRef>
+          <a:effectRef idx="0">
+            <a:schemeClr val="accent1"/>
+          </a:effectRef>
+          <a:fontRef idx="minor">
+            <a:schemeClr val="lt1"/>
+          </a:fontRef>
+        </p:style>
+        <p:txBody>
+          <a:bodyPr rtlCol="0" anchor="ctr"/>
+          <a:lstStyle/>
+          <a:p>
+            <a:pPr algn="ctr"/>
+            <a:endParaRPr lang="en-US" sz="1350"/>
+          </a:p>
+        </p:txBody>
+      </p:sp>
+      <p:sp>
+        <p:nvSpPr>
+          <p:cNvPr id="1049" name="Oval 1048">
+            <a:extLst>
+              <a:ext uri="{FF2B5EF4-FFF2-40B4-BE49-F238E27FC236}">
+                <a16:creationId xmlns:a16="http://schemas.microsoft.com/office/drawing/2014/main" id="{967D8EB6-EAE1-4F9C-B398-83321E287204}"/>
+              </a:ext>
+              <a:ext uri="{C183D7F6-B498-43B3-948B-1728B52AA6E4}">
+                <adec:decorative xmlns:adec="http://schemas.microsoft.com/office/drawing/2017/decorative" val="1"/>
+              </a:ext>
+            </a:extLst>
+          </p:cNvPr>
+          <p:cNvSpPr>
+            <a:spLocks noGrp="1" noRot="1" noChangeAspect="1" noMove="1" noResize="1" noEditPoints="1" noAdjustHandles="1" noChangeArrowheads="1" noChangeShapeType="1" noTextEdit="1"/>
+          </p:cNvSpPr>
+          <p:nvPr>
+            <p:extLst>
+              <p:ext uri="{386F3935-93C4-4BCD-93E2-E3B085C9AB24}">
+                <p16:designElem xmlns:p16="http://schemas.microsoft.com/office/powerpoint/2015/main" val="1"/>
+              </p:ext>
+            </p:extLst>
+          </p:nvPr>
+        </p:nvSpPr>
+        <p:spPr>
+          <a:xfrm>
+            <a:off x="6497138" y="2357641"/>
+            <a:ext cx="2167815" cy="2167815"/>
+          </a:xfrm>
+          <a:prstGeom prst="ellipse">
+            <a:avLst/>
+          </a:prstGeom>
+          <a:solidFill>
+            <a:srgbClr val="FFFFFF"/>
+          </a:solidFill>
+          <a:ln w="22225">
+            <a:solidFill>
+              <a:srgbClr val="0077D5"/>
+            </a:solidFill>
+          </a:ln>
+        </p:spPr>
+        <p:style>
+          <a:lnRef idx="2">
+            <a:schemeClr val="accent1">
+              <a:shade val="50000"/>
+            </a:schemeClr>
+          </a:lnRef>
+          <a:fillRef idx="1">
+            <a:schemeClr val="accent1"/>
+          </a:fillRef>
+          <a:effectRef idx="0">
+            <a:schemeClr val="accent1"/>
+          </a:effectRef>
+          <a:fontRef idx="minor">
+            <a:schemeClr val="lt1"/>
+          </a:fontRef>
+        </p:style>
+        <p:txBody>
+          <a:bodyPr rtlCol="0" anchor="ctr"/>
+          <a:lstStyle/>
+          <a:p>
+            <a:pPr algn="ctr"/>
+            <a:endParaRPr lang="en-US" sz="1350"/>
+          </a:p>
+        </p:txBody>
+      </p:sp>
+      <p:pic>
+        <p:nvPicPr>
+          <p:cNvPr id="4" name="Picture 8" descr="ribbon icon, assurance icon, best quality icon, guarantee icon">
+            <a:extLst>
+              <a:ext uri="{FF2B5EF4-FFF2-40B4-BE49-F238E27FC236}">
+                <a16:creationId xmlns:a16="http://schemas.microsoft.com/office/drawing/2014/main" id="{31DBC380-E367-9034-7AE4-17274C454C32}"/>
+              </a:ext>
+            </a:extLst>
+          </p:cNvPr>
+          <p:cNvPicPr>
+            <a:picLocks noChangeAspect="1" noChangeArrowheads="1"/>
+          </p:cNvPicPr>
+          <p:nvPr/>
+        </p:nvPicPr>
+        <p:blipFill rotWithShape="1">
+          <a:blip r:embed="rId2">
+            <a:alphaModFix/>
+            <a:extLst>
+              <a:ext uri="{28A0092B-C50C-407E-A947-70E740481C1C}">
+                <a14:useLocalDpi xmlns:a14="http://schemas.microsoft.com/office/drawing/2010/main" val="0"/>
+              </a:ext>
+            </a:extLst>
+          </a:blip>
+          <a:srcRect r="-1" b="160"/>
+          <a:stretch/>
+        </p:blipFill>
+        <p:spPr bwMode="auto">
+          <a:xfrm>
+            <a:off x="6598028" y="2461923"/>
+            <a:ext cx="1937263" cy="1934153"/>
+          </a:xfrm>
+          <a:custGeom>
+            <a:avLst/>
+            <a:gdLst/>
+            <a:ahLst/>
+            <a:cxnLst/>
+            <a:rect l="l" t="t" r="r" b="b"/>
+            <a:pathLst>
+              <a:path w="6057610" h="6057610">
+                <a:moveTo>
+                  <a:pt x="3028805" y="0"/>
+                </a:moveTo>
+                <a:cubicBezTo>
+                  <a:pt x="4701568" y="0"/>
+                  <a:pt x="6057610" y="1356042"/>
+                  <a:pt x="6057610" y="3028805"/>
+                </a:cubicBezTo>
+                <a:cubicBezTo>
+                  <a:pt x="6057610" y="4701568"/>
+                  <a:pt x="4701568" y="6057610"/>
+                  <a:pt x="3028805" y="6057610"/>
+                </a:cubicBezTo>
+                <a:cubicBezTo>
+                  <a:pt x="1356042" y="6057610"/>
+                  <a:pt x="0" y="4701568"/>
+                  <a:pt x="0" y="3028805"/>
+                </a:cubicBezTo>
+                <a:cubicBezTo>
+                  <a:pt x="0" y="1356042"/>
+                  <a:pt x="1356042" y="0"/>
+                  <a:pt x="3028805" y="0"/>
+                </a:cubicBezTo>
+                <a:close/>
+              </a:path>
+            </a:pathLst>
+          </a:custGeom>
+          <a:noFill/>
+          <a:effectLst>
+            <a:softEdge rad="0"/>
+          </a:effectLst>
+          <a:extLst>
+            <a:ext uri="{909E8E84-426E-40DD-AFC4-6F175D3DCCD1}">
+              <a14:hiddenFill xmlns:a14="http://schemas.microsoft.com/office/drawing/2010/main">
+                <a:solidFill>
+                  <a:srgbClr val="FFFFFF"/>
+                </a:solidFill>
+              </a14:hiddenFill>
+            </a:ext>
+          </a:extLst>
+        </p:spPr>
+      </p:pic>
     </p:spTree>
     <p:extLst>
       <p:ext uri="{BB962C8B-B14F-4D97-AF65-F5344CB8AC3E}">
         <p14:creationId xmlns:p14="http://schemas.microsoft.com/office/powerpoint/2010/main" val="3758518313"/>
+      </p:ext>
+    </p:extLst>
+  </p:cSld>
+  <p:clrMapOvr>
+    <a:masterClrMapping/>
+  </p:clrMapOvr>
+</p:sld>
+</file>
+
+<file path=ppt/slides/slide13.xml><?xml version="1.0" encoding="utf-8"?>
+<p:sld xmlns:a="http://schemas.openxmlformats.org/drawingml/2006/main" xmlns:r="http://schemas.openxmlformats.org/officeDocument/2006/relationships" xmlns:p="http://schemas.openxmlformats.org/presentationml/2006/main">
+  <p:cSld>
+    <p:bg>
+      <p:bgPr>
+        <a:solidFill>
+          <a:schemeClr val="bg2"/>
+        </a:solidFill>
+        <a:effectLst/>
+      </p:bgPr>
+    </p:bg>
+    <p:spTree>
+      <p:nvGrpSpPr>
+        <p:cNvPr id="1" name=""/>
+        <p:cNvGrpSpPr/>
+        <p:nvPr/>
+      </p:nvGrpSpPr>
+      <p:grpSpPr>
+        <a:xfrm>
+          <a:off x="0" y="0"/>
+          <a:ext cx="0" cy="0"/>
+          <a:chOff x="0" y="0"/>
+          <a:chExt cx="0" cy="0"/>
+        </a:xfrm>
+      </p:grpSpPr>
+      <p:sp>
+        <p:nvSpPr>
+          <p:cNvPr id="2" name="TextBox 1">
+            <a:extLst>
+              <a:ext uri="{FF2B5EF4-FFF2-40B4-BE49-F238E27FC236}">
+                <a16:creationId xmlns:a16="http://schemas.microsoft.com/office/drawing/2014/main" id="{B1A004AC-5BC2-D15E-3D79-DA0F248F67B4}"/>
+              </a:ext>
+            </a:extLst>
+          </p:cNvPr>
+          <p:cNvSpPr txBox="1"/>
+          <p:nvPr/>
+        </p:nvSpPr>
+        <p:spPr>
+          <a:xfrm>
+            <a:off x="848647" y="1534886"/>
+            <a:ext cx="5033221" cy="3788227"/>
+          </a:xfrm>
+          <a:prstGeom prst="rect">
+            <a:avLst/>
+          </a:prstGeom>
+        </p:spPr>
+        <p:txBody>
+          <a:bodyPr vert="horz" lIns="91440" tIns="45720" rIns="91440" bIns="45720" rtlCol="0" anchor="ctr">
+            <a:normAutofit/>
+          </a:bodyPr>
+          <a:lstStyle/>
+          <a:p>
+            <a:pPr defTabSz="914400">
+              <a:lnSpc>
+                <a:spcPct val="90000"/>
+              </a:lnSpc>
+              <a:spcAft>
+                <a:spcPts val="600"/>
+              </a:spcAft>
+            </a:pPr>
+            <a:r>
+              <a:rPr lang="en-US" sz="8000" dirty="0">
+                <a:solidFill>
+                  <a:schemeClr val="bg2">
+                    <a:lumMod val="20000"/>
+                    <a:lumOff val="80000"/>
+                  </a:schemeClr>
+                </a:solidFill>
+              </a:rPr>
+              <a:t>Thank you</a:t>
+            </a:r>
+          </a:p>
+        </p:txBody>
+      </p:sp>
+      <p:sp>
+        <p:nvSpPr>
+          <p:cNvPr id="9" name="Rectangle 8">
+            <a:extLst>
+              <a:ext uri="{FF2B5EF4-FFF2-40B4-BE49-F238E27FC236}">
+                <a16:creationId xmlns:a16="http://schemas.microsoft.com/office/drawing/2014/main" id="{59A309A7-1751-4ABE-A3C1-EEC40366AD89}"/>
+              </a:ext>
+              <a:ext uri="{C183D7F6-B498-43B3-948B-1728B52AA6E4}">
+                <adec:decorative xmlns:adec="http://schemas.microsoft.com/office/drawing/2017/decorative" val="1"/>
+              </a:ext>
+            </a:extLst>
+          </p:cNvPr>
+          <p:cNvSpPr>
+            <a:spLocks noGrp="1" noRot="1" noChangeAspect="1" noMove="1" noResize="1" noEditPoints="1" noAdjustHandles="1" noChangeArrowheads="1" noChangeShapeType="1" noTextEdit="1"/>
+          </p:cNvSpPr>
+          <p:nvPr>
+            <p:extLst>
+              <p:ext uri="{386F3935-93C4-4BCD-93E2-E3B085C9AB24}">
+                <p16:designElem xmlns:p16="http://schemas.microsoft.com/office/powerpoint/2015/main" val="1"/>
+              </p:ext>
+            </p:extLst>
+          </p:nvPr>
+        </p:nvSpPr>
+        <p:spPr>
+          <a:xfrm>
+            <a:off x="7189435" y="0"/>
+            <a:ext cx="1954565" cy="6858000"/>
+          </a:xfrm>
+          <a:prstGeom prst="rect">
+            <a:avLst/>
+          </a:prstGeom>
+          <a:solidFill>
+            <a:schemeClr val="accent1"/>
+          </a:solidFill>
+          <a:ln>
+            <a:noFill/>
+          </a:ln>
+        </p:spPr>
+        <p:style>
+          <a:lnRef idx="2">
+            <a:schemeClr val="accent1">
+              <a:shade val="50000"/>
+            </a:schemeClr>
+          </a:lnRef>
+          <a:fillRef idx="1">
+            <a:schemeClr val="accent1"/>
+          </a:fillRef>
+          <a:effectRef idx="0">
+            <a:schemeClr val="accent1"/>
+          </a:effectRef>
+          <a:fontRef idx="minor">
+            <a:schemeClr val="lt1"/>
+          </a:fontRef>
+        </p:style>
+        <p:txBody>
+          <a:bodyPr rtlCol="0" anchor="ctr"/>
+          <a:lstStyle/>
+          <a:p>
+            <a:pPr algn="ctr"/>
+            <a:endParaRPr lang="en-US" sz="1350"/>
+          </a:p>
+        </p:txBody>
+      </p:sp>
+      <p:sp>
+        <p:nvSpPr>
+          <p:cNvPr id="11" name="Oval 10">
+            <a:extLst>
+              <a:ext uri="{FF2B5EF4-FFF2-40B4-BE49-F238E27FC236}">
+                <a16:creationId xmlns:a16="http://schemas.microsoft.com/office/drawing/2014/main" id="{967D8EB6-EAE1-4F9C-B398-83321E287204}"/>
+              </a:ext>
+              <a:ext uri="{C183D7F6-B498-43B3-948B-1728B52AA6E4}">
+                <adec:decorative xmlns:adec="http://schemas.microsoft.com/office/drawing/2017/decorative" val="1"/>
+              </a:ext>
+            </a:extLst>
+          </p:cNvPr>
+          <p:cNvSpPr>
+            <a:spLocks noGrp="1" noRot="1" noChangeAspect="1" noMove="1" noResize="1" noEditPoints="1" noAdjustHandles="1" noChangeArrowheads="1" noChangeShapeType="1" noTextEdit="1"/>
+          </p:cNvSpPr>
+          <p:nvPr>
+            <p:extLst>
+              <p:ext uri="{386F3935-93C4-4BCD-93E2-E3B085C9AB24}">
+                <p16:designElem xmlns:p16="http://schemas.microsoft.com/office/powerpoint/2015/main" val="1"/>
+              </p:ext>
+            </p:extLst>
+          </p:nvPr>
+        </p:nvSpPr>
+        <p:spPr>
+          <a:xfrm>
+            <a:off x="6129567" y="2369132"/>
+            <a:ext cx="2119736" cy="2119736"/>
+          </a:xfrm>
+          <a:prstGeom prst="ellipse">
+            <a:avLst/>
+          </a:prstGeom>
+          <a:solidFill>
+            <a:srgbClr val="FFFFFF"/>
+          </a:solidFill>
+          <a:ln w="22225">
+            <a:solidFill>
+              <a:schemeClr val="accent1"/>
+            </a:solidFill>
+          </a:ln>
+        </p:spPr>
+        <p:style>
+          <a:lnRef idx="2">
+            <a:schemeClr val="accent1">
+              <a:shade val="50000"/>
+            </a:schemeClr>
+          </a:lnRef>
+          <a:fillRef idx="1">
+            <a:schemeClr val="accent1"/>
+          </a:fillRef>
+          <a:effectRef idx="0">
+            <a:schemeClr val="accent1"/>
+          </a:effectRef>
+          <a:fontRef idx="minor">
+            <a:schemeClr val="lt1"/>
+          </a:fontRef>
+        </p:style>
+        <p:txBody>
+          <a:bodyPr rtlCol="0" anchor="ctr"/>
+          <a:lstStyle/>
+          <a:p>
+            <a:pPr algn="ctr"/>
+            <a:endParaRPr lang="en-US" sz="1350"/>
+          </a:p>
+        </p:txBody>
+      </p:sp>
+      <p:pic>
+        <p:nvPicPr>
+          <p:cNvPr id="6" name="Graphic 5" descr="Handshake">
+            <a:extLst>
+              <a:ext uri="{FF2B5EF4-FFF2-40B4-BE49-F238E27FC236}">
+                <a16:creationId xmlns:a16="http://schemas.microsoft.com/office/drawing/2014/main" id="{BFA52717-8BF9-6794-DAD5-8C688528DCA6}"/>
+              </a:ext>
+            </a:extLst>
+          </p:cNvPr>
+          <p:cNvPicPr>
+            <a:picLocks noChangeAspect="1"/>
+          </p:cNvPicPr>
+          <p:nvPr/>
+        </p:nvPicPr>
+        <p:blipFill>
+          <a:blip r:embed="rId2">
+            <a:extLst>
+              <a:ext uri="{28A0092B-C50C-407E-A947-70E740481C1C}">
+                <a14:useLocalDpi xmlns:a14="http://schemas.microsoft.com/office/drawing/2010/main" val="0"/>
+              </a:ext>
+              <a:ext uri="{96DAC541-7B7A-43D3-8B79-37D633B846F1}">
+                <asvg:svgBlip xmlns:asvg="http://schemas.microsoft.com/office/drawing/2016/SVG/main" r:embed="rId3"/>
+              </a:ext>
+            </a:extLst>
+          </a:blip>
+          <a:stretch>
+            <a:fillRect/>
+          </a:stretch>
+        </p:blipFill>
+        <p:spPr>
+          <a:xfrm>
+            <a:off x="6624964" y="2865141"/>
+            <a:ext cx="1143455" cy="1143455"/>
+          </a:xfrm>
+          <a:prstGeom prst="rect">
+            <a:avLst/>
+          </a:prstGeom>
+        </p:spPr>
+      </p:pic>
+    </p:spTree>
+    <p:extLst>
+      <p:ext uri="{BB962C8B-B14F-4D97-AF65-F5344CB8AC3E}">
+        <p14:creationId xmlns:p14="http://schemas.microsoft.com/office/powerpoint/2010/main" val="912593350"/>
       </p:ext>
     </p:extLst>
   </p:cSld>
@@ -3967,7 +5035,7 @@
         <p:spPr>
           <a:xfrm>
             <a:off x="483832" y="303606"/>
-            <a:ext cx="5206753" cy="523220"/>
+            <a:ext cx="5206753" cy="584775"/>
           </a:xfrm>
           <a:prstGeom prst="rect">
             <a:avLst/>
@@ -3981,13 +5049,27 @@
           <a:lstStyle/>
           <a:p>
             <a:r>
-              <a:rPr lang="en-US" sz="2800" b="1" dirty="0">
-                <a:latin typeface="+mn-lt"/>
+              <a:rPr lang="en-US" sz="3200" b="1" dirty="0">
+                <a:solidFill>
+                  <a:schemeClr val="bg2">
+                    <a:lumMod val="20000"/>
+                    <a:lumOff val="80000"/>
+                  </a:schemeClr>
+                </a:solidFill>
+                <a:latin typeface="Calibri Light (Headings)"/>
                 <a:cs typeface="Calibri" pitchFamily="34" charset="0"/>
               </a:rPr>
               <a:t>Project Overview</a:t>
             </a:r>
-            <a:endParaRPr lang="en-US" sz="2800" dirty="0"/>
+            <a:endParaRPr lang="en-US" sz="3200" dirty="0">
+              <a:solidFill>
+                <a:schemeClr val="bg2">
+                  <a:lumMod val="20000"/>
+                  <a:lumOff val="80000"/>
+                </a:schemeClr>
+              </a:solidFill>
+              <a:latin typeface="Calibri Light (Headings)"/>
+            </a:endParaRPr>
           </a:p>
         </p:txBody>
       </p:sp>
@@ -4259,7 +5341,7 @@
         <p:spPr>
           <a:xfrm>
             <a:off x="483832" y="303606"/>
-            <a:ext cx="5206753" cy="523220"/>
+            <a:ext cx="5206753" cy="584775"/>
           </a:xfrm>
           <a:prstGeom prst="rect">
             <a:avLst/>
@@ -4273,13 +5355,27 @@
           <a:lstStyle/>
           <a:p>
             <a:r>
-              <a:rPr lang="en-US" sz="2800" b="1" dirty="0">
-                <a:latin typeface="+mn-lt"/>
+              <a:rPr lang="en-US" sz="3200" b="1" dirty="0">
+                <a:solidFill>
+                  <a:schemeClr val="bg2">
+                    <a:lumMod val="20000"/>
+                    <a:lumOff val="80000"/>
+                  </a:schemeClr>
+                </a:solidFill>
+                <a:latin typeface="Calibri Light (Headings)"/>
                 <a:cs typeface="Calibri" pitchFamily="34" charset="0"/>
               </a:rPr>
               <a:t>Project Data Source</a:t>
             </a:r>
-            <a:endParaRPr lang="en-US" sz="2800" dirty="0"/>
+            <a:endParaRPr lang="en-US" sz="3200" dirty="0">
+              <a:solidFill>
+                <a:schemeClr val="bg2">
+                  <a:lumMod val="20000"/>
+                  <a:lumOff val="80000"/>
+                </a:schemeClr>
+              </a:solidFill>
+              <a:latin typeface="Calibri Light (Headings)"/>
+            </a:endParaRPr>
           </a:p>
         </p:txBody>
       </p:sp>
@@ -4322,6 +5418,26 @@
               </a:rPr>
               <a:t>Source of Data: </a:t>
             </a:r>
+            <a:r>
+              <a:rPr lang="en-US" sz="2400" dirty="0">
+                <a:solidFill>
+                  <a:schemeClr val="bg2">
+                    <a:lumMod val="20000"/>
+                    <a:lumOff val="80000"/>
+                  </a:schemeClr>
+                </a:solidFill>
+                <a:hlinkClick r:id="rId2"/>
+              </a:rPr>
+              <a:t>Kaggle Stroke Prediction Database</a:t>
+            </a:r>
+            <a:endParaRPr lang="en-US" sz="2400" dirty="0">
+              <a:solidFill>
+                <a:schemeClr val="bg2">
+                  <a:lumMod val="20000"/>
+                  <a:lumOff val="80000"/>
+                </a:schemeClr>
+              </a:solidFill>
+            </a:endParaRPr>
           </a:p>
           <a:p>
             <a:r>
@@ -4480,7 +5596,7 @@
                   </a:schemeClr>
                 </a:solidFill>
               </a:rPr>
-              <a:t> 11 input features + target variable</a:t>
+              <a:t> 11 input features + 1 target variable</a:t>
             </a:r>
           </a:p>
           <a:p>
@@ -4651,7 +5767,7 @@
         <p:spPr>
           <a:xfrm>
             <a:off x="483832" y="303606"/>
-            <a:ext cx="5206753" cy="523220"/>
+            <a:ext cx="5206753" cy="584775"/>
           </a:xfrm>
           <a:prstGeom prst="rect">
             <a:avLst/>
@@ -4665,13 +5781,27 @@
           <a:lstStyle/>
           <a:p>
             <a:r>
-              <a:rPr lang="en-US" sz="2800" b="1" dirty="0">
-                <a:latin typeface="+mn-lt"/>
+              <a:rPr lang="en-US" sz="3200" b="1" dirty="0">
+                <a:solidFill>
+                  <a:schemeClr val="bg2">
+                    <a:lumMod val="20000"/>
+                    <a:lumOff val="80000"/>
+                  </a:schemeClr>
+                </a:solidFill>
+                <a:latin typeface="Calibri Light (Headings)"/>
                 <a:cs typeface="Calibri" pitchFamily="34" charset="0"/>
               </a:rPr>
               <a:t>Project Data Features</a:t>
             </a:r>
-            <a:endParaRPr lang="en-US" sz="2800" dirty="0"/>
+            <a:endParaRPr lang="en-US" sz="3200" dirty="0">
+              <a:solidFill>
+                <a:schemeClr val="bg2">
+                  <a:lumMod val="20000"/>
+                  <a:lumOff val="80000"/>
+                </a:schemeClr>
+              </a:solidFill>
+              <a:latin typeface="Calibri Light (Headings)"/>
+            </a:endParaRPr>
           </a:p>
         </p:txBody>
       </p:sp>
@@ -5433,7 +6563,7 @@
         <p:spPr>
           <a:xfrm>
             <a:off x="483832" y="303606"/>
-            <a:ext cx="5206753" cy="523220"/>
+            <a:ext cx="5206753" cy="584775"/>
           </a:xfrm>
           <a:prstGeom prst="rect">
             <a:avLst/>
@@ -5447,8 +6577,14 @@
           <a:lstStyle/>
           <a:p>
             <a:r>
-              <a:rPr lang="en-US" sz="2800" b="1" dirty="0">
-                <a:latin typeface="+mn-lt"/>
+              <a:rPr lang="en-US" sz="3200" b="1" dirty="0">
+                <a:solidFill>
+                  <a:schemeClr val="bg2">
+                    <a:lumMod val="20000"/>
+                    <a:lumOff val="80000"/>
+                  </a:schemeClr>
+                </a:solidFill>
+                <a:latin typeface="Calibri Light (Headings)"/>
                 <a:cs typeface="Calibri" pitchFamily="34" charset="0"/>
               </a:rPr>
               <a:t>Distribution of Key Features</a:t>
@@ -5541,7 +6677,14 @@
               <a:buChar char="§"/>
             </a:pPr>
             <a:r>
-              <a:rPr lang="en-US" sz="2400" dirty="0"/>
+              <a:rPr lang="en-US" sz="2400" dirty="0">
+                <a:solidFill>
+                  <a:schemeClr val="bg2">
+                    <a:lumMod val="20000"/>
+                    <a:lumOff val="80000"/>
+                  </a:schemeClr>
+                </a:solidFill>
+              </a:rPr>
               <a:t>Patients who got positive for brain stroke is approximately above 30 years old </a:t>
             </a:r>
           </a:p>
@@ -5555,7 +6698,14 @@
               <a:buFont typeface="Wingdings" panose="05000000000000000000" pitchFamily="2" charset="2"/>
               <a:buChar char="§"/>
             </a:pPr>
-            <a:endParaRPr lang="en-US" sz="2400" dirty="0"/>
+            <a:endParaRPr lang="en-US" sz="2400" dirty="0">
+              <a:solidFill>
+                <a:schemeClr val="bg2">
+                  <a:lumMod val="20000"/>
+                  <a:lumOff val="80000"/>
+                </a:schemeClr>
+              </a:solidFill>
+            </a:endParaRPr>
           </a:p>
           <a:p>
             <a:pPr marL="285750" indent="-285750">
@@ -5568,7 +6718,14 @@
               <a:buChar char="§"/>
             </a:pPr>
             <a:r>
-              <a:rPr lang="en-US" sz="2400" dirty="0"/>
+              <a:rPr lang="en-US" sz="2400" dirty="0">
+                <a:solidFill>
+                  <a:schemeClr val="bg2">
+                    <a:lumMod val="20000"/>
+                    <a:lumOff val="80000"/>
+                  </a:schemeClr>
+                </a:solidFill>
+              </a:rPr>
               <a:t>The risk of having a stroke is increasing with age</a:t>
             </a:r>
           </a:p>
@@ -5677,7 +6834,7 @@
         <p:spPr>
           <a:xfrm>
             <a:off x="483832" y="303606"/>
-            <a:ext cx="5206753" cy="523220"/>
+            <a:ext cx="5206753" cy="584775"/>
           </a:xfrm>
           <a:prstGeom prst="rect">
             <a:avLst/>
@@ -5691,8 +6848,14 @@
           <a:lstStyle/>
           <a:p>
             <a:r>
-              <a:rPr lang="en-US" sz="2800" b="1" dirty="0">
-                <a:latin typeface="+mn-lt"/>
+              <a:rPr lang="en-US" sz="3200" b="1" dirty="0">
+                <a:solidFill>
+                  <a:schemeClr val="bg2">
+                    <a:lumMod val="20000"/>
+                    <a:lumOff val="80000"/>
+                  </a:schemeClr>
+                </a:solidFill>
+                <a:latin typeface="Calibri Light (Headings)"/>
                 <a:cs typeface="Calibri" pitchFamily="34" charset="0"/>
               </a:rPr>
               <a:t>Distribution of Key Features</a:t>
@@ -6198,7 +7361,7 @@
         <p:spPr>
           <a:xfrm>
             <a:off x="315156" y="161563"/>
-            <a:ext cx="5206753" cy="523220"/>
+            <a:ext cx="5206753" cy="584775"/>
           </a:xfrm>
           <a:prstGeom prst="rect">
             <a:avLst/>
@@ -6212,8 +7375,14 @@
           <a:lstStyle/>
           <a:p>
             <a:r>
-              <a:rPr lang="en-US" sz="2800" b="1" dirty="0">
-                <a:latin typeface="+mn-lt"/>
+              <a:rPr lang="en-US" sz="3200" b="1" dirty="0">
+                <a:solidFill>
+                  <a:schemeClr val="bg2">
+                    <a:lumMod val="20000"/>
+                    <a:lumOff val="80000"/>
+                  </a:schemeClr>
+                </a:solidFill>
+                <a:latin typeface="Calibri Light (Headings)"/>
                 <a:cs typeface="Calibri" pitchFamily="34" charset="0"/>
               </a:rPr>
               <a:t>Distribution of Key Features</a:t>
@@ -6429,8 +7598,15 @@
           <a:lstStyle/>
           <a:p>
             <a:r>
-              <a:rPr lang="en-US" sz="2000" dirty="0"/>
-              <a:t>According the data, the risk of having a stroke is not much dependent on the average glucose level in blood</a:t>
+              <a:rPr lang="en-US" sz="2000" dirty="0">
+                <a:solidFill>
+                  <a:schemeClr val="bg2">
+                    <a:lumMod val="20000"/>
+                    <a:lumOff val="80000"/>
+                  </a:schemeClr>
+                </a:solidFill>
+              </a:rPr>
+              <a:t>According this plot, the risk of having a stroke is not much dependent on the average glucose level in blood</a:t>
             </a:r>
           </a:p>
           <a:p>
@@ -6496,8 +7672,8 @@
         </p:nvSpPr>
         <p:spPr>
           <a:xfrm>
-            <a:off x="483832" y="303606"/>
-            <a:ext cx="7293007" cy="954107"/>
+            <a:off x="341789" y="117175"/>
+            <a:ext cx="8384961" cy="954107"/>
           </a:xfrm>
           <a:prstGeom prst="rect">
             <a:avLst/>
@@ -6512,12 +7688,26 @@
           <a:p>
             <a:r>
               <a:rPr lang="en-US" sz="2800" b="1" dirty="0">
-                <a:latin typeface="+mn-lt"/>
+                <a:solidFill>
+                  <a:schemeClr val="bg2">
+                    <a:lumMod val="20000"/>
+                    <a:lumOff val="80000"/>
+                  </a:schemeClr>
+                </a:solidFill>
+                <a:latin typeface="Calibri Light (Headings)"/>
                 <a:cs typeface="Calibri" pitchFamily="34" charset="0"/>
               </a:rPr>
               <a:t>Correlation between average glucose level and age of patients</a:t>
             </a:r>
-            <a:endParaRPr lang="en-US" sz="2800" dirty="0"/>
+            <a:endParaRPr lang="en-US" sz="2800" dirty="0">
+              <a:solidFill>
+                <a:schemeClr val="bg2">
+                  <a:lumMod val="20000"/>
+                  <a:lumOff val="80000"/>
+                </a:schemeClr>
+              </a:solidFill>
+              <a:latin typeface="Calibri Light (Headings)"/>
+            </a:endParaRPr>
           </a:p>
         </p:txBody>
       </p:sp>
@@ -6581,7 +7771,7 @@
         <p:spPr>
           <a:xfrm>
             <a:off x="7047345" y="2515075"/>
-            <a:ext cx="1773383" cy="2031325"/>
+            <a:ext cx="1773383" cy="2554545"/>
           </a:xfrm>
           <a:prstGeom prst="rect">
             <a:avLst/>
@@ -6595,37 +7785,58 @@
           <a:lstStyle/>
           <a:p>
             <a:r>
-              <a:rPr lang="en-US" dirty="0"/>
+              <a:rPr lang="en-US" sz="2000" dirty="0">
+                <a:solidFill>
+                  <a:schemeClr val="bg2">
+                    <a:lumMod val="20000"/>
+                    <a:lumOff val="80000"/>
+                  </a:schemeClr>
+                </a:solidFill>
+              </a:rPr>
               <a:t>There is a high risk on the people above </a:t>
             </a:r>
             <a:r>
-              <a:rPr lang="en-US" dirty="0">
+              <a:rPr lang="en-US" sz="2000" dirty="0">
                 <a:solidFill>
                   <a:schemeClr val="accent1">
-                    <a:lumMod val="60000"/>
-                    <a:lumOff val="40000"/>
-                  </a:schemeClr>
-                </a:solidFill>
-              </a:rPr>
-              <a:t>~45 years</a:t>
-            </a:r>
-            <a:r>
-              <a:rPr lang="en-US" dirty="0"/>
-              <a:t> who suffering from </a:t>
-            </a:r>
-            <a:r>
-              <a:rPr lang="en-US" dirty="0">
+                    <a:lumMod val="40000"/>
+                    <a:lumOff val="60000"/>
+                  </a:schemeClr>
+                </a:solidFill>
+              </a:rPr>
+              <a:t>~45 years </a:t>
+            </a:r>
+            <a:r>
+              <a:rPr lang="en-US" sz="2000" dirty="0">
+                <a:solidFill>
+                  <a:schemeClr val="bg2">
+                    <a:lumMod val="20000"/>
+                    <a:lumOff val="80000"/>
+                  </a:schemeClr>
+                </a:solidFill>
+              </a:rPr>
+              <a:t>who suffering from </a:t>
+            </a:r>
+            <a:r>
+              <a:rPr lang="en-US" sz="2000" dirty="0">
                 <a:solidFill>
                   <a:schemeClr val="accent1">
-                    <a:lumMod val="60000"/>
-                    <a:lumOff val="40000"/>
+                    <a:lumMod val="40000"/>
+                    <a:lumOff val="60000"/>
                   </a:schemeClr>
                 </a:solidFill>
               </a:rPr>
               <a:t>diabetes</a:t>
             </a:r>
             <a:r>
-              <a:rPr lang="en-US" dirty="0"/>
+              <a:rPr lang="en-US" sz="2000" dirty="0">
+                <a:solidFill>
+                  <a:schemeClr val="bg2">
+                    <a:lumMod val="20000"/>
+                    <a:lumOff val="80000"/>
+                  </a:schemeClr>
+                </a:solidFill>
+              </a:rPr>
               <a:t> to have a brain stroke</a:t>
             </a:r>
           </a:p>
@@ -6731,7 +7942,7 @@
         </p:nvSpPr>
         <p:spPr>
           <a:xfrm>
-            <a:off x="483832" y="303606"/>
+            <a:off x="324034" y="188196"/>
             <a:ext cx="7293007" cy="523220"/>
           </a:xfrm>
           <a:prstGeom prst="rect">
@@ -6747,12 +7958,26 @@
           <a:p>
             <a:r>
               <a:rPr lang="en-US" sz="2800" b="1" dirty="0">
-                <a:latin typeface="+mn-lt"/>
+                <a:solidFill>
+                  <a:schemeClr val="bg2">
+                    <a:lumMod val="20000"/>
+                    <a:lumOff val="80000"/>
+                  </a:schemeClr>
+                </a:solidFill>
+                <a:latin typeface="Calibri Light (Headings)"/>
                 <a:cs typeface="Calibri" pitchFamily="34" charset="0"/>
               </a:rPr>
               <a:t>Correlation between BMI and age of patients</a:t>
             </a:r>
-            <a:endParaRPr lang="en-US" sz="2800" dirty="0"/>
+            <a:endParaRPr lang="en-US" sz="2800" dirty="0">
+              <a:solidFill>
+                <a:schemeClr val="bg2">
+                  <a:lumMod val="20000"/>
+                  <a:lumOff val="80000"/>
+                </a:schemeClr>
+              </a:solidFill>
+              <a:latin typeface="Calibri Light (Headings)"/>
+            </a:endParaRPr>
           </a:p>
         </p:txBody>
       </p:sp>

--- a/stroke_pred_presentation.pptx
+++ b/stroke_pred_presentation.pptx
@@ -4,6 +4,9 @@
   <p:sldMasterIdLst>
     <p:sldMasterId id="2147483660" r:id="rId1"/>
   </p:sldMasterIdLst>
+  <p:notesMasterIdLst>
+    <p:notesMasterId r:id="rId15"/>
+  </p:notesMasterIdLst>
   <p:sldIdLst>
     <p:sldId id="259" r:id="rId2"/>
     <p:sldId id="260" r:id="rId3"/>
@@ -124,6 +127,355 @@
 </p:presentation>
 </file>
 
+<file path=ppt/notesMasters/notesMaster1.xml><?xml version="1.0" encoding="utf-8"?>
+<p:notesMaster xmlns:a="http://schemas.openxmlformats.org/drawingml/2006/main" xmlns:r="http://schemas.openxmlformats.org/officeDocument/2006/relationships" xmlns:p="http://schemas.openxmlformats.org/presentationml/2006/main">
+  <p:cSld>
+    <p:bg>
+      <p:bgRef idx="1001">
+        <a:schemeClr val="bg1"/>
+      </p:bgRef>
+    </p:bg>
+    <p:spTree>
+      <p:nvGrpSpPr>
+        <p:cNvPr id="1" name=""/>
+        <p:cNvGrpSpPr/>
+        <p:nvPr/>
+      </p:nvGrpSpPr>
+      <p:grpSpPr>
+        <a:xfrm>
+          <a:off x="0" y="0"/>
+          <a:ext cx="0" cy="0"/>
+          <a:chOff x="0" y="0"/>
+          <a:chExt cx="0" cy="0"/>
+        </a:xfrm>
+      </p:grpSpPr>
+      <p:sp>
+        <p:nvSpPr>
+          <p:cNvPr id="2" name="Header Placeholder 1"/>
+          <p:cNvSpPr>
+            <a:spLocks noGrp="1"/>
+          </p:cNvSpPr>
+          <p:nvPr>
+            <p:ph type="hdr" sz="quarter"/>
+          </p:nvPr>
+        </p:nvSpPr>
+        <p:spPr>
+          <a:xfrm>
+            <a:off x="0" y="0"/>
+            <a:ext cx="2971800" cy="458788"/>
+          </a:xfrm>
+          <a:prstGeom prst="rect">
+            <a:avLst/>
+          </a:prstGeom>
+        </p:spPr>
+        <p:txBody>
+          <a:bodyPr vert="horz" lIns="91440" tIns="45720" rIns="91440" bIns="45720" rtlCol="0"/>
+          <a:lstStyle>
+            <a:lvl1pPr algn="l">
+              <a:defRPr sz="1200"/>
+            </a:lvl1pPr>
+          </a:lstStyle>
+          <a:p>
+            <a:endParaRPr lang="en-US"/>
+          </a:p>
+        </p:txBody>
+      </p:sp>
+      <p:sp>
+        <p:nvSpPr>
+          <p:cNvPr id="3" name="Date Placeholder 2"/>
+          <p:cNvSpPr>
+            <a:spLocks noGrp="1"/>
+          </p:cNvSpPr>
+          <p:nvPr>
+            <p:ph type="dt" idx="1"/>
+          </p:nvPr>
+        </p:nvSpPr>
+        <p:spPr>
+          <a:xfrm>
+            <a:off x="3884613" y="0"/>
+            <a:ext cx="2971800" cy="458788"/>
+          </a:xfrm>
+          <a:prstGeom prst="rect">
+            <a:avLst/>
+          </a:prstGeom>
+        </p:spPr>
+        <p:txBody>
+          <a:bodyPr vert="horz" lIns="91440" tIns="45720" rIns="91440" bIns="45720" rtlCol="0"/>
+          <a:lstStyle>
+            <a:lvl1pPr algn="r">
+              <a:defRPr sz="1200"/>
+            </a:lvl1pPr>
+          </a:lstStyle>
+          <a:p>
+            <a:fld id="{9D4CA0D4-BE3F-4BFA-9713-935ED216B102}" type="datetimeFigureOut">
+              <a:rPr lang="en-US" smtClean="0"/>
+              <a:t>12/8/2022</a:t>
+            </a:fld>
+            <a:endParaRPr lang="en-US"/>
+          </a:p>
+        </p:txBody>
+      </p:sp>
+      <p:sp>
+        <p:nvSpPr>
+          <p:cNvPr id="4" name="Slide Image Placeholder 3"/>
+          <p:cNvSpPr>
+            <a:spLocks noGrp="1" noRot="1" noChangeAspect="1"/>
+          </p:cNvSpPr>
+          <p:nvPr>
+            <p:ph type="sldImg" idx="2"/>
+          </p:nvPr>
+        </p:nvSpPr>
+        <p:spPr>
+          <a:xfrm>
+            <a:off x="1371600" y="1143000"/>
+            <a:ext cx="4114800" cy="3086100"/>
+          </a:xfrm>
+          <a:prstGeom prst="rect">
+            <a:avLst/>
+          </a:prstGeom>
+          <a:noFill/>
+          <a:ln w="12700">
+            <a:solidFill>
+              <a:prstClr val="black"/>
+            </a:solidFill>
+          </a:ln>
+        </p:spPr>
+        <p:txBody>
+          <a:bodyPr vert="horz" lIns="91440" tIns="45720" rIns="91440" bIns="45720" rtlCol="0" anchor="ctr"/>
+          <a:lstStyle/>
+          <a:p>
+            <a:endParaRPr lang="en-US"/>
+          </a:p>
+        </p:txBody>
+      </p:sp>
+      <p:sp>
+        <p:nvSpPr>
+          <p:cNvPr id="5" name="Notes Placeholder 4"/>
+          <p:cNvSpPr>
+            <a:spLocks noGrp="1"/>
+          </p:cNvSpPr>
+          <p:nvPr>
+            <p:ph type="body" sz="quarter" idx="3"/>
+          </p:nvPr>
+        </p:nvSpPr>
+        <p:spPr>
+          <a:xfrm>
+            <a:off x="685800" y="4400550"/>
+            <a:ext cx="5486400" cy="3600450"/>
+          </a:xfrm>
+          <a:prstGeom prst="rect">
+            <a:avLst/>
+          </a:prstGeom>
+        </p:spPr>
+        <p:txBody>
+          <a:bodyPr vert="horz" lIns="91440" tIns="45720" rIns="91440" bIns="45720" rtlCol="0"/>
+          <a:lstStyle/>
+          <a:p>
+            <a:pPr lvl="0"/>
+            <a:r>
+              <a:rPr lang="en-US"/>
+              <a:t>Click to edit Master text styles</a:t>
+            </a:r>
+          </a:p>
+          <a:p>
+            <a:pPr lvl="1"/>
+            <a:r>
+              <a:rPr lang="en-US"/>
+              <a:t>Second level</a:t>
+            </a:r>
+          </a:p>
+          <a:p>
+            <a:pPr lvl="2"/>
+            <a:r>
+              <a:rPr lang="en-US"/>
+              <a:t>Third level</a:t>
+            </a:r>
+          </a:p>
+          <a:p>
+            <a:pPr lvl="3"/>
+            <a:r>
+              <a:rPr lang="en-US"/>
+              <a:t>Fourth level</a:t>
+            </a:r>
+          </a:p>
+          <a:p>
+            <a:pPr lvl="4"/>
+            <a:r>
+              <a:rPr lang="en-US"/>
+              <a:t>Fifth level</a:t>
+            </a:r>
+          </a:p>
+        </p:txBody>
+      </p:sp>
+      <p:sp>
+        <p:nvSpPr>
+          <p:cNvPr id="6" name="Footer Placeholder 5"/>
+          <p:cNvSpPr>
+            <a:spLocks noGrp="1"/>
+          </p:cNvSpPr>
+          <p:nvPr>
+            <p:ph type="ftr" sz="quarter" idx="4"/>
+          </p:nvPr>
+        </p:nvSpPr>
+        <p:spPr>
+          <a:xfrm>
+            <a:off x="0" y="8685213"/>
+            <a:ext cx="2971800" cy="458787"/>
+          </a:xfrm>
+          <a:prstGeom prst="rect">
+            <a:avLst/>
+          </a:prstGeom>
+        </p:spPr>
+        <p:txBody>
+          <a:bodyPr vert="horz" lIns="91440" tIns="45720" rIns="91440" bIns="45720" rtlCol="0" anchor="b"/>
+          <a:lstStyle>
+            <a:lvl1pPr algn="l">
+              <a:defRPr sz="1200"/>
+            </a:lvl1pPr>
+          </a:lstStyle>
+          <a:p>
+            <a:endParaRPr lang="en-US"/>
+          </a:p>
+        </p:txBody>
+      </p:sp>
+      <p:sp>
+        <p:nvSpPr>
+          <p:cNvPr id="7" name="Slide Number Placeholder 6"/>
+          <p:cNvSpPr>
+            <a:spLocks noGrp="1"/>
+          </p:cNvSpPr>
+          <p:nvPr>
+            <p:ph type="sldNum" sz="quarter" idx="5"/>
+          </p:nvPr>
+        </p:nvSpPr>
+        <p:spPr>
+          <a:xfrm>
+            <a:off x="3884613" y="8685213"/>
+            <a:ext cx="2971800" cy="458787"/>
+          </a:xfrm>
+          <a:prstGeom prst="rect">
+            <a:avLst/>
+          </a:prstGeom>
+        </p:spPr>
+        <p:txBody>
+          <a:bodyPr vert="horz" lIns="91440" tIns="45720" rIns="91440" bIns="45720" rtlCol="0" anchor="b"/>
+          <a:lstStyle>
+            <a:lvl1pPr algn="r">
+              <a:defRPr sz="1200"/>
+            </a:lvl1pPr>
+          </a:lstStyle>
+          <a:p>
+            <a:fld id="{7FA36B63-F782-49B3-A43D-F42C52E40140}" type="slidenum">
+              <a:rPr lang="en-US" smtClean="0"/>
+              <a:t>‹#›</a:t>
+            </a:fld>
+            <a:endParaRPr lang="en-US"/>
+          </a:p>
+        </p:txBody>
+      </p:sp>
+    </p:spTree>
+    <p:extLst>
+      <p:ext uri="{BB962C8B-B14F-4D97-AF65-F5344CB8AC3E}">
+        <p14:creationId xmlns:p14="http://schemas.microsoft.com/office/powerpoint/2010/main" val="1474087550"/>
+      </p:ext>
+    </p:extLst>
+  </p:cSld>
+  <p:clrMap bg1="lt1" tx1="dk1" bg2="lt2" tx2="dk2" accent1="accent1" accent2="accent2" accent3="accent3" accent4="accent4" accent5="accent5" accent6="accent6" hlink="hlink" folHlink="folHlink"/>
+  <p:notesStyle>
+    <a:lvl1pPr marL="0" algn="l" defTabSz="914400" rtl="0" eaLnBrk="1" latinLnBrk="0" hangingPunct="1">
+      <a:defRPr sz="1200" kern="1200">
+        <a:solidFill>
+          <a:schemeClr val="tx1"/>
+        </a:solidFill>
+        <a:latin typeface="+mn-lt"/>
+        <a:ea typeface="+mn-ea"/>
+        <a:cs typeface="+mn-cs"/>
+      </a:defRPr>
+    </a:lvl1pPr>
+    <a:lvl2pPr marL="457200" algn="l" defTabSz="914400" rtl="0" eaLnBrk="1" latinLnBrk="0" hangingPunct="1">
+      <a:defRPr sz="1200" kern="1200">
+        <a:solidFill>
+          <a:schemeClr val="tx1"/>
+        </a:solidFill>
+        <a:latin typeface="+mn-lt"/>
+        <a:ea typeface="+mn-ea"/>
+        <a:cs typeface="+mn-cs"/>
+      </a:defRPr>
+    </a:lvl2pPr>
+    <a:lvl3pPr marL="914400" algn="l" defTabSz="914400" rtl="0" eaLnBrk="1" latinLnBrk="0" hangingPunct="1">
+      <a:defRPr sz="1200" kern="1200">
+        <a:solidFill>
+          <a:schemeClr val="tx1"/>
+        </a:solidFill>
+        <a:latin typeface="+mn-lt"/>
+        <a:ea typeface="+mn-ea"/>
+        <a:cs typeface="+mn-cs"/>
+      </a:defRPr>
+    </a:lvl3pPr>
+    <a:lvl4pPr marL="1371600" algn="l" defTabSz="914400" rtl="0" eaLnBrk="1" latinLnBrk="0" hangingPunct="1">
+      <a:defRPr sz="1200" kern="1200">
+        <a:solidFill>
+          <a:schemeClr val="tx1"/>
+        </a:solidFill>
+        <a:latin typeface="+mn-lt"/>
+        <a:ea typeface="+mn-ea"/>
+        <a:cs typeface="+mn-cs"/>
+      </a:defRPr>
+    </a:lvl4pPr>
+    <a:lvl5pPr marL="1828800" algn="l" defTabSz="914400" rtl="0" eaLnBrk="1" latinLnBrk="0" hangingPunct="1">
+      <a:defRPr sz="1200" kern="1200">
+        <a:solidFill>
+          <a:schemeClr val="tx1"/>
+        </a:solidFill>
+        <a:latin typeface="+mn-lt"/>
+        <a:ea typeface="+mn-ea"/>
+        <a:cs typeface="+mn-cs"/>
+      </a:defRPr>
+    </a:lvl5pPr>
+    <a:lvl6pPr marL="2286000" algn="l" defTabSz="914400" rtl="0" eaLnBrk="1" latinLnBrk="0" hangingPunct="1">
+      <a:defRPr sz="1200" kern="1200">
+        <a:solidFill>
+          <a:schemeClr val="tx1"/>
+        </a:solidFill>
+        <a:latin typeface="+mn-lt"/>
+        <a:ea typeface="+mn-ea"/>
+        <a:cs typeface="+mn-cs"/>
+      </a:defRPr>
+    </a:lvl6pPr>
+    <a:lvl7pPr marL="2743200" algn="l" defTabSz="914400" rtl="0" eaLnBrk="1" latinLnBrk="0" hangingPunct="1">
+      <a:defRPr sz="1200" kern="1200">
+        <a:solidFill>
+          <a:schemeClr val="tx1"/>
+        </a:solidFill>
+        <a:latin typeface="+mn-lt"/>
+        <a:ea typeface="+mn-ea"/>
+        <a:cs typeface="+mn-cs"/>
+      </a:defRPr>
+    </a:lvl7pPr>
+    <a:lvl8pPr marL="3200400" algn="l" defTabSz="914400" rtl="0" eaLnBrk="1" latinLnBrk="0" hangingPunct="1">
+      <a:defRPr sz="1200" kern="1200">
+        <a:solidFill>
+          <a:schemeClr val="tx1"/>
+        </a:solidFill>
+        <a:latin typeface="+mn-lt"/>
+        <a:ea typeface="+mn-ea"/>
+        <a:cs typeface="+mn-cs"/>
+      </a:defRPr>
+    </a:lvl8pPr>
+    <a:lvl9pPr marL="3657600" algn="l" defTabSz="914400" rtl="0" eaLnBrk="1" latinLnBrk="0" hangingPunct="1">
+      <a:defRPr sz="1200" kern="1200">
+        <a:solidFill>
+          <a:schemeClr val="tx1"/>
+        </a:solidFill>
+        <a:latin typeface="+mn-lt"/>
+        <a:ea typeface="+mn-ea"/>
+        <a:cs typeface="+mn-cs"/>
+      </a:defRPr>
+    </a:lvl9pPr>
+  </p:notesStyle>
+</p:notesMaster>
+</file>
+
 <file path=ppt/slideLayouts/slideLayout1.xml><?xml version="1.0" encoding="utf-8"?>
 <p:sldLayout xmlns:a="http://schemas.openxmlformats.org/drawingml/2006/main" xmlns:r="http://schemas.openxmlformats.org/officeDocument/2006/relationships" xmlns:p="http://schemas.openxmlformats.org/presentationml/2006/main" type="title" preserve="1">
   <p:cSld name="Title Slide">
@@ -253,7 +605,7 @@
           <a:bodyPr/>
           <a:lstStyle/>
           <a:p>
-            <a:fld id="{DFA1E9A6-908D-47E9-85EC-E27169C531D0}" type="datetimeFigureOut">
+            <a:fld id="{0576F366-428D-4B79-83E6-F837AD1D1A3E}" type="datetime1">
               <a:rPr lang="en-US" smtClean="0"/>
               <a:t>12/8/2022</a:t>
             </a:fld>
@@ -423,7 +775,7 @@
           <a:bodyPr/>
           <a:lstStyle/>
           <a:p>
-            <a:fld id="{DFA1E9A6-908D-47E9-85EC-E27169C531D0}" type="datetimeFigureOut">
+            <a:fld id="{B7E2D224-5220-41CC-BEAF-9097E4CE4437}" type="datetime1">
               <a:rPr lang="en-US" smtClean="0"/>
               <a:t>12/8/2022</a:t>
             </a:fld>
@@ -603,7 +955,7 @@
           <a:bodyPr/>
           <a:lstStyle/>
           <a:p>
-            <a:fld id="{DFA1E9A6-908D-47E9-85EC-E27169C531D0}" type="datetimeFigureOut">
+            <a:fld id="{19442E82-23D0-430A-A19A-7CDBFDDA7B55}" type="datetime1">
               <a:rPr lang="en-US" smtClean="0"/>
               <a:t>12/8/2022</a:t>
             </a:fld>
@@ -773,7 +1125,7 @@
           <a:bodyPr/>
           <a:lstStyle/>
           <a:p>
-            <a:fld id="{DFA1E9A6-908D-47E9-85EC-E27169C531D0}" type="datetimeFigureOut">
+            <a:fld id="{CE6EDEBF-F718-435D-9B5B-4CA3F17BE8C2}" type="datetime1">
               <a:rPr lang="en-US" smtClean="0"/>
               <a:t>12/8/2022</a:t>
             </a:fld>
@@ -1017,7 +1369,7 @@
           <a:bodyPr/>
           <a:lstStyle/>
           <a:p>
-            <a:fld id="{DFA1E9A6-908D-47E9-85EC-E27169C531D0}" type="datetimeFigureOut">
+            <a:fld id="{8BD180E8-8D3B-4C78-BE21-CE1616970EC0}" type="datetime1">
               <a:rPr lang="en-US" smtClean="0"/>
               <a:t>12/8/2022</a:t>
             </a:fld>
@@ -1249,7 +1601,7 @@
           <a:bodyPr/>
           <a:lstStyle/>
           <a:p>
-            <a:fld id="{DFA1E9A6-908D-47E9-85EC-E27169C531D0}" type="datetimeFigureOut">
+            <a:fld id="{64773656-66A5-4AA5-8867-1D5EACF74E12}" type="datetime1">
               <a:rPr lang="en-US" smtClean="0"/>
               <a:t>12/8/2022</a:t>
             </a:fld>
@@ -1616,7 +1968,7 @@
           <a:bodyPr/>
           <a:lstStyle/>
           <a:p>
-            <a:fld id="{DFA1E9A6-908D-47E9-85EC-E27169C531D0}" type="datetimeFigureOut">
+            <a:fld id="{10E63EEE-D0EA-4AF4-AD01-DCC1F14C726C}" type="datetime1">
               <a:rPr lang="en-US" smtClean="0"/>
               <a:t>12/8/2022</a:t>
             </a:fld>
@@ -1734,7 +2086,7 @@
           <a:bodyPr/>
           <a:lstStyle/>
           <a:p>
-            <a:fld id="{DFA1E9A6-908D-47E9-85EC-E27169C531D0}" type="datetimeFigureOut">
+            <a:fld id="{EA7B7CBF-0CB4-4BC7-8D8E-73B98E6561C8}" type="datetime1">
               <a:rPr lang="en-US" smtClean="0"/>
               <a:t>12/8/2022</a:t>
             </a:fld>
@@ -1829,7 +2181,7 @@
           <a:bodyPr/>
           <a:lstStyle/>
           <a:p>
-            <a:fld id="{DFA1E9A6-908D-47E9-85EC-E27169C531D0}" type="datetimeFigureOut">
+            <a:fld id="{BE43B326-CBE9-46E5-9297-3DCFDB473A98}" type="datetime1">
               <a:rPr lang="en-US" smtClean="0"/>
               <a:t>12/8/2022</a:t>
             </a:fld>
@@ -2106,7 +2458,7 @@
           <a:bodyPr/>
           <a:lstStyle/>
           <a:p>
-            <a:fld id="{DFA1E9A6-908D-47E9-85EC-E27169C531D0}" type="datetimeFigureOut">
+            <a:fld id="{92D8DB9B-809A-4707-951F-91B2213A44AB}" type="datetime1">
               <a:rPr lang="en-US" smtClean="0"/>
               <a:t>12/8/2022</a:t>
             </a:fld>
@@ -2363,7 +2715,7 @@
           <a:bodyPr/>
           <a:lstStyle/>
           <a:p>
-            <a:fld id="{DFA1E9A6-908D-47E9-85EC-E27169C531D0}" type="datetimeFigureOut">
+            <a:fld id="{374C4AC5-C50F-4CB2-A5B0-FDFCE24E4A93}" type="datetime1">
               <a:rPr lang="en-US" smtClean="0"/>
               <a:t>12/8/2022</a:t>
             </a:fld>
@@ -2576,7 +2928,7 @@
             </a:lvl1pPr>
           </a:lstStyle>
           <a:p>
-            <a:fld id="{DFA1E9A6-908D-47E9-85EC-E27169C531D0}" type="datetimeFigureOut">
+            <a:fld id="{6804E675-829D-4EBE-9882-E1E2299660DE}" type="datetime1">
               <a:rPr lang="en-US" smtClean="0"/>
               <a:t>12/8/2022</a:t>
             </a:fld>
@@ -2683,6 +3035,7 @@
     <p:sldLayoutId id="2147483670" r:id="rId10"/>
     <p:sldLayoutId id="2147483671" r:id="rId11"/>
   </p:sldLayoutIdLst>
+  <p:hf hdr="0" ftr="0" dt="0"/>
   <p:txStyles>
     <p:titleStyle>
       <a:lvl1pPr algn="l" defTabSz="914400" rtl="0" eaLnBrk="1" latinLnBrk="0" hangingPunct="1">
@@ -3320,6 +3673,35 @@
           </a:p>
         </p:txBody>
       </p:sp>
+      <p:sp>
+        <p:nvSpPr>
+          <p:cNvPr id="5" name="Slide Number Placeholder 4">
+            <a:extLst>
+              <a:ext uri="{FF2B5EF4-FFF2-40B4-BE49-F238E27FC236}">
+                <a16:creationId xmlns:a16="http://schemas.microsoft.com/office/drawing/2014/main" id="{AA9B4BF2-F051-E71D-6BC5-D5FE11F5D301}"/>
+              </a:ext>
+            </a:extLst>
+          </p:cNvPr>
+          <p:cNvSpPr>
+            <a:spLocks noGrp="1"/>
+          </p:cNvSpPr>
+          <p:nvPr>
+            <p:ph type="sldNum" sz="quarter" idx="12"/>
+          </p:nvPr>
+        </p:nvSpPr>
+        <p:spPr/>
+        <p:txBody>
+          <a:bodyPr/>
+          <a:lstStyle/>
+          <a:p>
+            <a:fld id="{62066F41-31B1-4462-A95A-E0715C8401D7}" type="slidenum">
+              <a:rPr lang="en-US" smtClean="0"/>
+              <a:t>1</a:t>
+            </a:fld>
+            <a:endParaRPr lang="en-US"/>
+          </a:p>
+        </p:txBody>
+      </p:sp>
     </p:spTree>
     <p:extLst>
       <p:ext uri="{BB962C8B-B14F-4D97-AF65-F5344CB8AC3E}">
@@ -3983,6 +4365,35 @@
           </a:extLst>
         </p:spPr>
       </p:pic>
+      <p:sp>
+        <p:nvSpPr>
+          <p:cNvPr id="4" name="Slide Number Placeholder 3">
+            <a:extLst>
+              <a:ext uri="{FF2B5EF4-FFF2-40B4-BE49-F238E27FC236}">
+                <a16:creationId xmlns:a16="http://schemas.microsoft.com/office/drawing/2014/main" id="{636673F1-992E-61AB-7BA7-1801D8F9C333}"/>
+              </a:ext>
+            </a:extLst>
+          </p:cNvPr>
+          <p:cNvSpPr>
+            <a:spLocks noGrp="1"/>
+          </p:cNvSpPr>
+          <p:nvPr>
+            <p:ph type="sldNum" sz="quarter" idx="12"/>
+          </p:nvPr>
+        </p:nvSpPr>
+        <p:spPr/>
+        <p:txBody>
+          <a:bodyPr/>
+          <a:lstStyle/>
+          <a:p>
+            <a:fld id="{62066F41-31B1-4462-A95A-E0715C8401D7}" type="slidenum">
+              <a:rPr lang="en-US" smtClean="0"/>
+              <a:t>10</a:t>
+            </a:fld>
+            <a:endParaRPr lang="en-US"/>
+          </a:p>
+        </p:txBody>
+      </p:sp>
     </p:spTree>
     <p:extLst>
       <p:ext uri="{BB962C8B-B14F-4D97-AF65-F5344CB8AC3E}">
@@ -4256,6 +4667,35 @@
               </a:rPr>
               <a:t>The quality of the model is ~ 82% - 83% </a:t>
             </a:r>
+          </a:p>
+        </p:txBody>
+      </p:sp>
+      <p:sp>
+        <p:nvSpPr>
+          <p:cNvPr id="3" name="Slide Number Placeholder 2">
+            <a:extLst>
+              <a:ext uri="{FF2B5EF4-FFF2-40B4-BE49-F238E27FC236}">
+                <a16:creationId xmlns:a16="http://schemas.microsoft.com/office/drawing/2014/main" id="{3F81C1C6-CB00-63A8-3AEE-5675631735D0}"/>
+              </a:ext>
+            </a:extLst>
+          </p:cNvPr>
+          <p:cNvSpPr>
+            <a:spLocks noGrp="1"/>
+          </p:cNvSpPr>
+          <p:nvPr>
+            <p:ph type="sldNum" sz="quarter" idx="12"/>
+          </p:nvPr>
+        </p:nvSpPr>
+        <p:spPr/>
+        <p:txBody>
+          <a:bodyPr/>
+          <a:lstStyle/>
+          <a:p>
+            <a:fld id="{62066F41-31B1-4462-A95A-E0715C8401D7}" type="slidenum">
+              <a:rPr lang="en-US" smtClean="0"/>
+              <a:t>11</a:t>
+            </a:fld>
+            <a:endParaRPr lang="en-US"/>
           </a:p>
         </p:txBody>
       </p:sp>
@@ -4725,6 +5165,35 @@
           </a:extLst>
         </p:spPr>
       </p:pic>
+      <p:sp>
+        <p:nvSpPr>
+          <p:cNvPr id="5" name="Slide Number Placeholder 4">
+            <a:extLst>
+              <a:ext uri="{FF2B5EF4-FFF2-40B4-BE49-F238E27FC236}">
+                <a16:creationId xmlns:a16="http://schemas.microsoft.com/office/drawing/2014/main" id="{262216FB-460F-5A5F-F88D-2D645153B661}"/>
+              </a:ext>
+            </a:extLst>
+          </p:cNvPr>
+          <p:cNvSpPr>
+            <a:spLocks noGrp="1"/>
+          </p:cNvSpPr>
+          <p:nvPr>
+            <p:ph type="sldNum" sz="quarter" idx="12"/>
+          </p:nvPr>
+        </p:nvSpPr>
+        <p:spPr/>
+        <p:txBody>
+          <a:bodyPr/>
+          <a:lstStyle/>
+          <a:p>
+            <a:fld id="{62066F41-31B1-4462-A95A-E0715C8401D7}" type="slidenum">
+              <a:rPr lang="en-US" smtClean="0"/>
+              <a:t>12</a:t>
+            </a:fld>
+            <a:endParaRPr lang="en-US"/>
+          </a:p>
+        </p:txBody>
+      </p:sp>
     </p:spTree>
     <p:extLst>
       <p:ext uri="{BB962C8B-B14F-4D97-AF65-F5344CB8AC3E}">
@@ -4979,6 +5448,35 @@
           </a:prstGeom>
         </p:spPr>
       </p:pic>
+      <p:sp>
+        <p:nvSpPr>
+          <p:cNvPr id="3" name="Slide Number Placeholder 2">
+            <a:extLst>
+              <a:ext uri="{FF2B5EF4-FFF2-40B4-BE49-F238E27FC236}">
+                <a16:creationId xmlns:a16="http://schemas.microsoft.com/office/drawing/2014/main" id="{1FE9358B-D8AB-7EDF-C189-785A11748FF6}"/>
+              </a:ext>
+            </a:extLst>
+          </p:cNvPr>
+          <p:cNvSpPr>
+            <a:spLocks noGrp="1"/>
+          </p:cNvSpPr>
+          <p:nvPr>
+            <p:ph type="sldNum" sz="quarter" idx="12"/>
+          </p:nvPr>
+        </p:nvSpPr>
+        <p:spPr/>
+        <p:txBody>
+          <a:bodyPr/>
+          <a:lstStyle/>
+          <a:p>
+            <a:fld id="{62066F41-31B1-4462-A95A-E0715C8401D7}" type="slidenum">
+              <a:rPr lang="en-US" smtClean="0"/>
+              <a:t>13</a:t>
+            </a:fld>
+            <a:endParaRPr lang="en-US"/>
+          </a:p>
+        </p:txBody>
+      </p:sp>
     </p:spTree>
     <p:extLst>
       <p:ext uri="{BB962C8B-B14F-4D97-AF65-F5344CB8AC3E}">
@@ -5285,6 +5783,35 @@
           </a:p>
         </p:txBody>
       </p:sp>
+      <p:sp>
+        <p:nvSpPr>
+          <p:cNvPr id="3" name="Slide Number Placeholder 2">
+            <a:extLst>
+              <a:ext uri="{FF2B5EF4-FFF2-40B4-BE49-F238E27FC236}">
+                <a16:creationId xmlns:a16="http://schemas.microsoft.com/office/drawing/2014/main" id="{D8FC373E-A264-1CB9-353C-B959B09AF1E3}"/>
+              </a:ext>
+            </a:extLst>
+          </p:cNvPr>
+          <p:cNvSpPr>
+            <a:spLocks noGrp="1"/>
+          </p:cNvSpPr>
+          <p:nvPr>
+            <p:ph type="sldNum" sz="quarter" idx="12"/>
+          </p:nvPr>
+        </p:nvSpPr>
+        <p:spPr/>
+        <p:txBody>
+          <a:bodyPr/>
+          <a:lstStyle/>
+          <a:p>
+            <a:fld id="{62066F41-31B1-4462-A95A-E0715C8401D7}" type="slidenum">
+              <a:rPr lang="en-US" smtClean="0"/>
+              <a:t>2</a:t>
+            </a:fld>
+            <a:endParaRPr lang="en-US"/>
+          </a:p>
+        </p:txBody>
+      </p:sp>
     </p:spTree>
     <p:extLst>
       <p:ext uri="{BB962C8B-B14F-4D97-AF65-F5344CB8AC3E}">
@@ -5708,6 +6235,35 @@
           </a:p>
           <a:p>
             <a:endParaRPr lang="en-US" dirty="0"/>
+          </a:p>
+        </p:txBody>
+      </p:sp>
+      <p:sp>
+        <p:nvSpPr>
+          <p:cNvPr id="3" name="Slide Number Placeholder 2">
+            <a:extLst>
+              <a:ext uri="{FF2B5EF4-FFF2-40B4-BE49-F238E27FC236}">
+                <a16:creationId xmlns:a16="http://schemas.microsoft.com/office/drawing/2014/main" id="{63F066F5-0631-5E72-EF98-B43FCA1C0A2C}"/>
+              </a:ext>
+            </a:extLst>
+          </p:cNvPr>
+          <p:cNvSpPr>
+            <a:spLocks noGrp="1"/>
+          </p:cNvSpPr>
+          <p:nvPr>
+            <p:ph type="sldNum" sz="quarter" idx="12"/>
+          </p:nvPr>
+        </p:nvSpPr>
+        <p:spPr/>
+        <p:txBody>
+          <a:bodyPr/>
+          <a:lstStyle/>
+          <a:p>
+            <a:fld id="{62066F41-31B1-4462-A95A-E0715C8401D7}" type="slidenum">
+              <a:rPr lang="en-US" smtClean="0"/>
+              <a:t>3</a:t>
+            </a:fld>
+            <a:endParaRPr lang="en-US"/>
           </a:p>
         </p:txBody>
       </p:sp>
@@ -6507,6 +7063,35 @@
           </a:graphicData>
         </a:graphic>
       </p:graphicFrame>
+      <p:sp>
+        <p:nvSpPr>
+          <p:cNvPr id="3" name="Slide Number Placeholder 2">
+            <a:extLst>
+              <a:ext uri="{FF2B5EF4-FFF2-40B4-BE49-F238E27FC236}">
+                <a16:creationId xmlns:a16="http://schemas.microsoft.com/office/drawing/2014/main" id="{875A0849-3AA9-2FE8-C9CF-E7922B49535E}"/>
+              </a:ext>
+            </a:extLst>
+          </p:cNvPr>
+          <p:cNvSpPr>
+            <a:spLocks noGrp="1"/>
+          </p:cNvSpPr>
+          <p:nvPr>
+            <p:ph type="sldNum" sz="quarter" idx="12"/>
+          </p:nvPr>
+        </p:nvSpPr>
+        <p:spPr/>
+        <p:txBody>
+          <a:bodyPr/>
+          <a:lstStyle/>
+          <a:p>
+            <a:fld id="{62066F41-31B1-4462-A95A-E0715C8401D7}" type="slidenum">
+              <a:rPr lang="en-US" smtClean="0"/>
+              <a:t>4</a:t>
+            </a:fld>
+            <a:endParaRPr lang="en-US"/>
+          </a:p>
+        </p:txBody>
+      </p:sp>
     </p:spTree>
     <p:extLst>
       <p:ext uri="{BB962C8B-B14F-4D97-AF65-F5344CB8AC3E}">
@@ -6728,6 +7313,35 @@
               </a:rPr>
               <a:t>The risk of having a stroke is increasing with age</a:t>
             </a:r>
+          </a:p>
+        </p:txBody>
+      </p:sp>
+      <p:sp>
+        <p:nvSpPr>
+          <p:cNvPr id="4" name="Slide Number Placeholder 3">
+            <a:extLst>
+              <a:ext uri="{FF2B5EF4-FFF2-40B4-BE49-F238E27FC236}">
+                <a16:creationId xmlns:a16="http://schemas.microsoft.com/office/drawing/2014/main" id="{4D3113E0-4D86-46D6-CA44-8CB2085F11A9}"/>
+              </a:ext>
+            </a:extLst>
+          </p:cNvPr>
+          <p:cNvSpPr>
+            <a:spLocks noGrp="1"/>
+          </p:cNvSpPr>
+          <p:nvPr>
+            <p:ph type="sldNum" sz="quarter" idx="12"/>
+          </p:nvPr>
+        </p:nvSpPr>
+        <p:spPr/>
+        <p:txBody>
+          <a:bodyPr/>
+          <a:lstStyle/>
+          <a:p>
+            <a:fld id="{62066F41-31B1-4462-A95A-E0715C8401D7}" type="slidenum">
+              <a:rPr lang="en-US" smtClean="0"/>
+              <a:t>5</a:t>
+            </a:fld>
+            <a:endParaRPr lang="en-US"/>
           </a:p>
         </p:txBody>
       </p:sp>
@@ -7258,6 +7872,35 @@
           </a:p>
         </p:txBody>
       </p:sp>
+      <p:sp>
+        <p:nvSpPr>
+          <p:cNvPr id="3" name="Slide Number Placeholder 2">
+            <a:extLst>
+              <a:ext uri="{FF2B5EF4-FFF2-40B4-BE49-F238E27FC236}">
+                <a16:creationId xmlns:a16="http://schemas.microsoft.com/office/drawing/2014/main" id="{D2518D7E-FB2C-D243-B350-0FD4120EB209}"/>
+              </a:ext>
+            </a:extLst>
+          </p:cNvPr>
+          <p:cNvSpPr>
+            <a:spLocks noGrp="1"/>
+          </p:cNvSpPr>
+          <p:nvPr>
+            <p:ph type="sldNum" sz="quarter" idx="12"/>
+          </p:nvPr>
+        </p:nvSpPr>
+        <p:spPr/>
+        <p:txBody>
+          <a:bodyPr/>
+          <a:lstStyle/>
+          <a:p>
+            <a:fld id="{62066F41-31B1-4462-A95A-E0715C8401D7}" type="slidenum">
+              <a:rPr lang="en-US" smtClean="0"/>
+              <a:t>6</a:t>
+            </a:fld>
+            <a:endParaRPr lang="en-US"/>
+          </a:p>
+        </p:txBody>
+      </p:sp>
     </p:spTree>
     <p:extLst>
       <p:ext uri="{BB962C8B-B14F-4D97-AF65-F5344CB8AC3E}">
@@ -7617,6 +8260,35 @@
           </a:p>
         </p:txBody>
       </p:sp>
+      <p:sp>
+        <p:nvSpPr>
+          <p:cNvPr id="4" name="Slide Number Placeholder 3">
+            <a:extLst>
+              <a:ext uri="{FF2B5EF4-FFF2-40B4-BE49-F238E27FC236}">
+                <a16:creationId xmlns:a16="http://schemas.microsoft.com/office/drawing/2014/main" id="{EF8207C3-72D7-92CE-1928-22054AF490AF}"/>
+              </a:ext>
+            </a:extLst>
+          </p:cNvPr>
+          <p:cNvSpPr>
+            <a:spLocks noGrp="1"/>
+          </p:cNvSpPr>
+          <p:nvPr>
+            <p:ph type="sldNum" sz="quarter" idx="12"/>
+          </p:nvPr>
+        </p:nvSpPr>
+        <p:spPr/>
+        <p:txBody>
+          <a:bodyPr/>
+          <a:lstStyle/>
+          <a:p>
+            <a:fld id="{62066F41-31B1-4462-A95A-E0715C8401D7}" type="slidenum">
+              <a:rPr lang="en-US" smtClean="0"/>
+              <a:t>7</a:t>
+            </a:fld>
+            <a:endParaRPr lang="en-US"/>
+          </a:p>
+        </p:txBody>
+      </p:sp>
     </p:spTree>
     <p:extLst>
       <p:ext uri="{BB962C8B-B14F-4D97-AF65-F5344CB8AC3E}">
@@ -7839,6 +8511,35 @@
               </a:rPr>
               <a:t> to have a brain stroke</a:t>
             </a:r>
+          </a:p>
+        </p:txBody>
+      </p:sp>
+      <p:sp>
+        <p:nvSpPr>
+          <p:cNvPr id="4" name="Slide Number Placeholder 3">
+            <a:extLst>
+              <a:ext uri="{FF2B5EF4-FFF2-40B4-BE49-F238E27FC236}">
+                <a16:creationId xmlns:a16="http://schemas.microsoft.com/office/drawing/2014/main" id="{8D30DEFF-3A67-B1DD-EA9D-C427317C09F9}"/>
+              </a:ext>
+            </a:extLst>
+          </p:cNvPr>
+          <p:cNvSpPr>
+            <a:spLocks noGrp="1"/>
+          </p:cNvSpPr>
+          <p:nvPr>
+            <p:ph type="sldNum" sz="quarter" idx="12"/>
+          </p:nvPr>
+        </p:nvSpPr>
+        <p:spPr/>
+        <p:txBody>
+          <a:bodyPr/>
+          <a:lstStyle/>
+          <a:p>
+            <a:fld id="{62066F41-31B1-4462-A95A-E0715C8401D7}" type="slidenum">
+              <a:rPr lang="en-US" smtClean="0"/>
+              <a:t>8</a:t>
+            </a:fld>
+            <a:endParaRPr lang="en-US"/>
           </a:p>
         </p:txBody>
       </p:sp>
@@ -8064,6 +8765,35 @@
               </a:rPr>
               <a:t> to have a brain stroke</a:t>
             </a:r>
+          </a:p>
+        </p:txBody>
+      </p:sp>
+      <p:sp>
+        <p:nvSpPr>
+          <p:cNvPr id="4" name="Slide Number Placeholder 3">
+            <a:extLst>
+              <a:ext uri="{FF2B5EF4-FFF2-40B4-BE49-F238E27FC236}">
+                <a16:creationId xmlns:a16="http://schemas.microsoft.com/office/drawing/2014/main" id="{73851DAD-28D0-4BB2-893E-DC4CBDECAA7A}"/>
+              </a:ext>
+            </a:extLst>
+          </p:cNvPr>
+          <p:cNvSpPr>
+            <a:spLocks noGrp="1"/>
+          </p:cNvSpPr>
+          <p:nvPr>
+            <p:ph type="sldNum" sz="quarter" idx="12"/>
+          </p:nvPr>
+        </p:nvSpPr>
+        <p:spPr/>
+        <p:txBody>
+          <a:bodyPr/>
+          <a:lstStyle/>
+          <a:p>
+            <a:fld id="{62066F41-31B1-4462-A95A-E0715C8401D7}" type="slidenum">
+              <a:rPr lang="en-US" smtClean="0"/>
+              <a:t>9</a:t>
+            </a:fld>
+            <a:endParaRPr lang="en-US"/>
           </a:p>
         </p:txBody>
       </p:sp>
@@ -8339,4 +9069,299 @@
     </a:ext>
   </a:extLst>
 </a:theme>
+</file>
+
+<file path=ppt/theme/theme2.xml><?xml version="1.0" encoding="utf-8"?>
+<a:theme xmlns:a="http://schemas.openxmlformats.org/drawingml/2006/main" name="Office Theme">
+  <a:themeElements>
+    <a:clrScheme name="Office">
+      <a:dk1>
+        <a:sysClr val="windowText" lastClr="000000"/>
+      </a:dk1>
+      <a:lt1>
+        <a:sysClr val="window" lastClr="FFFFFF"/>
+      </a:lt1>
+      <a:dk2>
+        <a:srgbClr val="44546A"/>
+      </a:dk2>
+      <a:lt2>
+        <a:srgbClr val="E7E6E6"/>
+      </a:lt2>
+      <a:accent1>
+        <a:srgbClr val="4472C4"/>
+      </a:accent1>
+      <a:accent2>
+        <a:srgbClr val="ED7D31"/>
+      </a:accent2>
+      <a:accent3>
+        <a:srgbClr val="A5A5A5"/>
+      </a:accent3>
+      <a:accent4>
+        <a:srgbClr val="FFC000"/>
+      </a:accent4>
+      <a:accent5>
+        <a:srgbClr val="5B9BD5"/>
+      </a:accent5>
+      <a:accent6>
+        <a:srgbClr val="70AD47"/>
+      </a:accent6>
+      <a:hlink>
+        <a:srgbClr val="0563C1"/>
+      </a:hlink>
+      <a:folHlink>
+        <a:srgbClr val="954F72"/>
+      </a:folHlink>
+    </a:clrScheme>
+    <a:fontScheme name="Office">
+      <a:majorFont>
+        <a:latin typeface="Calibri Light" panose="020F0302020204030204"/>
+        <a:ea typeface=""/>
+        <a:cs typeface=""/>
+        <a:font script="Jpan" typeface="游ゴシック Light"/>
+        <a:font script="Hang" typeface="맑은 고딕"/>
+        <a:font script="Hans" typeface="等线 Light"/>
+        <a:font script="Hant" typeface="新細明體"/>
+        <a:font script="Arab" typeface="Times New Roman"/>
+        <a:font script="Hebr" typeface="Times New Roman"/>
+        <a:font script="Thai" typeface="Angsana New"/>
+        <a:font script="Ethi" typeface="Nyala"/>
+        <a:font script="Beng" typeface="Vrinda"/>
+        <a:font script="Gujr" typeface="Shruti"/>
+        <a:font script="Khmr" typeface="MoolBoran"/>
+        <a:font script="Knda" typeface="Tunga"/>
+        <a:font script="Guru" typeface="Raavi"/>
+        <a:font script="Cans" typeface="Euphemia"/>
+        <a:font script="Cher" typeface="Plantagenet Cherokee"/>
+        <a:font script="Yiii" typeface="Microsoft Yi Baiti"/>
+        <a:font script="Tibt" typeface="Microsoft Himalaya"/>
+        <a:font script="Thaa" typeface="MV Boli"/>
+        <a:font script="Deva" typeface="Mangal"/>
+        <a:font script="Telu" typeface="Gautami"/>
+        <a:font script="Taml" typeface="Latha"/>
+        <a:font script="Syrc" typeface="Estrangelo Edessa"/>
+        <a:font script="Orya" typeface="Kalinga"/>
+        <a:font script="Mlym" typeface="Kartika"/>
+        <a:font script="Laoo" typeface="DokChampa"/>
+        <a:font script="Sinh" typeface="Iskoola Pota"/>
+        <a:font script="Mong" typeface="Mongolian Baiti"/>
+        <a:font script="Viet" typeface="Times New Roman"/>
+        <a:font script="Uigh" typeface="Microsoft Uighur"/>
+        <a:font script="Geor" typeface="Sylfaen"/>
+        <a:font script="Armn" typeface="Arial"/>
+        <a:font script="Bugi" typeface="Leelawadee UI"/>
+        <a:font script="Bopo" typeface="Microsoft JhengHei"/>
+        <a:font script="Java" typeface="Javanese Text"/>
+        <a:font script="Lisu" typeface="Segoe UI"/>
+        <a:font script="Mymr" typeface="Myanmar Text"/>
+        <a:font script="Nkoo" typeface="Ebrima"/>
+        <a:font script="Olck" typeface="Nirmala UI"/>
+        <a:font script="Osma" typeface="Ebrima"/>
+        <a:font script="Phag" typeface="Phagspa"/>
+        <a:font script="Syrn" typeface="Estrangelo Edessa"/>
+        <a:font script="Syrj" typeface="Estrangelo Edessa"/>
+        <a:font script="Syre" typeface="Estrangelo Edessa"/>
+        <a:font script="Sora" typeface="Nirmala UI"/>
+        <a:font script="Tale" typeface="Microsoft Tai Le"/>
+        <a:font script="Talu" typeface="Microsoft New Tai Lue"/>
+        <a:font script="Tfng" typeface="Ebrima"/>
+      </a:majorFont>
+      <a:minorFont>
+        <a:latin typeface="Calibri" panose="020F0502020204030204"/>
+        <a:ea typeface=""/>
+        <a:cs typeface=""/>
+        <a:font script="Jpan" typeface="游ゴシック"/>
+        <a:font script="Hang" typeface="맑은 고딕"/>
+        <a:font script="Hans" typeface="等线"/>
+        <a:font script="Hant" typeface="新細明體"/>
+        <a:font script="Arab" typeface="Arial"/>
+        <a:font script="Hebr" typeface="Arial"/>
+        <a:font script="Thai" typeface="Cordia New"/>
+        <a:font script="Ethi" typeface="Nyala"/>
+        <a:font script="Beng" typeface="Vrinda"/>
+        <a:font script="Gujr" typeface="Shruti"/>
+        <a:font script="Khmr" typeface="DaunPenh"/>
+        <a:font script="Knda" typeface="Tunga"/>
+        <a:font script="Guru" typeface="Raavi"/>
+        <a:font script="Cans" typeface="Euphemia"/>
+        <a:font script="Cher" typeface="Plantagenet Cherokee"/>
+        <a:font script="Yiii" typeface="Microsoft Yi Baiti"/>
+        <a:font script="Tibt" typeface="Microsoft Himalaya"/>
+        <a:font script="Thaa" typeface="MV Boli"/>
+        <a:font script="Deva" typeface="Mangal"/>
+        <a:font script="Telu" typeface="Gautami"/>
+        <a:font script="Taml" typeface="Latha"/>
+        <a:font script="Syrc" typeface="Estrangelo Edessa"/>
+        <a:font script="Orya" typeface="Kalinga"/>
+        <a:font script="Mlym" typeface="Kartika"/>
+        <a:font script="Laoo" typeface="DokChampa"/>
+        <a:font script="Sinh" typeface="Iskoola Pota"/>
+        <a:font script="Mong" typeface="Mongolian Baiti"/>
+        <a:font script="Viet" typeface="Arial"/>
+        <a:font script="Uigh" typeface="Microsoft Uighur"/>
+        <a:font script="Geor" typeface="Sylfaen"/>
+        <a:font script="Armn" typeface="Arial"/>
+        <a:font script="Bugi" typeface="Leelawadee UI"/>
+        <a:font script="Bopo" typeface="Microsoft JhengHei"/>
+        <a:font script="Java" typeface="Javanese Text"/>
+        <a:font script="Lisu" typeface="Segoe UI"/>
+        <a:font script="Mymr" typeface="Myanmar Text"/>
+        <a:font script="Nkoo" typeface="Ebrima"/>
+        <a:font script="Olck" typeface="Nirmala UI"/>
+        <a:font script="Osma" typeface="Ebrima"/>
+        <a:font script="Phag" typeface="Phagspa"/>
+        <a:font script="Syrn" typeface="Estrangelo Edessa"/>
+        <a:font script="Syrj" typeface="Estrangelo Edessa"/>
+        <a:font script="Syre" typeface="Estrangelo Edessa"/>
+        <a:font script="Sora" typeface="Nirmala UI"/>
+        <a:font script="Tale" typeface="Microsoft Tai Le"/>
+        <a:font script="Talu" typeface="Microsoft New Tai Lue"/>
+        <a:font script="Tfng" typeface="Ebrima"/>
+      </a:minorFont>
+    </a:fontScheme>
+    <a:fmtScheme name="Office">
+      <a:fillStyleLst>
+        <a:solidFill>
+          <a:schemeClr val="phClr"/>
+        </a:solidFill>
+        <a:gradFill rotWithShape="1">
+          <a:gsLst>
+            <a:gs pos="0">
+              <a:schemeClr val="phClr">
+                <a:lumMod val="110000"/>
+                <a:satMod val="105000"/>
+                <a:tint val="67000"/>
+              </a:schemeClr>
+            </a:gs>
+            <a:gs pos="50000">
+              <a:schemeClr val="phClr">
+                <a:lumMod val="105000"/>
+                <a:satMod val="103000"/>
+                <a:tint val="73000"/>
+              </a:schemeClr>
+            </a:gs>
+            <a:gs pos="100000">
+              <a:schemeClr val="phClr">
+                <a:lumMod val="105000"/>
+                <a:satMod val="109000"/>
+                <a:tint val="81000"/>
+              </a:schemeClr>
+            </a:gs>
+          </a:gsLst>
+          <a:lin ang="5400000" scaled="0"/>
+        </a:gradFill>
+        <a:gradFill rotWithShape="1">
+          <a:gsLst>
+            <a:gs pos="0">
+              <a:schemeClr val="phClr">
+                <a:satMod val="103000"/>
+                <a:lumMod val="102000"/>
+                <a:tint val="94000"/>
+              </a:schemeClr>
+            </a:gs>
+            <a:gs pos="50000">
+              <a:schemeClr val="phClr">
+                <a:satMod val="110000"/>
+                <a:lumMod val="100000"/>
+                <a:shade val="100000"/>
+              </a:schemeClr>
+            </a:gs>
+            <a:gs pos="100000">
+              <a:schemeClr val="phClr">
+                <a:lumMod val="99000"/>
+                <a:satMod val="120000"/>
+                <a:shade val="78000"/>
+              </a:schemeClr>
+            </a:gs>
+          </a:gsLst>
+          <a:lin ang="5400000" scaled="0"/>
+        </a:gradFill>
+      </a:fillStyleLst>
+      <a:lnStyleLst>
+        <a:ln w="6350" cap="flat" cmpd="sng" algn="ctr">
+          <a:solidFill>
+            <a:schemeClr val="phClr"/>
+          </a:solidFill>
+          <a:prstDash val="solid"/>
+          <a:miter lim="800000"/>
+        </a:ln>
+        <a:ln w="12700" cap="flat" cmpd="sng" algn="ctr">
+          <a:solidFill>
+            <a:schemeClr val="phClr"/>
+          </a:solidFill>
+          <a:prstDash val="solid"/>
+          <a:miter lim="800000"/>
+        </a:ln>
+        <a:ln w="19050" cap="flat" cmpd="sng" algn="ctr">
+          <a:solidFill>
+            <a:schemeClr val="phClr"/>
+          </a:solidFill>
+          <a:prstDash val="solid"/>
+          <a:miter lim="800000"/>
+        </a:ln>
+      </a:lnStyleLst>
+      <a:effectStyleLst>
+        <a:effectStyle>
+          <a:effectLst/>
+        </a:effectStyle>
+        <a:effectStyle>
+          <a:effectLst/>
+        </a:effectStyle>
+        <a:effectStyle>
+          <a:effectLst>
+            <a:outerShdw blurRad="57150" dist="19050" dir="5400000" algn="ctr" rotWithShape="0">
+              <a:srgbClr val="000000">
+                <a:alpha val="63000"/>
+              </a:srgbClr>
+            </a:outerShdw>
+          </a:effectLst>
+        </a:effectStyle>
+      </a:effectStyleLst>
+      <a:bgFillStyleLst>
+        <a:solidFill>
+          <a:schemeClr val="phClr"/>
+        </a:solidFill>
+        <a:solidFill>
+          <a:schemeClr val="phClr">
+            <a:tint val="95000"/>
+            <a:satMod val="170000"/>
+          </a:schemeClr>
+        </a:solidFill>
+        <a:gradFill rotWithShape="1">
+          <a:gsLst>
+            <a:gs pos="0">
+              <a:schemeClr val="phClr">
+                <a:tint val="93000"/>
+                <a:satMod val="150000"/>
+                <a:shade val="98000"/>
+                <a:lumMod val="102000"/>
+              </a:schemeClr>
+            </a:gs>
+            <a:gs pos="50000">
+              <a:schemeClr val="phClr">
+                <a:tint val="98000"/>
+                <a:satMod val="130000"/>
+                <a:shade val="90000"/>
+                <a:lumMod val="103000"/>
+              </a:schemeClr>
+            </a:gs>
+            <a:gs pos="100000">
+              <a:schemeClr val="phClr">
+                <a:shade val="63000"/>
+                <a:satMod val="120000"/>
+              </a:schemeClr>
+            </a:gs>
+          </a:gsLst>
+          <a:lin ang="5400000" scaled="0"/>
+        </a:gradFill>
+      </a:bgFillStyleLst>
+    </a:fmtScheme>
+  </a:themeElements>
+  <a:objectDefaults/>
+  <a:extraClrSchemeLst/>
+  <a:extLst>
+    <a:ext uri="{05A4C25C-085E-4340-85A3-A5531E510DB2}">
+      <thm15:themeFamily xmlns:thm15="http://schemas.microsoft.com/office/thememl/2012/main" name="Office Theme" id="{62F939B6-93AF-4DB8-9C6B-D6C7DFDC589F}" vid="{4A3C46E8-61CC-4603-A589-7422A47A8E4A}"/>
+    </a:ext>
+  </a:extLst>
+</a:theme>
 </file>
--- a/stroke_pred_presentation.pptx
+++ b/stroke_pred_presentation.pptx
@@ -6056,7 +6056,7 @@
                 </a:solidFill>
                 <a:effectLst/>
               </a:rPr>
-              <a:t>5110 rows and 12 columns</a:t>
+              <a:t>5110 rows and 11 columns</a:t>
             </a:r>
           </a:p>
           <a:p>
@@ -6103,7 +6103,7 @@
               <a:t>12 columns </a:t>
             </a:r>
             <a:r>
-              <a:rPr lang="en-US" sz="2400" dirty="0">
+              <a:rPr lang="en-US" sz="2400">
                 <a:solidFill>
                   <a:schemeClr val="bg2">
                     <a:lumMod val="20000"/>
@@ -6115,7 +6115,7 @@
               <a:t>=</a:t>
             </a:r>
             <a:r>
-              <a:rPr lang="en-US" sz="2400" dirty="0">
+              <a:rPr lang="en-US" sz="2400">
                 <a:solidFill>
                   <a:schemeClr val="bg2">
                     <a:lumMod val="20000"/>
@@ -6123,7 +6123,18 @@
                   </a:schemeClr>
                 </a:solidFill>
               </a:rPr>
-              <a:t> 11 input features + 1 target variable</a:t>
+              <a:t> 10 </a:t>
+            </a:r>
+            <a:r>
+              <a:rPr lang="en-US" sz="2400" dirty="0">
+                <a:solidFill>
+                  <a:schemeClr val="bg2">
+                    <a:lumMod val="20000"/>
+                    <a:lumOff val="80000"/>
+                  </a:schemeClr>
+                </a:solidFill>
+              </a:rPr>
+              <a:t>input features + 1 target variable</a:t>
             </a:r>
           </a:p>
           <a:p>

--- a/stroke_pred_presentation.pptx
+++ b/stroke_pred_presentation.pptx
@@ -6092,7 +6092,7 @@
               <a:buChar char="q"/>
             </a:pPr>
             <a:r>
-              <a:rPr lang="en-US" sz="2400" dirty="0">
+              <a:rPr lang="en-US" sz="2400">
                 <a:solidFill>
                   <a:schemeClr val="bg2">
                     <a:lumMod val="20000"/>
@@ -6100,7 +6100,18 @@
                   </a:schemeClr>
                 </a:solidFill>
               </a:rPr>
-              <a:t>12 columns </a:t>
+              <a:t>11 </a:t>
+            </a:r>
+            <a:r>
+              <a:rPr lang="en-US" sz="2400" dirty="0">
+                <a:solidFill>
+                  <a:schemeClr val="bg2">
+                    <a:lumMod val="20000"/>
+                    <a:lumOff val="80000"/>
+                  </a:schemeClr>
+                </a:solidFill>
+              </a:rPr>
+              <a:t>columns </a:t>
             </a:r>
             <a:r>
               <a:rPr lang="en-US" sz="2400">
